--- a/thesis/fig/figs.pptx
+++ b/thesis/fig/figs.pptx
@@ -14,6 +14,7 @@
     <p:sldId id="262" r:id="rId8"/>
     <p:sldId id="263" r:id="rId9"/>
     <p:sldId id="264" r:id="rId10"/>
+    <p:sldId id="265" r:id="rId11"/>
   </p:sldIdLst>
   <p:sldSz cx="12192000" cy="6858000"/>
   <p:notesSz cx="6858000" cy="9144000"/>
@@ -130,6 +131,7 @@
             <p14:sldId id="262"/>
             <p14:sldId id="263"/>
             <p14:sldId id="264"/>
+            <p14:sldId id="265"/>
           </p14:sldIdLst>
         </p14:section>
       </p14:sectionLst>
@@ -270,7 +272,7 @@
           <a:p>
             <a:fld id="{D997B5FA-0921-464F-AAE1-844C04324D75}" type="datetimeFigureOut">
               <a:rPr lang="zh-CN" altLang="en-US" smtClean="0"/>
-              <a:t>2024/5/10</a:t>
+              <a:t>2024/5/13</a:t>
             </a:fld>
             <a:endParaRPr lang="zh-CN" altLang="en-US"/>
           </a:p>
@@ -433,7 +435,7 @@
           <a:p>
             <a:fld id="{D997B5FA-0921-464F-AAE1-844C04324D75}" type="datetimeFigureOut">
               <a:rPr lang="zh-CN" altLang="en-US" smtClean="0"/>
-              <a:t>2024/5/10</a:t>
+              <a:t>2024/5/13</a:t>
             </a:fld>
             <a:endParaRPr lang="zh-CN" altLang="en-US"/>
           </a:p>
@@ -606,7 +608,7 @@
           <a:p>
             <a:fld id="{D997B5FA-0921-464F-AAE1-844C04324D75}" type="datetimeFigureOut">
               <a:rPr lang="zh-CN" altLang="en-US" smtClean="0"/>
-              <a:t>2024/5/10</a:t>
+              <a:t>2024/5/13</a:t>
             </a:fld>
             <a:endParaRPr lang="zh-CN" altLang="en-US"/>
           </a:p>
@@ -769,7 +771,7 @@
           <a:p>
             <a:fld id="{D997B5FA-0921-464F-AAE1-844C04324D75}" type="datetimeFigureOut">
               <a:rPr lang="zh-CN" altLang="en-US" smtClean="0"/>
-              <a:t>2024/5/10</a:t>
+              <a:t>2024/5/13</a:t>
             </a:fld>
             <a:endParaRPr lang="zh-CN" altLang="en-US"/>
           </a:p>
@@ -1009,7 +1011,7 @@
           <a:p>
             <a:fld id="{D997B5FA-0921-464F-AAE1-844C04324D75}" type="datetimeFigureOut">
               <a:rPr lang="zh-CN" altLang="en-US" smtClean="0"/>
-              <a:t>2024/5/10</a:t>
+              <a:t>2024/5/13</a:t>
             </a:fld>
             <a:endParaRPr lang="zh-CN" altLang="en-US"/>
           </a:p>
@@ -1233,7 +1235,7 @@
           <a:p>
             <a:fld id="{D997B5FA-0921-464F-AAE1-844C04324D75}" type="datetimeFigureOut">
               <a:rPr lang="zh-CN" altLang="en-US" smtClean="0"/>
-              <a:t>2024/5/10</a:t>
+              <a:t>2024/5/13</a:t>
             </a:fld>
             <a:endParaRPr lang="zh-CN" altLang="en-US"/>
           </a:p>
@@ -1592,7 +1594,7 @@
           <a:p>
             <a:fld id="{D997B5FA-0921-464F-AAE1-844C04324D75}" type="datetimeFigureOut">
               <a:rPr lang="zh-CN" altLang="en-US" smtClean="0"/>
-              <a:t>2024/5/10</a:t>
+              <a:t>2024/5/13</a:t>
             </a:fld>
             <a:endParaRPr lang="zh-CN" altLang="en-US"/>
           </a:p>
@@ -1704,7 +1706,7 @@
           <a:p>
             <a:fld id="{D997B5FA-0921-464F-AAE1-844C04324D75}" type="datetimeFigureOut">
               <a:rPr lang="zh-CN" altLang="en-US" smtClean="0"/>
-              <a:t>2024/5/10</a:t>
+              <a:t>2024/5/13</a:t>
             </a:fld>
             <a:endParaRPr lang="zh-CN" altLang="en-US"/>
           </a:p>
@@ -1794,7 +1796,7 @@
           <a:p>
             <a:fld id="{D997B5FA-0921-464F-AAE1-844C04324D75}" type="datetimeFigureOut">
               <a:rPr lang="zh-CN" altLang="en-US" smtClean="0"/>
-              <a:t>2024/5/10</a:t>
+              <a:t>2024/5/13</a:t>
             </a:fld>
             <a:endParaRPr lang="zh-CN" altLang="en-US"/>
           </a:p>
@@ -2064,7 +2066,7 @@
           <a:p>
             <a:fld id="{D997B5FA-0921-464F-AAE1-844C04324D75}" type="datetimeFigureOut">
               <a:rPr lang="zh-CN" altLang="en-US" smtClean="0"/>
-              <a:t>2024/5/10</a:t>
+              <a:t>2024/5/13</a:t>
             </a:fld>
             <a:endParaRPr lang="zh-CN" altLang="en-US"/>
           </a:p>
@@ -2311,7 +2313,7 @@
           <a:p>
             <a:fld id="{D997B5FA-0921-464F-AAE1-844C04324D75}" type="datetimeFigureOut">
               <a:rPr lang="zh-CN" altLang="en-US" smtClean="0"/>
-              <a:t>2024/5/10</a:t>
+              <a:t>2024/5/13</a:t>
             </a:fld>
             <a:endParaRPr lang="zh-CN" altLang="en-US"/>
           </a:p>
@@ -2517,7 +2519,7 @@
           <a:p>
             <a:fld id="{D997B5FA-0921-464F-AAE1-844C04324D75}" type="datetimeFigureOut">
               <a:rPr lang="zh-CN" altLang="en-US" smtClean="0"/>
-              <a:t>2024/5/10</a:t>
+              <a:t>2024/5/13</a:t>
             </a:fld>
             <a:endParaRPr lang="zh-CN" altLang="en-US"/>
           </a:p>
@@ -3687,6 +3689,1499 @@
     <p:extLst>
       <p:ext uri="{BB962C8B-B14F-4D97-AF65-F5344CB8AC3E}">
         <p14:creationId xmlns:p14="http://schemas.microsoft.com/office/powerpoint/2010/main" val="8305927"/>
+      </p:ext>
+    </p:extLst>
+  </p:cSld>
+  <p:clrMapOvr>
+    <a:masterClrMapping/>
+  </p:clrMapOvr>
+</p:sld>
+</file>
+
+<file path=ppt/slides/slide10.xml><?xml version="1.0" encoding="utf-8"?>
+<p:sld xmlns:a="http://schemas.openxmlformats.org/drawingml/2006/main" xmlns:r="http://schemas.openxmlformats.org/officeDocument/2006/relationships" xmlns:p="http://schemas.openxmlformats.org/presentationml/2006/main">
+  <p:cSld>
+    <p:spTree>
+      <p:nvGrpSpPr>
+        <p:cNvPr id="1" name=""/>
+        <p:cNvGrpSpPr/>
+        <p:nvPr/>
+      </p:nvGrpSpPr>
+      <p:grpSpPr>
+        <a:xfrm>
+          <a:off x="0" y="0"/>
+          <a:ext cx="0" cy="0"/>
+          <a:chOff x="0" y="0"/>
+          <a:chExt cx="0" cy="0"/>
+        </a:xfrm>
+      </p:grpSpPr>
+      <p:grpSp>
+        <p:nvGrpSpPr>
+          <p:cNvPr id="66" name="组合 65">
+            <a:extLst>
+              <a:ext uri="{FF2B5EF4-FFF2-40B4-BE49-F238E27FC236}">
+                <a16:creationId xmlns:a16="http://schemas.microsoft.com/office/drawing/2014/main" id="{DEC2EB2D-84C5-BEAF-A283-BB580CB6EC6B}"/>
+              </a:ext>
+            </a:extLst>
+          </p:cNvPr>
+          <p:cNvGrpSpPr/>
+          <p:nvPr/>
+        </p:nvGrpSpPr>
+        <p:grpSpPr>
+          <a:xfrm>
+            <a:off x="806668" y="1774068"/>
+            <a:ext cx="10578663" cy="3309863"/>
+            <a:chOff x="1861004" y="1211580"/>
+            <a:chExt cx="10578663" cy="3309863"/>
+          </a:xfrm>
+        </p:grpSpPr>
+        <p:sp>
+          <p:nvSpPr>
+            <p:cNvPr id="10" name="矩形: 圆角 9">
+              <a:extLst>
+                <a:ext uri="{FF2B5EF4-FFF2-40B4-BE49-F238E27FC236}">
+                  <a16:creationId xmlns:a16="http://schemas.microsoft.com/office/drawing/2014/main" id="{DC39E2EB-3F95-9FEC-2D3C-C4E8F1CEE23A}"/>
+                </a:ext>
+              </a:extLst>
+            </p:cNvPr>
+            <p:cNvSpPr/>
+            <p:nvPr/>
+          </p:nvSpPr>
+          <p:spPr>
+            <a:xfrm>
+              <a:off x="3649979" y="1211580"/>
+              <a:ext cx="5562601" cy="3124199"/>
+            </a:xfrm>
+            <a:prstGeom prst="roundRect">
+              <a:avLst/>
+            </a:prstGeom>
+            <a:noFill/>
+            <a:ln w="38100">
+              <a:solidFill>
+                <a:schemeClr val="bg1">
+                  <a:lumMod val="50000"/>
+                </a:schemeClr>
+              </a:solidFill>
+              <a:prstDash val="dash"/>
+            </a:ln>
+          </p:spPr>
+          <p:style>
+            <a:lnRef idx="2">
+              <a:schemeClr val="accent1">
+                <a:shade val="15000"/>
+              </a:schemeClr>
+            </a:lnRef>
+            <a:fillRef idx="1">
+              <a:schemeClr val="accent1"/>
+            </a:fillRef>
+            <a:effectRef idx="0">
+              <a:schemeClr val="accent1"/>
+            </a:effectRef>
+            <a:fontRef idx="minor">
+              <a:schemeClr val="lt1"/>
+            </a:fontRef>
+          </p:style>
+          <p:txBody>
+            <a:bodyPr rtlCol="0" anchor="ctr"/>
+            <a:lstStyle/>
+            <a:p>
+              <a:pPr algn="ctr"/>
+              <a:endParaRPr lang="zh-CN" altLang="en-US" dirty="0"/>
+            </a:p>
+          </p:txBody>
+        </p:sp>
+        <p:sp>
+          <p:nvSpPr>
+            <p:cNvPr id="13" name="矩形: 圆角 12">
+              <a:extLst>
+                <a:ext uri="{FF2B5EF4-FFF2-40B4-BE49-F238E27FC236}">
+                  <a16:creationId xmlns:a16="http://schemas.microsoft.com/office/drawing/2014/main" id="{6C479016-5C1F-638D-00D3-ABFB54B5BE2B}"/>
+                </a:ext>
+              </a:extLst>
+            </p:cNvPr>
+            <p:cNvSpPr/>
+            <p:nvPr/>
+          </p:nvSpPr>
+          <p:spPr>
+            <a:xfrm>
+              <a:off x="4248150" y="1939113"/>
+              <a:ext cx="622935" cy="1920593"/>
+            </a:xfrm>
+            <a:prstGeom prst="roundRect">
+              <a:avLst/>
+            </a:prstGeom>
+            <a:solidFill>
+              <a:schemeClr val="accent4">
+                <a:lumMod val="20000"/>
+                <a:lumOff val="80000"/>
+              </a:schemeClr>
+            </a:solidFill>
+            <a:ln w="38100">
+              <a:solidFill>
+                <a:schemeClr val="accent4">
+                  <a:lumMod val="75000"/>
+                </a:schemeClr>
+              </a:solidFill>
+            </a:ln>
+          </p:spPr>
+          <p:style>
+            <a:lnRef idx="2">
+              <a:schemeClr val="accent1">
+                <a:shade val="15000"/>
+              </a:schemeClr>
+            </a:lnRef>
+            <a:fillRef idx="1">
+              <a:schemeClr val="accent1"/>
+            </a:fillRef>
+            <a:effectRef idx="0">
+              <a:schemeClr val="accent1"/>
+            </a:effectRef>
+            <a:fontRef idx="minor">
+              <a:schemeClr val="lt1"/>
+            </a:fontRef>
+          </p:style>
+          <p:txBody>
+            <a:bodyPr rtlCol="0" anchor="ctr"/>
+            <a:lstStyle/>
+            <a:p>
+              <a:pPr algn="ctr"/>
+              <a:endParaRPr lang="zh-CN" altLang="en-US"/>
+            </a:p>
+          </p:txBody>
+        </p:sp>
+        <p:sp>
+          <p:nvSpPr>
+            <p:cNvPr id="14" name="矩形: 圆角 13">
+              <a:extLst>
+                <a:ext uri="{FF2B5EF4-FFF2-40B4-BE49-F238E27FC236}">
+                  <a16:creationId xmlns:a16="http://schemas.microsoft.com/office/drawing/2014/main" id="{5B990880-2051-05C8-D069-C5BEBEDBC5A7}"/>
+                </a:ext>
+              </a:extLst>
+            </p:cNvPr>
+            <p:cNvSpPr/>
+            <p:nvPr/>
+          </p:nvSpPr>
+          <p:spPr>
+            <a:xfrm>
+              <a:off x="5242559" y="1941063"/>
+              <a:ext cx="622935" cy="1920593"/>
+            </a:xfrm>
+            <a:prstGeom prst="roundRect">
+              <a:avLst/>
+            </a:prstGeom>
+            <a:solidFill>
+              <a:schemeClr val="accent4">
+                <a:lumMod val="20000"/>
+                <a:lumOff val="80000"/>
+              </a:schemeClr>
+            </a:solidFill>
+            <a:ln w="38100">
+              <a:solidFill>
+                <a:schemeClr val="accent4">
+                  <a:lumMod val="75000"/>
+                </a:schemeClr>
+              </a:solidFill>
+            </a:ln>
+          </p:spPr>
+          <p:style>
+            <a:lnRef idx="2">
+              <a:schemeClr val="accent1">
+                <a:shade val="15000"/>
+              </a:schemeClr>
+            </a:lnRef>
+            <a:fillRef idx="1">
+              <a:schemeClr val="accent1"/>
+            </a:fillRef>
+            <a:effectRef idx="0">
+              <a:schemeClr val="accent1"/>
+            </a:effectRef>
+            <a:fontRef idx="minor">
+              <a:schemeClr val="lt1"/>
+            </a:fontRef>
+          </p:style>
+          <p:txBody>
+            <a:bodyPr rtlCol="0" anchor="ctr"/>
+            <a:lstStyle/>
+            <a:p>
+              <a:pPr algn="ctr"/>
+              <a:endParaRPr lang="zh-CN" altLang="en-US"/>
+            </a:p>
+          </p:txBody>
+        </p:sp>
+        <p:sp>
+          <p:nvSpPr>
+            <p:cNvPr id="15" name="矩形: 圆角 14">
+              <a:extLst>
+                <a:ext uri="{FF2B5EF4-FFF2-40B4-BE49-F238E27FC236}">
+                  <a16:creationId xmlns:a16="http://schemas.microsoft.com/office/drawing/2014/main" id="{E88A8026-3486-B82E-0EC6-E02FCE9BB9AD}"/>
+                </a:ext>
+              </a:extLst>
+            </p:cNvPr>
+            <p:cNvSpPr/>
+            <p:nvPr/>
+          </p:nvSpPr>
+          <p:spPr>
+            <a:xfrm>
+              <a:off x="6715124" y="1935480"/>
+              <a:ext cx="622935" cy="1916430"/>
+            </a:xfrm>
+            <a:prstGeom prst="roundRect">
+              <a:avLst/>
+            </a:prstGeom>
+            <a:solidFill>
+              <a:schemeClr val="accent4">
+                <a:lumMod val="60000"/>
+                <a:lumOff val="40000"/>
+              </a:schemeClr>
+            </a:solidFill>
+            <a:ln w="38100">
+              <a:solidFill>
+                <a:schemeClr val="accent4">
+                  <a:lumMod val="75000"/>
+                </a:schemeClr>
+              </a:solidFill>
+            </a:ln>
+          </p:spPr>
+          <p:style>
+            <a:lnRef idx="2">
+              <a:schemeClr val="accent1">
+                <a:shade val="15000"/>
+              </a:schemeClr>
+            </a:lnRef>
+            <a:fillRef idx="1">
+              <a:schemeClr val="accent1"/>
+            </a:fillRef>
+            <a:effectRef idx="0">
+              <a:schemeClr val="accent1"/>
+            </a:effectRef>
+            <a:fontRef idx="minor">
+              <a:schemeClr val="lt1"/>
+            </a:fontRef>
+          </p:style>
+          <p:txBody>
+            <a:bodyPr rtlCol="0" anchor="ctr"/>
+            <a:lstStyle/>
+            <a:p>
+              <a:pPr algn="ctr"/>
+              <a:endParaRPr lang="zh-CN" altLang="en-US"/>
+            </a:p>
+          </p:txBody>
+        </p:sp>
+        <p:sp>
+          <p:nvSpPr>
+            <p:cNvPr id="16" name="矩形: 圆角 15">
+              <a:extLst>
+                <a:ext uri="{FF2B5EF4-FFF2-40B4-BE49-F238E27FC236}">
+                  <a16:creationId xmlns:a16="http://schemas.microsoft.com/office/drawing/2014/main" id="{C5F488F1-013B-A9AB-21B6-4179E2CFDAD9}"/>
+                </a:ext>
+              </a:extLst>
+            </p:cNvPr>
+            <p:cNvSpPr/>
+            <p:nvPr/>
+          </p:nvSpPr>
+          <p:spPr>
+            <a:xfrm>
+              <a:off x="8061961" y="1935480"/>
+              <a:ext cx="622935" cy="1924226"/>
+            </a:xfrm>
+            <a:prstGeom prst="roundRect">
+              <a:avLst/>
+            </a:prstGeom>
+            <a:solidFill>
+              <a:schemeClr val="accent4">
+                <a:lumMod val="60000"/>
+                <a:lumOff val="40000"/>
+              </a:schemeClr>
+            </a:solidFill>
+            <a:ln w="38100">
+              <a:solidFill>
+                <a:schemeClr val="accent4">
+                  <a:lumMod val="75000"/>
+                </a:schemeClr>
+              </a:solidFill>
+            </a:ln>
+          </p:spPr>
+          <p:style>
+            <a:lnRef idx="2">
+              <a:schemeClr val="accent1">
+                <a:shade val="15000"/>
+              </a:schemeClr>
+            </a:lnRef>
+            <a:fillRef idx="1">
+              <a:schemeClr val="accent1"/>
+            </a:fillRef>
+            <a:effectRef idx="0">
+              <a:schemeClr val="accent1"/>
+            </a:effectRef>
+            <a:fontRef idx="minor">
+              <a:schemeClr val="lt1"/>
+            </a:fontRef>
+          </p:style>
+          <p:txBody>
+            <a:bodyPr rtlCol="0" anchor="ctr"/>
+            <a:lstStyle/>
+            <a:p>
+              <a:pPr algn="ctr"/>
+              <a:endParaRPr lang="zh-CN" altLang="en-US"/>
+            </a:p>
+          </p:txBody>
+        </p:sp>
+        <p:cxnSp>
+          <p:nvCxnSpPr>
+            <p:cNvPr id="21" name="直接箭头连接符 20">
+              <a:extLst>
+                <a:ext uri="{FF2B5EF4-FFF2-40B4-BE49-F238E27FC236}">
+                  <a16:creationId xmlns:a16="http://schemas.microsoft.com/office/drawing/2014/main" id="{55ACC53C-4B72-4F2F-21EA-7352B35306EB}"/>
+                </a:ext>
+              </a:extLst>
+            </p:cNvPr>
+            <p:cNvCxnSpPr>
+              <a:cxnSpLocks/>
+              <a:stCxn id="46" idx="3"/>
+              <a:endCxn id="13" idx="1"/>
+            </p:cNvCxnSpPr>
+            <p:nvPr/>
+          </p:nvCxnSpPr>
+          <p:spPr>
+            <a:xfrm>
+              <a:off x="3254525" y="2892308"/>
+              <a:ext cx="993625" cy="7102"/>
+            </a:xfrm>
+            <a:prstGeom prst="straightConnector1">
+              <a:avLst/>
+            </a:prstGeom>
+            <a:ln w="38100">
+              <a:tailEnd type="triangle"/>
+            </a:ln>
+          </p:spPr>
+          <p:style>
+            <a:lnRef idx="1">
+              <a:schemeClr val="dk1"/>
+            </a:lnRef>
+            <a:fillRef idx="0">
+              <a:schemeClr val="dk1"/>
+            </a:fillRef>
+            <a:effectRef idx="0">
+              <a:schemeClr val="dk1"/>
+            </a:effectRef>
+            <a:fontRef idx="minor">
+              <a:schemeClr val="tx1"/>
+            </a:fontRef>
+          </p:style>
+        </p:cxnSp>
+        <p:sp>
+          <p:nvSpPr>
+            <p:cNvPr id="25" name="文本框 24">
+              <a:extLst>
+                <a:ext uri="{FF2B5EF4-FFF2-40B4-BE49-F238E27FC236}">
+                  <a16:creationId xmlns:a16="http://schemas.microsoft.com/office/drawing/2014/main" id="{C687307D-489E-FE8D-F841-9807C6814C7D}"/>
+                </a:ext>
+              </a:extLst>
+            </p:cNvPr>
+            <p:cNvSpPr txBox="1"/>
+            <p:nvPr/>
+          </p:nvSpPr>
+          <p:spPr>
+            <a:xfrm>
+              <a:off x="4286605" y="2244141"/>
+              <a:ext cx="553998" cy="1310538"/>
+            </a:xfrm>
+            <a:prstGeom prst="rect">
+              <a:avLst/>
+            </a:prstGeom>
+            <a:noFill/>
+          </p:spPr>
+          <p:txBody>
+            <a:bodyPr vert="vert270" wrap="square" rtlCol="0">
+              <a:spAutoFit/>
+            </a:bodyPr>
+            <a:lstStyle/>
+            <a:p>
+              <a:pPr algn="ctr"/>
+              <a:r>
+                <a:rPr lang="en-US" altLang="zh-CN" sz="2400" b="1" dirty="0">
+                  <a:latin typeface="+mn-ea"/>
+                </a:rPr>
+                <a:t>Conv</a:t>
+              </a:r>
+              <a:endParaRPr lang="zh-CN" altLang="en-US" sz="2400" b="1" dirty="0">
+                <a:latin typeface="+mn-ea"/>
+              </a:endParaRPr>
+            </a:p>
+          </p:txBody>
+        </p:sp>
+        <p:sp>
+          <p:nvSpPr>
+            <p:cNvPr id="26" name="文本框 25">
+              <a:extLst>
+                <a:ext uri="{FF2B5EF4-FFF2-40B4-BE49-F238E27FC236}">
+                  <a16:creationId xmlns:a16="http://schemas.microsoft.com/office/drawing/2014/main" id="{BCD76582-9FA6-B5E7-9CD9-B6123D778433}"/>
+                </a:ext>
+              </a:extLst>
+            </p:cNvPr>
+            <p:cNvSpPr txBox="1"/>
+            <p:nvPr/>
+          </p:nvSpPr>
+          <p:spPr>
+            <a:xfrm>
+              <a:off x="5277027" y="1898907"/>
+              <a:ext cx="553998" cy="1987242"/>
+            </a:xfrm>
+            <a:prstGeom prst="rect">
+              <a:avLst/>
+            </a:prstGeom>
+            <a:noFill/>
+          </p:spPr>
+          <p:txBody>
+            <a:bodyPr vert="vert270" wrap="square" rtlCol="0">
+              <a:spAutoFit/>
+            </a:bodyPr>
+            <a:lstStyle/>
+            <a:p>
+              <a:pPr algn="ctr"/>
+              <a:r>
+                <a:rPr lang="en-US" altLang="zh-CN" sz="2400" b="1" dirty="0" err="1">
+                  <a:latin typeface="+mn-ea"/>
+                </a:rPr>
+                <a:t>Batchnorm</a:t>
+              </a:r>
+              <a:endParaRPr lang="zh-CN" altLang="en-US" sz="2400" b="1" dirty="0">
+                <a:latin typeface="+mn-ea"/>
+              </a:endParaRPr>
+            </a:p>
+          </p:txBody>
+        </p:sp>
+        <p:cxnSp>
+          <p:nvCxnSpPr>
+            <p:cNvPr id="29" name="直接箭头连接符 28">
+              <a:extLst>
+                <a:ext uri="{FF2B5EF4-FFF2-40B4-BE49-F238E27FC236}">
+                  <a16:creationId xmlns:a16="http://schemas.microsoft.com/office/drawing/2014/main" id="{EC4BF592-B59C-D5BE-12F7-C99254851194}"/>
+                </a:ext>
+              </a:extLst>
+            </p:cNvPr>
+            <p:cNvCxnSpPr>
+              <a:cxnSpLocks/>
+              <a:stCxn id="13" idx="3"/>
+              <a:endCxn id="14" idx="1"/>
+            </p:cNvCxnSpPr>
+            <p:nvPr/>
+          </p:nvCxnSpPr>
+          <p:spPr>
+            <a:xfrm>
+              <a:off x="4871085" y="2899410"/>
+              <a:ext cx="371474" cy="1950"/>
+            </a:xfrm>
+            <a:prstGeom prst="straightConnector1">
+              <a:avLst/>
+            </a:prstGeom>
+            <a:ln w="38100">
+              <a:tailEnd type="triangle"/>
+            </a:ln>
+          </p:spPr>
+          <p:style>
+            <a:lnRef idx="1">
+              <a:schemeClr val="dk1"/>
+            </a:lnRef>
+            <a:fillRef idx="0">
+              <a:schemeClr val="dk1"/>
+            </a:fillRef>
+            <a:effectRef idx="0">
+              <a:schemeClr val="dk1"/>
+            </a:effectRef>
+            <a:fontRef idx="minor">
+              <a:schemeClr val="tx1"/>
+            </a:fontRef>
+          </p:style>
+        </p:cxnSp>
+        <p:cxnSp>
+          <p:nvCxnSpPr>
+            <p:cNvPr id="36" name="直接箭头连接符 35">
+              <a:extLst>
+                <a:ext uri="{FF2B5EF4-FFF2-40B4-BE49-F238E27FC236}">
+                  <a16:creationId xmlns:a16="http://schemas.microsoft.com/office/drawing/2014/main" id="{8C1EBA9B-58D7-B3BA-B07E-F88446C2D3F8}"/>
+                </a:ext>
+              </a:extLst>
+            </p:cNvPr>
+            <p:cNvCxnSpPr>
+              <a:cxnSpLocks/>
+              <a:stCxn id="14" idx="3"/>
+              <a:endCxn id="15" idx="1"/>
+            </p:cNvCxnSpPr>
+            <p:nvPr/>
+          </p:nvCxnSpPr>
+          <p:spPr>
+            <a:xfrm flipV="1">
+              <a:off x="5865494" y="2893695"/>
+              <a:ext cx="849630" cy="7665"/>
+            </a:xfrm>
+            <a:prstGeom prst="straightConnector1">
+              <a:avLst/>
+            </a:prstGeom>
+            <a:ln w="38100">
+              <a:tailEnd type="triangle"/>
+            </a:ln>
+          </p:spPr>
+          <p:style>
+            <a:lnRef idx="1">
+              <a:schemeClr val="dk1"/>
+            </a:lnRef>
+            <a:fillRef idx="0">
+              <a:schemeClr val="dk1"/>
+            </a:fillRef>
+            <a:effectRef idx="0">
+              <a:schemeClr val="dk1"/>
+            </a:effectRef>
+            <a:fontRef idx="minor">
+              <a:schemeClr val="tx1"/>
+            </a:fontRef>
+          </p:style>
+        </p:cxnSp>
+        <p:cxnSp>
+          <p:nvCxnSpPr>
+            <p:cNvPr id="41" name="直接箭头连接符 40">
+              <a:extLst>
+                <a:ext uri="{FF2B5EF4-FFF2-40B4-BE49-F238E27FC236}">
+                  <a16:creationId xmlns:a16="http://schemas.microsoft.com/office/drawing/2014/main" id="{7FE66996-5F34-C636-06A6-8D2A63120BA4}"/>
+                </a:ext>
+              </a:extLst>
+            </p:cNvPr>
+            <p:cNvCxnSpPr>
+              <a:cxnSpLocks/>
+              <a:stCxn id="15" idx="3"/>
+              <a:endCxn id="16" idx="1"/>
+            </p:cNvCxnSpPr>
+            <p:nvPr/>
+          </p:nvCxnSpPr>
+          <p:spPr>
+            <a:xfrm>
+              <a:off x="7338059" y="2893695"/>
+              <a:ext cx="723902" cy="3898"/>
+            </a:xfrm>
+            <a:prstGeom prst="straightConnector1">
+              <a:avLst/>
+            </a:prstGeom>
+            <a:ln w="38100">
+              <a:tailEnd type="triangle"/>
+            </a:ln>
+          </p:spPr>
+          <p:style>
+            <a:lnRef idx="1">
+              <a:schemeClr val="dk1"/>
+            </a:lnRef>
+            <a:fillRef idx="0">
+              <a:schemeClr val="dk1"/>
+            </a:fillRef>
+            <a:effectRef idx="0">
+              <a:schemeClr val="dk1"/>
+            </a:effectRef>
+            <a:fontRef idx="minor">
+              <a:schemeClr val="tx1"/>
+            </a:fontRef>
+          </p:style>
+        </p:cxnSp>
+        <p:grpSp>
+          <p:nvGrpSpPr>
+            <p:cNvPr id="81" name="组合 80">
+              <a:extLst>
+                <a:ext uri="{FF2B5EF4-FFF2-40B4-BE49-F238E27FC236}">
+                  <a16:creationId xmlns:a16="http://schemas.microsoft.com/office/drawing/2014/main" id="{F5D7F1B7-A3BC-A768-A1BB-AA214B4FAADE}"/>
+                </a:ext>
+              </a:extLst>
+            </p:cNvPr>
+            <p:cNvGrpSpPr/>
+            <p:nvPr/>
+          </p:nvGrpSpPr>
+          <p:grpSpPr>
+            <a:xfrm>
+              <a:off x="6240780" y="2893695"/>
+              <a:ext cx="1516380" cy="1259205"/>
+              <a:chOff x="6240780" y="2893695"/>
+              <a:chExt cx="1516380" cy="1259205"/>
+            </a:xfrm>
+          </p:grpSpPr>
+          <p:cxnSp>
+            <p:nvCxnSpPr>
+              <p:cNvPr id="56" name="直接连接符 55">
+                <a:extLst>
+                  <a:ext uri="{FF2B5EF4-FFF2-40B4-BE49-F238E27FC236}">
+                    <a16:creationId xmlns:a16="http://schemas.microsoft.com/office/drawing/2014/main" id="{13DE29B2-C2F2-9354-B003-7EB2B401AE9B}"/>
+                  </a:ext>
+                </a:extLst>
+              </p:cNvPr>
+              <p:cNvCxnSpPr/>
+              <p:nvPr/>
+            </p:nvCxnSpPr>
+            <p:spPr>
+              <a:xfrm>
+                <a:off x="6240780" y="2893695"/>
+                <a:ext cx="0" cy="1259205"/>
+              </a:xfrm>
+              <a:prstGeom prst="line">
+                <a:avLst/>
+              </a:prstGeom>
+              <a:ln w="38100" cap="rnd">
+                <a:round/>
+              </a:ln>
+            </p:spPr>
+            <p:style>
+              <a:lnRef idx="1">
+                <a:schemeClr val="dk1"/>
+              </a:lnRef>
+              <a:fillRef idx="0">
+                <a:schemeClr val="dk1"/>
+              </a:fillRef>
+              <a:effectRef idx="0">
+                <a:schemeClr val="dk1"/>
+              </a:effectRef>
+              <a:fontRef idx="minor">
+                <a:schemeClr val="tx1"/>
+              </a:fontRef>
+            </p:style>
+          </p:cxnSp>
+          <p:cxnSp>
+            <p:nvCxnSpPr>
+              <p:cNvPr id="58" name="直接连接符 57">
+                <a:extLst>
+                  <a:ext uri="{FF2B5EF4-FFF2-40B4-BE49-F238E27FC236}">
+                    <a16:creationId xmlns:a16="http://schemas.microsoft.com/office/drawing/2014/main" id="{64EA7DBA-EB82-630D-58C8-165EA7FFDE68}"/>
+                  </a:ext>
+                </a:extLst>
+              </p:cNvPr>
+              <p:cNvCxnSpPr>
+                <a:cxnSpLocks/>
+              </p:cNvCxnSpPr>
+              <p:nvPr/>
+            </p:nvCxnSpPr>
+            <p:spPr>
+              <a:xfrm flipH="1">
+                <a:off x="6240780" y="4145235"/>
+                <a:ext cx="1516380" cy="7665"/>
+              </a:xfrm>
+              <a:prstGeom prst="line">
+                <a:avLst/>
+              </a:prstGeom>
+              <a:ln w="38100" cap="rnd">
+                <a:round/>
+              </a:ln>
+            </p:spPr>
+            <p:style>
+              <a:lnRef idx="1">
+                <a:schemeClr val="dk1"/>
+              </a:lnRef>
+              <a:fillRef idx="0">
+                <a:schemeClr val="dk1"/>
+              </a:fillRef>
+              <a:effectRef idx="0">
+                <a:schemeClr val="dk1"/>
+              </a:effectRef>
+              <a:fontRef idx="minor">
+                <a:schemeClr val="tx1"/>
+              </a:fontRef>
+            </p:style>
+          </p:cxnSp>
+          <p:cxnSp>
+            <p:nvCxnSpPr>
+              <p:cNvPr id="70" name="直接箭头连接符 69">
+                <a:extLst>
+                  <a:ext uri="{FF2B5EF4-FFF2-40B4-BE49-F238E27FC236}">
+                    <a16:creationId xmlns:a16="http://schemas.microsoft.com/office/drawing/2014/main" id="{32A3EE3D-3D61-BC2D-9623-2133E85A957C}"/>
+                  </a:ext>
+                </a:extLst>
+              </p:cNvPr>
+              <p:cNvCxnSpPr>
+                <a:cxnSpLocks/>
+              </p:cNvCxnSpPr>
+              <p:nvPr/>
+            </p:nvCxnSpPr>
+            <p:spPr>
+              <a:xfrm flipH="1" flipV="1">
+                <a:off x="7757159" y="2897593"/>
+                <a:ext cx="1" cy="1243875"/>
+              </a:xfrm>
+              <a:prstGeom prst="straightConnector1">
+                <a:avLst/>
+              </a:prstGeom>
+              <a:ln w="38100" cap="rnd">
+                <a:round/>
+                <a:tailEnd type="triangle"/>
+              </a:ln>
+            </p:spPr>
+            <p:style>
+              <a:lnRef idx="1">
+                <a:schemeClr val="dk1"/>
+              </a:lnRef>
+              <a:fillRef idx="0">
+                <a:schemeClr val="dk1"/>
+              </a:fillRef>
+              <a:effectRef idx="0">
+                <a:schemeClr val="dk1"/>
+              </a:effectRef>
+              <a:fontRef idx="minor">
+                <a:schemeClr val="tx1"/>
+              </a:fontRef>
+            </p:style>
+          </p:cxnSp>
+        </p:grpSp>
+        <p:sp>
+          <p:nvSpPr>
+            <p:cNvPr id="75" name="文本框 74">
+              <a:extLst>
+                <a:ext uri="{FF2B5EF4-FFF2-40B4-BE49-F238E27FC236}">
+                  <a16:creationId xmlns:a16="http://schemas.microsoft.com/office/drawing/2014/main" id="{8EC002EF-5580-7966-3461-5C2C551392E2}"/>
+                </a:ext>
+              </a:extLst>
+            </p:cNvPr>
+            <p:cNvSpPr txBox="1"/>
+            <p:nvPr/>
+          </p:nvSpPr>
+          <p:spPr>
+            <a:xfrm>
+              <a:off x="6749592" y="2244140"/>
+              <a:ext cx="553998" cy="1310538"/>
+            </a:xfrm>
+            <a:prstGeom prst="rect">
+              <a:avLst/>
+            </a:prstGeom>
+            <a:noFill/>
+          </p:spPr>
+          <p:txBody>
+            <a:bodyPr vert="vert270" wrap="square" rtlCol="0">
+              <a:spAutoFit/>
+            </a:bodyPr>
+            <a:lstStyle/>
+            <a:p>
+              <a:pPr algn="ctr"/>
+              <a:r>
+                <a:rPr lang="en-US" altLang="zh-CN" sz="2400" b="1" dirty="0" err="1">
+                  <a:latin typeface="+mn-ea"/>
+                </a:rPr>
+                <a:t>BiGRU</a:t>
+              </a:r>
+              <a:endParaRPr lang="zh-CN" altLang="en-US" sz="2400" b="1" dirty="0">
+                <a:latin typeface="+mn-ea"/>
+              </a:endParaRPr>
+            </a:p>
+          </p:txBody>
+        </p:sp>
+        <p:sp>
+          <p:nvSpPr>
+            <p:cNvPr id="76" name="文本框 75">
+              <a:extLst>
+                <a:ext uri="{FF2B5EF4-FFF2-40B4-BE49-F238E27FC236}">
+                  <a16:creationId xmlns:a16="http://schemas.microsoft.com/office/drawing/2014/main" id="{3AF6BB0A-EDE9-6C6B-2566-3AD9D29D7B65}"/>
+                </a:ext>
+              </a:extLst>
+            </p:cNvPr>
+            <p:cNvSpPr txBox="1"/>
+            <p:nvPr/>
+          </p:nvSpPr>
+          <p:spPr>
+            <a:xfrm>
+              <a:off x="8096429" y="2252691"/>
+              <a:ext cx="553998" cy="1310538"/>
+            </a:xfrm>
+            <a:prstGeom prst="rect">
+              <a:avLst/>
+            </a:prstGeom>
+            <a:noFill/>
+          </p:spPr>
+          <p:txBody>
+            <a:bodyPr vert="vert270" wrap="square" rtlCol="0">
+              <a:spAutoFit/>
+            </a:bodyPr>
+            <a:lstStyle/>
+            <a:p>
+              <a:pPr algn="ctr"/>
+              <a:r>
+                <a:rPr lang="en-US" altLang="zh-CN" sz="2400" b="1" dirty="0" err="1">
+                  <a:latin typeface="+mn-ea"/>
+                </a:rPr>
+                <a:t>BiGRU</a:t>
+              </a:r>
+              <a:endParaRPr lang="zh-CN" altLang="en-US" sz="2400" b="1" dirty="0">
+                <a:latin typeface="+mn-ea"/>
+              </a:endParaRPr>
+            </a:p>
+          </p:txBody>
+        </p:sp>
+        <p:cxnSp>
+          <p:nvCxnSpPr>
+            <p:cNvPr id="77" name="直接箭头连接符 76">
+              <a:extLst>
+                <a:ext uri="{FF2B5EF4-FFF2-40B4-BE49-F238E27FC236}">
+                  <a16:creationId xmlns:a16="http://schemas.microsoft.com/office/drawing/2014/main" id="{FE0D9528-5670-F559-3FCD-74B6CC8F0DE3}"/>
+                </a:ext>
+              </a:extLst>
+            </p:cNvPr>
+            <p:cNvCxnSpPr>
+              <a:cxnSpLocks/>
+              <a:stCxn id="16" idx="3"/>
+              <a:endCxn id="24" idx="1"/>
+            </p:cNvCxnSpPr>
+            <p:nvPr/>
+          </p:nvCxnSpPr>
+          <p:spPr>
+            <a:xfrm flipV="1">
+              <a:off x="8684896" y="2892308"/>
+              <a:ext cx="1174041" cy="5285"/>
+            </a:xfrm>
+            <a:prstGeom prst="straightConnector1">
+              <a:avLst/>
+            </a:prstGeom>
+            <a:ln w="38100">
+              <a:tailEnd type="triangle"/>
+            </a:ln>
+          </p:spPr>
+          <p:style>
+            <a:lnRef idx="1">
+              <a:schemeClr val="dk1"/>
+            </a:lnRef>
+            <a:fillRef idx="0">
+              <a:schemeClr val="dk1"/>
+            </a:fillRef>
+            <a:effectRef idx="0">
+              <a:schemeClr val="dk1"/>
+            </a:effectRef>
+            <a:fontRef idx="minor">
+              <a:schemeClr val="tx1"/>
+            </a:fontRef>
+          </p:style>
+        </p:cxnSp>
+        <p:sp>
+          <p:nvSpPr>
+            <p:cNvPr id="87" name="文本框 86">
+              <a:extLst>
+                <a:ext uri="{FF2B5EF4-FFF2-40B4-BE49-F238E27FC236}">
+                  <a16:creationId xmlns:a16="http://schemas.microsoft.com/office/drawing/2014/main" id="{9E730C7C-107D-2869-FC49-9A15B7255C97}"/>
+                </a:ext>
+              </a:extLst>
+            </p:cNvPr>
+            <p:cNvSpPr txBox="1"/>
+            <p:nvPr/>
+          </p:nvSpPr>
+          <p:spPr>
+            <a:xfrm>
+              <a:off x="4170878" y="1278636"/>
+              <a:ext cx="4771784" cy="461665"/>
+            </a:xfrm>
+            <a:prstGeom prst="rect">
+              <a:avLst/>
+            </a:prstGeom>
+            <a:noFill/>
+          </p:spPr>
+          <p:txBody>
+            <a:bodyPr wrap="square" rtlCol="0">
+              <a:spAutoFit/>
+            </a:bodyPr>
+            <a:lstStyle/>
+            <a:p>
+              <a:pPr algn="ctr"/>
+              <a:r>
+                <a:rPr lang="en-US" altLang="zh-CN" sz="2400" b="1" dirty="0">
+                  <a:latin typeface="+mn-ea"/>
+                </a:rPr>
+                <a:t>Sequential Residual Block</a:t>
+              </a:r>
+              <a:endParaRPr lang="zh-CN" altLang="en-US" sz="2400" b="1" dirty="0">
+                <a:latin typeface="+mn-ea"/>
+              </a:endParaRPr>
+            </a:p>
+          </p:txBody>
+        </p:sp>
+        <p:sp>
+          <p:nvSpPr>
+            <p:cNvPr id="24" name="矩形: 圆角 23">
+              <a:extLst>
+                <a:ext uri="{FF2B5EF4-FFF2-40B4-BE49-F238E27FC236}">
+                  <a16:creationId xmlns:a16="http://schemas.microsoft.com/office/drawing/2014/main" id="{03668182-C0A1-0BAA-7FCC-2030ED08390C}"/>
+                </a:ext>
+              </a:extLst>
+            </p:cNvPr>
+            <p:cNvSpPr/>
+            <p:nvPr/>
+          </p:nvSpPr>
+          <p:spPr>
+            <a:xfrm>
+              <a:off x="9858937" y="1740301"/>
+              <a:ext cx="768322" cy="2304014"/>
+            </a:xfrm>
+            <a:prstGeom prst="roundRect">
+              <a:avLst/>
+            </a:prstGeom>
+            <a:solidFill>
+              <a:schemeClr val="accent4">
+                <a:lumMod val="20000"/>
+                <a:lumOff val="80000"/>
+              </a:schemeClr>
+            </a:solidFill>
+            <a:ln w="38100">
+              <a:solidFill>
+                <a:schemeClr val="accent4">
+                  <a:lumMod val="75000"/>
+                </a:schemeClr>
+              </a:solidFill>
+            </a:ln>
+          </p:spPr>
+          <p:style>
+            <a:lnRef idx="2">
+              <a:schemeClr val="accent1">
+                <a:shade val="15000"/>
+              </a:schemeClr>
+            </a:lnRef>
+            <a:fillRef idx="1">
+              <a:schemeClr val="accent1"/>
+            </a:fillRef>
+            <a:effectRef idx="0">
+              <a:schemeClr val="accent1"/>
+            </a:effectRef>
+            <a:fontRef idx="minor">
+              <a:schemeClr val="lt1"/>
+            </a:fontRef>
+          </p:style>
+          <p:txBody>
+            <a:bodyPr rtlCol="0" anchor="ctr"/>
+            <a:lstStyle/>
+            <a:p>
+              <a:pPr algn="ctr"/>
+              <a:endParaRPr lang="zh-CN" altLang="en-US"/>
+            </a:p>
+          </p:txBody>
+        </p:sp>
+        <p:cxnSp>
+          <p:nvCxnSpPr>
+            <p:cNvPr id="31" name="直接箭头连接符 30">
+              <a:extLst>
+                <a:ext uri="{FF2B5EF4-FFF2-40B4-BE49-F238E27FC236}">
+                  <a16:creationId xmlns:a16="http://schemas.microsoft.com/office/drawing/2014/main" id="{9BA47EA7-7F47-FC7F-F818-E4C856048EF6}"/>
+                </a:ext>
+              </a:extLst>
+            </p:cNvPr>
+            <p:cNvCxnSpPr>
+              <a:cxnSpLocks/>
+              <a:endCxn id="46" idx="1"/>
+            </p:cNvCxnSpPr>
+            <p:nvPr/>
+          </p:nvCxnSpPr>
+          <p:spPr>
+            <a:xfrm>
+              <a:off x="1861004" y="2882587"/>
+              <a:ext cx="625199" cy="9721"/>
+            </a:xfrm>
+            <a:prstGeom prst="straightConnector1">
+              <a:avLst/>
+            </a:prstGeom>
+            <a:ln w="38100">
+              <a:tailEnd type="triangle"/>
+            </a:ln>
+          </p:spPr>
+          <p:style>
+            <a:lnRef idx="1">
+              <a:schemeClr val="dk1"/>
+            </a:lnRef>
+            <a:fillRef idx="0">
+              <a:schemeClr val="dk1"/>
+            </a:fillRef>
+            <a:effectRef idx="0">
+              <a:schemeClr val="dk1"/>
+            </a:effectRef>
+            <a:fontRef idx="minor">
+              <a:schemeClr val="tx1"/>
+            </a:fontRef>
+          </p:style>
+        </p:cxnSp>
+        <p:cxnSp>
+          <p:nvCxnSpPr>
+            <p:cNvPr id="35" name="直接箭头连接符 34">
+              <a:extLst>
+                <a:ext uri="{FF2B5EF4-FFF2-40B4-BE49-F238E27FC236}">
+                  <a16:creationId xmlns:a16="http://schemas.microsoft.com/office/drawing/2014/main" id="{B73D77C4-EDD6-156C-6274-39412BFA913B}"/>
+                </a:ext>
+              </a:extLst>
+            </p:cNvPr>
+            <p:cNvCxnSpPr>
+              <a:cxnSpLocks/>
+              <a:stCxn id="24" idx="3"/>
+            </p:cNvCxnSpPr>
+            <p:nvPr/>
+          </p:nvCxnSpPr>
+          <p:spPr>
+            <a:xfrm>
+              <a:off x="10627259" y="2892308"/>
+              <a:ext cx="508101" cy="0"/>
+            </a:xfrm>
+            <a:prstGeom prst="straightConnector1">
+              <a:avLst/>
+            </a:prstGeom>
+            <a:ln w="38100">
+              <a:tailEnd type="triangle"/>
+            </a:ln>
+          </p:spPr>
+          <p:style>
+            <a:lnRef idx="1">
+              <a:schemeClr val="dk1"/>
+            </a:lnRef>
+            <a:fillRef idx="0">
+              <a:schemeClr val="dk1"/>
+            </a:fillRef>
+            <a:effectRef idx="0">
+              <a:schemeClr val="dk1"/>
+            </a:effectRef>
+            <a:fontRef idx="minor">
+              <a:schemeClr val="tx1"/>
+            </a:fontRef>
+          </p:style>
+        </p:cxnSp>
+        <p:sp>
+          <p:nvSpPr>
+            <p:cNvPr id="39" name="文本框 38">
+              <a:extLst>
+                <a:ext uri="{FF2B5EF4-FFF2-40B4-BE49-F238E27FC236}">
+                  <a16:creationId xmlns:a16="http://schemas.microsoft.com/office/drawing/2014/main" id="{F57CCFE9-4959-1B8A-F652-097B286C88FC}"/>
+                </a:ext>
+              </a:extLst>
+            </p:cNvPr>
+            <p:cNvSpPr txBox="1"/>
+            <p:nvPr/>
+          </p:nvSpPr>
+          <p:spPr>
+            <a:xfrm>
+              <a:off x="2559793" y="2026709"/>
+              <a:ext cx="615553" cy="1731195"/>
+            </a:xfrm>
+            <a:prstGeom prst="rect">
+              <a:avLst/>
+            </a:prstGeom>
+            <a:noFill/>
+          </p:spPr>
+          <p:txBody>
+            <a:bodyPr vert="vert270" wrap="square" rtlCol="0">
+              <a:spAutoFit/>
+            </a:bodyPr>
+            <a:lstStyle/>
+            <a:p>
+              <a:pPr algn="ctr"/>
+              <a:r>
+                <a:rPr lang="en-US" altLang="zh-CN" sz="2800" b="1" dirty="0" err="1">
+                  <a:latin typeface="+mn-ea"/>
+                </a:rPr>
+                <a:t>SRB</a:t>
+              </a:r>
+              <a:endParaRPr lang="zh-CN" altLang="en-US" sz="2800" b="1" dirty="0">
+                <a:latin typeface="+mn-ea"/>
+              </a:endParaRPr>
+            </a:p>
+          </p:txBody>
+        </p:sp>
+        <p:sp>
+          <p:nvSpPr>
+            <p:cNvPr id="40" name="文本框 39">
+              <a:extLst>
+                <a:ext uri="{FF2B5EF4-FFF2-40B4-BE49-F238E27FC236}">
+                  <a16:creationId xmlns:a16="http://schemas.microsoft.com/office/drawing/2014/main" id="{0C5374F6-742A-4FD5-12C1-0EEAC1E3937D}"/>
+                </a:ext>
+              </a:extLst>
+            </p:cNvPr>
+            <p:cNvSpPr txBox="1"/>
+            <p:nvPr/>
+          </p:nvSpPr>
+          <p:spPr>
+            <a:xfrm>
+              <a:off x="9935321" y="2026709"/>
+              <a:ext cx="615553" cy="1731195"/>
+            </a:xfrm>
+            <a:prstGeom prst="rect">
+              <a:avLst/>
+            </a:prstGeom>
+            <a:noFill/>
+          </p:spPr>
+          <p:txBody>
+            <a:bodyPr vert="vert270" wrap="square" rtlCol="0">
+              <a:spAutoFit/>
+            </a:bodyPr>
+            <a:lstStyle/>
+            <a:p>
+              <a:pPr algn="ctr"/>
+              <a:r>
+                <a:rPr lang="en-US" altLang="zh-CN" sz="2800" b="1" dirty="0" err="1">
+                  <a:latin typeface="+mn-ea"/>
+                </a:rPr>
+                <a:t>SRB</a:t>
+              </a:r>
+              <a:endParaRPr lang="zh-CN" altLang="en-US" sz="2800" b="1" dirty="0">
+                <a:latin typeface="+mn-ea"/>
+              </a:endParaRPr>
+            </a:p>
+          </p:txBody>
+        </p:sp>
+        <p:sp>
+          <p:nvSpPr>
+            <p:cNvPr id="46" name="矩形: 圆角 45">
+              <a:extLst>
+                <a:ext uri="{FF2B5EF4-FFF2-40B4-BE49-F238E27FC236}">
+                  <a16:creationId xmlns:a16="http://schemas.microsoft.com/office/drawing/2014/main" id="{A2E66B91-9451-4FC5-FB59-57D1A0886D16}"/>
+                </a:ext>
+              </a:extLst>
+            </p:cNvPr>
+            <p:cNvSpPr/>
+            <p:nvPr/>
+          </p:nvSpPr>
+          <p:spPr>
+            <a:xfrm>
+              <a:off x="2486203" y="1740301"/>
+              <a:ext cx="768322" cy="2304014"/>
+            </a:xfrm>
+            <a:prstGeom prst="roundRect">
+              <a:avLst/>
+            </a:prstGeom>
+            <a:solidFill>
+              <a:schemeClr val="accent4">
+                <a:lumMod val="20000"/>
+                <a:lumOff val="80000"/>
+              </a:schemeClr>
+            </a:solidFill>
+            <a:ln w="38100">
+              <a:solidFill>
+                <a:schemeClr val="accent4">
+                  <a:lumMod val="75000"/>
+                </a:schemeClr>
+              </a:solidFill>
+            </a:ln>
+          </p:spPr>
+          <p:style>
+            <a:lnRef idx="2">
+              <a:schemeClr val="accent1">
+                <a:shade val="15000"/>
+              </a:schemeClr>
+            </a:lnRef>
+            <a:fillRef idx="1">
+              <a:schemeClr val="accent1"/>
+            </a:fillRef>
+            <a:effectRef idx="0">
+              <a:schemeClr val="accent1"/>
+            </a:effectRef>
+            <a:fontRef idx="minor">
+              <a:schemeClr val="lt1"/>
+            </a:fontRef>
+          </p:style>
+          <p:txBody>
+            <a:bodyPr rtlCol="0" anchor="ctr"/>
+            <a:lstStyle/>
+            <a:p>
+              <a:pPr algn="ctr"/>
+              <a:endParaRPr lang="zh-CN" altLang="en-US"/>
+            </a:p>
+          </p:txBody>
+        </p:sp>
+        <p:sp>
+          <p:nvSpPr>
+            <p:cNvPr id="47" name="文本框 46">
+              <a:extLst>
+                <a:ext uri="{FF2B5EF4-FFF2-40B4-BE49-F238E27FC236}">
+                  <a16:creationId xmlns:a16="http://schemas.microsoft.com/office/drawing/2014/main" id="{0C09F947-9407-50C2-9244-E4F06625D15E}"/>
+                </a:ext>
+              </a:extLst>
+            </p:cNvPr>
+            <p:cNvSpPr txBox="1"/>
+            <p:nvPr/>
+          </p:nvSpPr>
+          <p:spPr>
+            <a:xfrm>
+              <a:off x="2562587" y="2026709"/>
+              <a:ext cx="615553" cy="1731195"/>
+            </a:xfrm>
+            <a:prstGeom prst="rect">
+              <a:avLst/>
+            </a:prstGeom>
+            <a:noFill/>
+          </p:spPr>
+          <p:txBody>
+            <a:bodyPr vert="vert270" wrap="square" rtlCol="0">
+              <a:spAutoFit/>
+            </a:bodyPr>
+            <a:lstStyle/>
+            <a:p>
+              <a:pPr algn="ctr"/>
+              <a:r>
+                <a:rPr lang="en-US" altLang="zh-CN" sz="2800" b="1" dirty="0" err="1">
+                  <a:latin typeface="+mn-ea"/>
+                </a:rPr>
+                <a:t>SRB</a:t>
+              </a:r>
+              <a:endParaRPr lang="zh-CN" altLang="en-US" sz="2800" b="1" dirty="0">
+                <a:latin typeface="+mn-ea"/>
+              </a:endParaRPr>
+            </a:p>
+          </p:txBody>
+        </p:sp>
+        <p:sp>
+          <p:nvSpPr>
+            <p:cNvPr id="51" name="矩形: 圆角 50">
+              <a:extLst>
+                <a:ext uri="{FF2B5EF4-FFF2-40B4-BE49-F238E27FC236}">
+                  <a16:creationId xmlns:a16="http://schemas.microsoft.com/office/drawing/2014/main" id="{BA38AA7A-73A0-2AB8-65C1-576251BE758F}"/>
+                </a:ext>
+              </a:extLst>
+            </p:cNvPr>
+            <p:cNvSpPr/>
+            <p:nvPr/>
+          </p:nvSpPr>
+          <p:spPr>
+            <a:xfrm>
+              <a:off x="11149302" y="1740299"/>
+              <a:ext cx="768322" cy="2304014"/>
+            </a:xfrm>
+            <a:prstGeom prst="roundRect">
+              <a:avLst/>
+            </a:prstGeom>
+            <a:solidFill>
+              <a:schemeClr val="accent3">
+                <a:lumMod val="20000"/>
+                <a:lumOff val="80000"/>
+              </a:schemeClr>
+            </a:solidFill>
+            <a:ln w="38100">
+              <a:solidFill>
+                <a:schemeClr val="accent3">
+                  <a:lumMod val="75000"/>
+                </a:schemeClr>
+              </a:solidFill>
+            </a:ln>
+          </p:spPr>
+          <p:style>
+            <a:lnRef idx="2">
+              <a:schemeClr val="accent1">
+                <a:shade val="15000"/>
+              </a:schemeClr>
+            </a:lnRef>
+            <a:fillRef idx="1">
+              <a:schemeClr val="accent1"/>
+            </a:fillRef>
+            <a:effectRef idx="0">
+              <a:schemeClr val="accent1"/>
+            </a:effectRef>
+            <a:fontRef idx="minor">
+              <a:schemeClr val="lt1"/>
+            </a:fontRef>
+          </p:style>
+          <p:txBody>
+            <a:bodyPr rtlCol="0" anchor="ctr"/>
+            <a:lstStyle/>
+            <a:p>
+              <a:pPr algn="ctr"/>
+              <a:endParaRPr lang="zh-CN" altLang="en-US"/>
+            </a:p>
+          </p:txBody>
+        </p:sp>
+        <p:cxnSp>
+          <p:nvCxnSpPr>
+            <p:cNvPr id="53" name="直接箭头连接符 52">
+              <a:extLst>
+                <a:ext uri="{FF2B5EF4-FFF2-40B4-BE49-F238E27FC236}">
+                  <a16:creationId xmlns:a16="http://schemas.microsoft.com/office/drawing/2014/main" id="{33DC2C04-0D9B-AC2C-3C2F-37F8364ACC4D}"/>
+                </a:ext>
+              </a:extLst>
+            </p:cNvPr>
+            <p:cNvCxnSpPr>
+              <a:cxnSpLocks/>
+              <a:stCxn id="51" idx="3"/>
+            </p:cNvCxnSpPr>
+            <p:nvPr/>
+          </p:nvCxnSpPr>
+          <p:spPr>
+            <a:xfrm>
+              <a:off x="11917624" y="2892306"/>
+              <a:ext cx="522043" cy="0"/>
+            </a:xfrm>
+            <a:prstGeom prst="straightConnector1">
+              <a:avLst/>
+            </a:prstGeom>
+            <a:ln w="38100">
+              <a:tailEnd type="triangle"/>
+            </a:ln>
+          </p:spPr>
+          <p:style>
+            <a:lnRef idx="1">
+              <a:schemeClr val="dk1"/>
+            </a:lnRef>
+            <a:fillRef idx="0">
+              <a:schemeClr val="dk1"/>
+            </a:fillRef>
+            <a:effectRef idx="0">
+              <a:schemeClr val="dk1"/>
+            </a:effectRef>
+            <a:fontRef idx="minor">
+              <a:schemeClr val="tx1"/>
+            </a:fontRef>
+          </p:style>
+        </p:cxnSp>
+        <p:sp>
+          <p:nvSpPr>
+            <p:cNvPr id="57" name="文本框 56">
+              <a:extLst>
+                <a:ext uri="{FF2B5EF4-FFF2-40B4-BE49-F238E27FC236}">
+                  <a16:creationId xmlns:a16="http://schemas.microsoft.com/office/drawing/2014/main" id="{EB53988F-B836-9C3F-8593-F7CD8CA66BFA}"/>
+                </a:ext>
+              </a:extLst>
+            </p:cNvPr>
+            <p:cNvSpPr txBox="1"/>
+            <p:nvPr/>
+          </p:nvSpPr>
+          <p:spPr>
+            <a:xfrm>
+              <a:off x="11256464" y="1735141"/>
+              <a:ext cx="553998" cy="2032223"/>
+            </a:xfrm>
+            <a:prstGeom prst="rect">
+              <a:avLst/>
+            </a:prstGeom>
+            <a:noFill/>
+          </p:spPr>
+          <p:txBody>
+            <a:bodyPr vert="vert270" wrap="square" rtlCol="0">
+              <a:spAutoFit/>
+            </a:bodyPr>
+            <a:lstStyle/>
+            <a:p>
+              <a:r>
+                <a:rPr lang="en-US" altLang="zh-CN" sz="2400" b="1" dirty="0">
+                  <a:latin typeface="+mn-ea"/>
+                </a:rPr>
+                <a:t>Conv Layer</a:t>
+              </a:r>
+              <a:endParaRPr lang="zh-CN" altLang="en-US" sz="2400" b="1" dirty="0">
+                <a:latin typeface="+mn-ea"/>
+              </a:endParaRPr>
+            </a:p>
+          </p:txBody>
+        </p:sp>
+        <p:cxnSp>
+          <p:nvCxnSpPr>
+            <p:cNvPr id="60" name="直接连接符 59">
+              <a:extLst>
+                <a:ext uri="{FF2B5EF4-FFF2-40B4-BE49-F238E27FC236}">
+                  <a16:creationId xmlns:a16="http://schemas.microsoft.com/office/drawing/2014/main" id="{4B8880BE-6F74-0CF8-D936-84AF692C9432}"/>
+                </a:ext>
+              </a:extLst>
+            </p:cNvPr>
+            <p:cNvCxnSpPr/>
+            <p:nvPr/>
+          </p:nvCxnSpPr>
+          <p:spPr>
+            <a:xfrm>
+              <a:off x="2116364" y="2924490"/>
+              <a:ext cx="0" cy="1596953"/>
+            </a:xfrm>
+            <a:prstGeom prst="line">
+              <a:avLst/>
+            </a:prstGeom>
+            <a:ln w="38100" cap="rnd">
+              <a:round/>
+            </a:ln>
+          </p:spPr>
+          <p:style>
+            <a:lnRef idx="1">
+              <a:schemeClr val="dk1"/>
+            </a:lnRef>
+            <a:fillRef idx="0">
+              <a:schemeClr val="dk1"/>
+            </a:fillRef>
+            <a:effectRef idx="0">
+              <a:schemeClr val="dk1"/>
+            </a:effectRef>
+            <a:fontRef idx="minor">
+              <a:schemeClr val="tx1"/>
+            </a:fontRef>
+          </p:style>
+        </p:cxnSp>
+        <p:cxnSp>
+          <p:nvCxnSpPr>
+            <p:cNvPr id="61" name="直接连接符 60">
+              <a:extLst>
+                <a:ext uri="{FF2B5EF4-FFF2-40B4-BE49-F238E27FC236}">
+                  <a16:creationId xmlns:a16="http://schemas.microsoft.com/office/drawing/2014/main" id="{294B4CFE-5FA6-4858-1796-A3AAD9123B5B}"/>
+                </a:ext>
+              </a:extLst>
+            </p:cNvPr>
+            <p:cNvCxnSpPr>
+              <a:cxnSpLocks/>
+            </p:cNvCxnSpPr>
+            <p:nvPr/>
+          </p:nvCxnSpPr>
+          <p:spPr>
+            <a:xfrm flipH="1">
+              <a:off x="2116364" y="4511722"/>
+              <a:ext cx="9984191" cy="9721"/>
+            </a:xfrm>
+            <a:prstGeom prst="line">
+              <a:avLst/>
+            </a:prstGeom>
+            <a:ln w="38100" cap="rnd">
+              <a:round/>
+            </a:ln>
+          </p:spPr>
+          <p:style>
+            <a:lnRef idx="1">
+              <a:schemeClr val="dk1"/>
+            </a:lnRef>
+            <a:fillRef idx="0">
+              <a:schemeClr val="dk1"/>
+            </a:fillRef>
+            <a:effectRef idx="0">
+              <a:schemeClr val="dk1"/>
+            </a:effectRef>
+            <a:fontRef idx="minor">
+              <a:schemeClr val="tx1"/>
+            </a:fontRef>
+          </p:style>
+        </p:cxnSp>
+        <p:cxnSp>
+          <p:nvCxnSpPr>
+            <p:cNvPr id="62" name="直接箭头连接符 61">
+              <a:extLst>
+                <a:ext uri="{FF2B5EF4-FFF2-40B4-BE49-F238E27FC236}">
+                  <a16:creationId xmlns:a16="http://schemas.microsoft.com/office/drawing/2014/main" id="{A5262741-9BED-1217-3384-408673A385B7}"/>
+                </a:ext>
+              </a:extLst>
+            </p:cNvPr>
+            <p:cNvCxnSpPr>
+              <a:cxnSpLocks/>
+            </p:cNvCxnSpPr>
+            <p:nvPr/>
+          </p:nvCxnSpPr>
+          <p:spPr>
+            <a:xfrm flipH="1" flipV="1">
+              <a:off x="12100548" y="2909992"/>
+              <a:ext cx="7" cy="1596953"/>
+            </a:xfrm>
+            <a:prstGeom prst="straightConnector1">
+              <a:avLst/>
+            </a:prstGeom>
+            <a:ln w="38100" cap="rnd">
+              <a:round/>
+              <a:tailEnd type="triangle"/>
+            </a:ln>
+          </p:spPr>
+          <p:style>
+            <a:lnRef idx="1">
+              <a:schemeClr val="dk1"/>
+            </a:lnRef>
+            <a:fillRef idx="0">
+              <a:schemeClr val="dk1"/>
+            </a:fillRef>
+            <a:effectRef idx="0">
+              <a:schemeClr val="dk1"/>
+            </a:effectRef>
+            <a:fontRef idx="minor">
+              <a:schemeClr val="tx1"/>
+            </a:fontRef>
+          </p:style>
+        </p:cxnSp>
+      </p:grpSp>
+    </p:spTree>
+    <p:extLst>
+      <p:ext uri="{BB962C8B-B14F-4D97-AF65-F5344CB8AC3E}">
+        <p14:creationId xmlns:p14="http://schemas.microsoft.com/office/powerpoint/2010/main" val="77105201"/>
       </p:ext>
     </p:extLst>
   </p:cSld>
@@ -35676,10 +37171,10 @@
       </p:grpSpPr>
       <p:grpSp>
         <p:nvGrpSpPr>
-          <p:cNvPr id="61" name="组合 60">
+          <p:cNvPr id="28" name="组合 27">
             <a:extLst>
               <a:ext uri="{FF2B5EF4-FFF2-40B4-BE49-F238E27FC236}">
-                <a16:creationId xmlns:a16="http://schemas.microsoft.com/office/drawing/2014/main" id="{5FB95531-BC81-1831-3DE6-917806F7AA21}"/>
+                <a16:creationId xmlns:a16="http://schemas.microsoft.com/office/drawing/2014/main" id="{E48402EC-6D38-3ACA-5F86-4E8245B7F9FF}"/>
               </a:ext>
             </a:extLst>
           </p:cNvPr>
@@ -35742,12 +37237,232 @@
             </a:p>
           </p:txBody>
         </p:sp>
+        <p:sp>
+          <p:nvSpPr>
+            <p:cNvPr id="2" name="矩形: 圆角 1">
+              <a:extLst>
+                <a:ext uri="{FF2B5EF4-FFF2-40B4-BE49-F238E27FC236}">
+                  <a16:creationId xmlns:a16="http://schemas.microsoft.com/office/drawing/2014/main" id="{359F6E32-9413-D493-E1AE-CC18900E9993}"/>
+                </a:ext>
+              </a:extLst>
+            </p:cNvPr>
+            <p:cNvSpPr/>
+            <p:nvPr/>
+          </p:nvSpPr>
+          <p:spPr>
+            <a:xfrm>
+              <a:off x="-1590785" y="1685553"/>
+              <a:ext cx="2326585" cy="3491232"/>
+            </a:xfrm>
+            <a:prstGeom prst="roundRect">
+              <a:avLst/>
+            </a:prstGeom>
+            <a:solidFill>
+              <a:schemeClr val="accent1">
+                <a:lumMod val="20000"/>
+                <a:lumOff val="80000"/>
+              </a:schemeClr>
+            </a:solidFill>
+            <a:ln w="57150">
+              <a:solidFill>
+                <a:schemeClr val="accent1">
+                  <a:lumMod val="75000"/>
+                </a:schemeClr>
+              </a:solidFill>
+            </a:ln>
+          </p:spPr>
+          <p:style>
+            <a:lnRef idx="2">
+              <a:schemeClr val="accent1">
+                <a:shade val="15000"/>
+              </a:schemeClr>
+            </a:lnRef>
+            <a:fillRef idx="1">
+              <a:schemeClr val="accent1"/>
+            </a:fillRef>
+            <a:effectRef idx="0">
+              <a:schemeClr val="accent1"/>
+            </a:effectRef>
+            <a:fontRef idx="minor">
+              <a:schemeClr val="lt1"/>
+            </a:fontRef>
+          </p:style>
+          <p:txBody>
+            <a:bodyPr rtlCol="0" anchor="ctr"/>
+            <a:lstStyle/>
+            <a:p>
+              <a:pPr algn="ctr"/>
+              <a:endParaRPr lang="zh-CN" altLang="en-US" dirty="0"/>
+            </a:p>
+          </p:txBody>
+        </p:sp>
+        <p:sp>
+          <p:nvSpPr>
+            <p:cNvPr id="16" name="矩形: 圆角 15">
+              <a:extLst>
+                <a:ext uri="{FF2B5EF4-FFF2-40B4-BE49-F238E27FC236}">
+                  <a16:creationId xmlns:a16="http://schemas.microsoft.com/office/drawing/2014/main" id="{EB038E0C-00F9-9965-787A-F574B5D6BA44}"/>
+                </a:ext>
+              </a:extLst>
+            </p:cNvPr>
+            <p:cNvSpPr/>
+            <p:nvPr/>
+          </p:nvSpPr>
+          <p:spPr>
+            <a:xfrm>
+              <a:off x="11615212" y="3772720"/>
+              <a:ext cx="3674829" cy="1406976"/>
+            </a:xfrm>
+            <a:prstGeom prst="roundRect">
+              <a:avLst/>
+            </a:prstGeom>
+            <a:solidFill>
+              <a:schemeClr val="accent1">
+                <a:lumMod val="20000"/>
+                <a:lumOff val="80000"/>
+              </a:schemeClr>
+            </a:solidFill>
+            <a:ln w="57150">
+              <a:solidFill>
+                <a:schemeClr val="accent1">
+                  <a:lumMod val="75000"/>
+                </a:schemeClr>
+              </a:solidFill>
+            </a:ln>
+          </p:spPr>
+          <p:style>
+            <a:lnRef idx="2">
+              <a:schemeClr val="accent1">
+                <a:shade val="15000"/>
+              </a:schemeClr>
+            </a:lnRef>
+            <a:fillRef idx="1">
+              <a:schemeClr val="accent1"/>
+            </a:fillRef>
+            <a:effectRef idx="0">
+              <a:schemeClr val="accent1"/>
+            </a:effectRef>
+            <a:fontRef idx="minor">
+              <a:schemeClr val="lt1"/>
+            </a:fontRef>
+          </p:style>
+          <p:txBody>
+            <a:bodyPr rtlCol="0" anchor="ctr"/>
+            <a:lstStyle/>
+            <a:p>
+              <a:pPr algn="ctr"/>
+              <a:endParaRPr lang="zh-CN" altLang="en-US" dirty="0"/>
+            </a:p>
+          </p:txBody>
+        </p:sp>
+        <p:sp>
+          <p:nvSpPr>
+            <p:cNvPr id="32" name="矩形: 圆角 31">
+              <a:extLst>
+                <a:ext uri="{FF2B5EF4-FFF2-40B4-BE49-F238E27FC236}">
+                  <a16:creationId xmlns:a16="http://schemas.microsoft.com/office/drawing/2014/main" id="{90944922-BEF7-C1DB-2817-517BF147DAB6}"/>
+                </a:ext>
+              </a:extLst>
+            </p:cNvPr>
+            <p:cNvSpPr/>
+            <p:nvPr/>
+          </p:nvSpPr>
+          <p:spPr>
+            <a:xfrm>
+              <a:off x="11615212" y="1706939"/>
+              <a:ext cx="3674829" cy="1406976"/>
+            </a:xfrm>
+            <a:prstGeom prst="roundRect">
+              <a:avLst/>
+            </a:prstGeom>
+            <a:solidFill>
+              <a:schemeClr val="accent1">
+                <a:lumMod val="20000"/>
+                <a:lumOff val="80000"/>
+              </a:schemeClr>
+            </a:solidFill>
+            <a:ln w="57150">
+              <a:solidFill>
+                <a:schemeClr val="accent1">
+                  <a:lumMod val="75000"/>
+                </a:schemeClr>
+              </a:solidFill>
+            </a:ln>
+          </p:spPr>
+          <p:style>
+            <a:lnRef idx="2">
+              <a:schemeClr val="accent1">
+                <a:shade val="15000"/>
+              </a:schemeClr>
+            </a:lnRef>
+            <a:fillRef idx="1">
+              <a:schemeClr val="accent1"/>
+            </a:fillRef>
+            <a:effectRef idx="0">
+              <a:schemeClr val="accent1"/>
+            </a:effectRef>
+            <a:fontRef idx="minor">
+              <a:schemeClr val="lt1"/>
+            </a:fontRef>
+          </p:style>
+          <p:txBody>
+            <a:bodyPr rtlCol="0" anchor="ctr"/>
+            <a:lstStyle/>
+            <a:p>
+              <a:pPr algn="ctr"/>
+              <a:endParaRPr lang="zh-CN" altLang="en-US" dirty="0"/>
+            </a:p>
+          </p:txBody>
+        </p:sp>
+        <p:sp>
+          <p:nvSpPr>
+            <p:cNvPr id="450" name="文本框 449">
+              <a:extLst>
+                <a:ext uri="{FF2B5EF4-FFF2-40B4-BE49-F238E27FC236}">
+                  <a16:creationId xmlns:a16="http://schemas.microsoft.com/office/drawing/2014/main" id="{40D09B95-0622-0D04-36D6-72F4BEC41964}"/>
+                </a:ext>
+              </a:extLst>
+            </p:cNvPr>
+            <p:cNvSpPr txBox="1"/>
+            <p:nvPr/>
+          </p:nvSpPr>
+          <p:spPr>
+            <a:xfrm>
+              <a:off x="-1418093" y="2553999"/>
+              <a:ext cx="1981200" cy="1754326"/>
+            </a:xfrm>
+            <a:prstGeom prst="rect">
+              <a:avLst/>
+            </a:prstGeom>
+            <a:noFill/>
+          </p:spPr>
+          <p:txBody>
+            <a:bodyPr wrap="square" rtlCol="0">
+              <a:spAutoFit/>
+            </a:bodyPr>
+            <a:lstStyle/>
+            <a:p>
+              <a:pPr algn="ctr"/>
+              <a:r>
+                <a:rPr lang="en-US" altLang="zh-CN" sz="3600" b="1" dirty="0">
+                  <a:latin typeface="微软雅黑" panose="020B0503020204020204" pitchFamily="34" charset="-122"/>
+                  <a:ea typeface="微软雅黑" panose="020B0503020204020204" pitchFamily="34" charset="-122"/>
+                </a:rPr>
+                <a:t>Center- Align Module</a:t>
+              </a:r>
+              <a:endParaRPr lang="zh-CN" altLang="en-US" sz="3600" b="1" dirty="0">
+                <a:latin typeface="微软雅黑" panose="020B0503020204020204" pitchFamily="34" charset="-122"/>
+                <a:ea typeface="微软雅黑" panose="020B0503020204020204" pitchFamily="34" charset="-122"/>
+              </a:endParaRPr>
+            </a:p>
+          </p:txBody>
+        </p:sp>
         <p:grpSp>
           <p:nvGrpSpPr>
-            <p:cNvPr id="33" name="组合 32">
+            <p:cNvPr id="10" name="组合 9">
               <a:extLst>
                 <a:ext uri="{FF2B5EF4-FFF2-40B4-BE49-F238E27FC236}">
-                  <a16:creationId xmlns:a16="http://schemas.microsoft.com/office/drawing/2014/main" id="{CFD3B0BA-75A8-2831-3249-E927630B2980}"/>
+                  <a16:creationId xmlns:a16="http://schemas.microsoft.com/office/drawing/2014/main" id="{5CFF99C0-957F-B414-89C9-E50DBEEFAB05}"/>
                 </a:ext>
               </a:extLst>
             </p:cNvPr>
@@ -35756,18 +37471,18 @@
           </p:nvGrpSpPr>
           <p:grpSpPr>
             <a:xfrm>
-              <a:off x="-1979677" y="1019226"/>
-              <a:ext cx="17601535" cy="4819547"/>
-              <a:chOff x="-1572893" y="972687"/>
-              <a:chExt cx="17601535" cy="4819547"/>
+              <a:off x="3234424" y="1023551"/>
+              <a:ext cx="4909583" cy="4815222"/>
+              <a:chOff x="1492566" y="977017"/>
+              <a:chExt cx="4909583" cy="4815222"/>
             </a:xfrm>
           </p:grpSpPr>
           <p:sp>
             <p:nvSpPr>
-              <p:cNvPr id="2" name="矩形: 圆角 1">
+              <p:cNvPr id="3" name="矩形: 圆角 2">
                 <a:extLst>
                   <a:ext uri="{FF2B5EF4-FFF2-40B4-BE49-F238E27FC236}">
-                    <a16:creationId xmlns:a16="http://schemas.microsoft.com/office/drawing/2014/main" id="{359F6E32-9413-D493-E1AE-CC18900E9993}"/>
+                    <a16:creationId xmlns:a16="http://schemas.microsoft.com/office/drawing/2014/main" id="{561F763A-C8AF-4678-DE9A-AFD9C0F496B4}"/>
                   </a:ext>
                 </a:extLst>
               </p:cNvPr>
@@ -35776,21 +37491,21 @@
             </p:nvSpPr>
             <p:spPr>
               <a:xfrm>
-                <a:off x="-1184001" y="1639014"/>
-                <a:ext cx="2326585" cy="3491232"/>
+                <a:off x="1751455" y="1607217"/>
+                <a:ext cx="4279846" cy="3554819"/>
               </a:xfrm>
               <a:prstGeom prst="roundRect">
                 <a:avLst/>
               </a:prstGeom>
               <a:solidFill>
-                <a:schemeClr val="accent1">
+                <a:schemeClr val="accent4">
                   <a:lumMod val="20000"/>
                   <a:lumOff val="80000"/>
                 </a:schemeClr>
               </a:solidFill>
               <a:ln w="57150">
                 <a:solidFill>
-                  <a:schemeClr val="accent1">
+                  <a:schemeClr val="accent4">
                     <a:lumMod val="75000"/>
                   </a:schemeClr>
                 </a:solidFill>
@@ -35823,10 +37538,10 @@
           </p:sp>
           <p:sp>
             <p:nvSpPr>
-              <p:cNvPr id="16" name="矩形: 圆角 15">
+              <p:cNvPr id="5" name="矩形: 圆角 4">
                 <a:extLst>
                   <a:ext uri="{FF2B5EF4-FFF2-40B4-BE49-F238E27FC236}">
-                    <a16:creationId xmlns:a16="http://schemas.microsoft.com/office/drawing/2014/main" id="{EB038E0C-00F9-9965-787A-F574B5D6BA44}"/>
+                    <a16:creationId xmlns:a16="http://schemas.microsoft.com/office/drawing/2014/main" id="{BD034672-9EA6-6081-BB0E-925E1F7F959B}"/>
                   </a:ext>
                 </a:extLst>
               </p:cNvPr>
@@ -35835,21 +37550,21 @@
             </p:nvSpPr>
             <p:spPr>
               <a:xfrm>
-                <a:off x="12021996" y="3726181"/>
-                <a:ext cx="3674829" cy="1406976"/>
+                <a:off x="3761823" y="2248374"/>
+                <a:ext cx="1821254" cy="2272503"/>
               </a:xfrm>
               <a:prstGeom prst="roundRect">
                 <a:avLst/>
               </a:prstGeom>
               <a:solidFill>
-                <a:schemeClr val="accent1">
-                  <a:lumMod val="20000"/>
-                  <a:lumOff val="80000"/>
+                <a:schemeClr val="accent4">
+                  <a:lumMod val="60000"/>
+                  <a:lumOff val="40000"/>
                 </a:schemeClr>
               </a:solidFill>
               <a:ln w="57150">
                 <a:solidFill>
-                  <a:schemeClr val="accent1">
+                  <a:schemeClr val="accent4">
                     <a:lumMod val="75000"/>
                   </a:schemeClr>
                 </a:solidFill>
@@ -35882,10 +37597,10 @@
           </p:sp>
           <p:sp>
             <p:nvSpPr>
-              <p:cNvPr id="32" name="矩形: 圆角 31">
+              <p:cNvPr id="7" name="矩形: 圆角 6">
                 <a:extLst>
                   <a:ext uri="{FF2B5EF4-FFF2-40B4-BE49-F238E27FC236}">
-                    <a16:creationId xmlns:a16="http://schemas.microsoft.com/office/drawing/2014/main" id="{90944922-BEF7-C1DB-2817-517BF147DAB6}"/>
+                    <a16:creationId xmlns:a16="http://schemas.microsoft.com/office/drawing/2014/main" id="{0652D2D2-5DF6-CD5E-583C-34C2132B297F}"/>
                   </a:ext>
                 </a:extLst>
               </p:cNvPr>
@@ -35894,21 +37609,21 @@
             </p:nvSpPr>
             <p:spPr>
               <a:xfrm>
-                <a:off x="12021996" y="1660400"/>
-                <a:ext cx="3674829" cy="1406976"/>
+                <a:off x="2350378" y="2248376"/>
+                <a:ext cx="963222" cy="2272503"/>
               </a:xfrm>
               <a:prstGeom prst="roundRect">
                 <a:avLst/>
               </a:prstGeom>
               <a:solidFill>
-                <a:schemeClr val="accent1">
-                  <a:lumMod val="20000"/>
-                  <a:lumOff val="80000"/>
+                <a:schemeClr val="accent4">
+                  <a:lumMod val="60000"/>
+                  <a:lumOff val="40000"/>
                 </a:schemeClr>
               </a:solidFill>
               <a:ln w="57150">
                 <a:solidFill>
-                  <a:schemeClr val="accent1">
+                  <a:schemeClr val="accent4">
                     <a:lumMod val="75000"/>
                   </a:schemeClr>
                 </a:solidFill>
@@ -35941,614 +37656,10 @@
           </p:sp>
           <p:sp>
             <p:nvSpPr>
-              <p:cNvPr id="450" name="文本框 449">
+              <p:cNvPr id="12" name="矩形: 圆角 11">
                 <a:extLst>
                   <a:ext uri="{FF2B5EF4-FFF2-40B4-BE49-F238E27FC236}">
-                    <a16:creationId xmlns:a16="http://schemas.microsoft.com/office/drawing/2014/main" id="{40D09B95-0622-0D04-36D6-72F4BEC41964}"/>
-                  </a:ext>
-                </a:extLst>
-              </p:cNvPr>
-              <p:cNvSpPr txBox="1"/>
-              <p:nvPr/>
-            </p:nvSpPr>
-            <p:spPr>
-              <a:xfrm>
-                <a:off x="-1011309" y="2507460"/>
-                <a:ext cx="1981200" cy="1754326"/>
-              </a:xfrm>
-              <a:prstGeom prst="rect">
-                <a:avLst/>
-              </a:prstGeom>
-              <a:noFill/>
-            </p:spPr>
-            <p:txBody>
-              <a:bodyPr wrap="square" rtlCol="0">
-                <a:spAutoFit/>
-              </a:bodyPr>
-              <a:lstStyle/>
-              <a:p>
-                <a:pPr algn="ctr"/>
-                <a:r>
-                  <a:rPr lang="en-US" altLang="zh-CN" sz="3600" b="1" dirty="0">
-                    <a:latin typeface="微软雅黑" panose="020B0503020204020204" pitchFamily="34" charset="-122"/>
-                    <a:ea typeface="微软雅黑" panose="020B0503020204020204" pitchFamily="34" charset="-122"/>
-                  </a:rPr>
-                  <a:t>Center- Align Module</a:t>
-                </a:r>
-                <a:endParaRPr lang="zh-CN" altLang="en-US" sz="3600" b="1" dirty="0">
-                  <a:latin typeface="微软雅黑" panose="020B0503020204020204" pitchFamily="34" charset="-122"/>
-                  <a:ea typeface="微软雅黑" panose="020B0503020204020204" pitchFamily="34" charset="-122"/>
-                </a:endParaRPr>
-              </a:p>
-            </p:txBody>
-          </p:sp>
-          <p:grpSp>
-            <p:nvGrpSpPr>
-              <p:cNvPr id="10" name="组合 9">
-                <a:extLst>
-                  <a:ext uri="{FF2B5EF4-FFF2-40B4-BE49-F238E27FC236}">
-                    <a16:creationId xmlns:a16="http://schemas.microsoft.com/office/drawing/2014/main" id="{5CFF99C0-957F-B414-89C9-E50DBEEFAB05}"/>
-                  </a:ext>
-                </a:extLst>
-              </p:cNvPr>
-              <p:cNvGrpSpPr/>
-              <p:nvPr/>
-            </p:nvGrpSpPr>
-            <p:grpSpPr>
-              <a:xfrm>
-                <a:off x="3641208" y="977012"/>
-                <a:ext cx="4909583" cy="4815222"/>
-                <a:chOff x="1492566" y="977017"/>
-                <a:chExt cx="4909583" cy="4815222"/>
-              </a:xfrm>
-            </p:grpSpPr>
-            <p:sp>
-              <p:nvSpPr>
-                <p:cNvPr id="3" name="矩形: 圆角 2">
-                  <a:extLst>
-                    <a:ext uri="{FF2B5EF4-FFF2-40B4-BE49-F238E27FC236}">
-                      <a16:creationId xmlns:a16="http://schemas.microsoft.com/office/drawing/2014/main" id="{561F763A-C8AF-4678-DE9A-AFD9C0F496B4}"/>
-                    </a:ext>
-                  </a:extLst>
-                </p:cNvPr>
-                <p:cNvSpPr/>
-                <p:nvPr/>
-              </p:nvSpPr>
-              <p:spPr>
-                <a:xfrm>
-                  <a:off x="1751455" y="1607217"/>
-                  <a:ext cx="4279846" cy="3554819"/>
-                </a:xfrm>
-                <a:prstGeom prst="roundRect">
-                  <a:avLst/>
-                </a:prstGeom>
-                <a:solidFill>
-                  <a:schemeClr val="accent4">
-                    <a:lumMod val="20000"/>
-                    <a:lumOff val="80000"/>
-                  </a:schemeClr>
-                </a:solidFill>
-                <a:ln w="57150">
-                  <a:solidFill>
-                    <a:schemeClr val="accent4">
-                      <a:lumMod val="75000"/>
-                    </a:schemeClr>
-                  </a:solidFill>
-                </a:ln>
-              </p:spPr>
-              <p:style>
-                <a:lnRef idx="2">
-                  <a:schemeClr val="accent1">
-                    <a:shade val="15000"/>
-                  </a:schemeClr>
-                </a:lnRef>
-                <a:fillRef idx="1">
-                  <a:schemeClr val="accent1"/>
-                </a:fillRef>
-                <a:effectRef idx="0">
-                  <a:schemeClr val="accent1"/>
-                </a:effectRef>
-                <a:fontRef idx="minor">
-                  <a:schemeClr val="lt1"/>
-                </a:fontRef>
-              </p:style>
-              <p:txBody>
-                <a:bodyPr rtlCol="0" anchor="ctr"/>
-                <a:lstStyle/>
-                <a:p>
-                  <a:pPr algn="ctr"/>
-                  <a:endParaRPr lang="zh-CN" altLang="en-US" dirty="0"/>
-                </a:p>
-              </p:txBody>
-            </p:sp>
-            <p:sp>
-              <p:nvSpPr>
-                <p:cNvPr id="5" name="矩形: 圆角 4">
-                  <a:extLst>
-                    <a:ext uri="{FF2B5EF4-FFF2-40B4-BE49-F238E27FC236}">
-                      <a16:creationId xmlns:a16="http://schemas.microsoft.com/office/drawing/2014/main" id="{BD034672-9EA6-6081-BB0E-925E1F7F959B}"/>
-                    </a:ext>
-                  </a:extLst>
-                </p:cNvPr>
-                <p:cNvSpPr/>
-                <p:nvPr/>
-              </p:nvSpPr>
-              <p:spPr>
-                <a:xfrm>
-                  <a:off x="3761823" y="2248374"/>
-                  <a:ext cx="1821254" cy="2272503"/>
-                </a:xfrm>
-                <a:prstGeom prst="roundRect">
-                  <a:avLst/>
-                </a:prstGeom>
-                <a:solidFill>
-                  <a:schemeClr val="accent4">
-                    <a:lumMod val="60000"/>
-                    <a:lumOff val="40000"/>
-                  </a:schemeClr>
-                </a:solidFill>
-                <a:ln w="57150">
-                  <a:solidFill>
-                    <a:schemeClr val="accent4">
-                      <a:lumMod val="75000"/>
-                    </a:schemeClr>
-                  </a:solidFill>
-                </a:ln>
-              </p:spPr>
-              <p:style>
-                <a:lnRef idx="2">
-                  <a:schemeClr val="accent1">
-                    <a:shade val="15000"/>
-                  </a:schemeClr>
-                </a:lnRef>
-                <a:fillRef idx="1">
-                  <a:schemeClr val="accent1"/>
-                </a:fillRef>
-                <a:effectRef idx="0">
-                  <a:schemeClr val="accent1"/>
-                </a:effectRef>
-                <a:fontRef idx="minor">
-                  <a:schemeClr val="lt1"/>
-                </a:fontRef>
-              </p:style>
-              <p:txBody>
-                <a:bodyPr rtlCol="0" anchor="ctr"/>
-                <a:lstStyle/>
-                <a:p>
-                  <a:pPr algn="ctr"/>
-                  <a:endParaRPr lang="zh-CN" altLang="en-US" dirty="0"/>
-                </a:p>
-              </p:txBody>
-            </p:sp>
-            <p:sp>
-              <p:nvSpPr>
-                <p:cNvPr id="7" name="矩形: 圆角 6">
-                  <a:extLst>
-                    <a:ext uri="{FF2B5EF4-FFF2-40B4-BE49-F238E27FC236}">
-                      <a16:creationId xmlns:a16="http://schemas.microsoft.com/office/drawing/2014/main" id="{0652D2D2-5DF6-CD5E-583C-34C2132B297F}"/>
-                    </a:ext>
-                  </a:extLst>
-                </p:cNvPr>
-                <p:cNvSpPr/>
-                <p:nvPr/>
-              </p:nvSpPr>
-              <p:spPr>
-                <a:xfrm>
-                  <a:off x="2350378" y="2248376"/>
-                  <a:ext cx="963222" cy="2272503"/>
-                </a:xfrm>
-                <a:prstGeom prst="roundRect">
-                  <a:avLst/>
-                </a:prstGeom>
-                <a:solidFill>
-                  <a:schemeClr val="accent4">
-                    <a:lumMod val="60000"/>
-                    <a:lumOff val="40000"/>
-                  </a:schemeClr>
-                </a:solidFill>
-                <a:ln w="57150">
-                  <a:solidFill>
-                    <a:schemeClr val="accent4">
-                      <a:lumMod val="75000"/>
-                    </a:schemeClr>
-                  </a:solidFill>
-                </a:ln>
-              </p:spPr>
-              <p:style>
-                <a:lnRef idx="2">
-                  <a:schemeClr val="accent1">
-                    <a:shade val="15000"/>
-                  </a:schemeClr>
-                </a:lnRef>
-                <a:fillRef idx="1">
-                  <a:schemeClr val="accent1"/>
-                </a:fillRef>
-                <a:effectRef idx="0">
-                  <a:schemeClr val="accent1"/>
-                </a:effectRef>
-                <a:fontRef idx="minor">
-                  <a:schemeClr val="lt1"/>
-                </a:fontRef>
-              </p:style>
-              <p:txBody>
-                <a:bodyPr rtlCol="0" anchor="ctr"/>
-                <a:lstStyle/>
-                <a:p>
-                  <a:pPr algn="ctr"/>
-                  <a:endParaRPr lang="zh-CN" altLang="en-US" dirty="0"/>
-                </a:p>
-              </p:txBody>
-            </p:sp>
-            <p:sp>
-              <p:nvSpPr>
-                <p:cNvPr id="12" name="矩形: 圆角 11">
-                  <a:extLst>
-                    <a:ext uri="{FF2B5EF4-FFF2-40B4-BE49-F238E27FC236}">
-                      <a16:creationId xmlns:a16="http://schemas.microsoft.com/office/drawing/2014/main" id="{F1DA44C9-556A-73E2-C270-0DC1E2576329}"/>
-                    </a:ext>
-                  </a:extLst>
-                </p:cNvPr>
-                <p:cNvSpPr/>
-                <p:nvPr/>
-              </p:nvSpPr>
-              <p:spPr>
-                <a:xfrm>
-                  <a:off x="1492566" y="977017"/>
-                  <a:ext cx="4909583" cy="4815222"/>
-                </a:xfrm>
-                <a:prstGeom prst="roundRect">
-                  <a:avLst/>
-                </a:prstGeom>
-                <a:noFill/>
-                <a:ln w="57150">
-                  <a:solidFill>
-                    <a:schemeClr val="accent6"/>
-                  </a:solidFill>
-                  <a:prstDash val="dash"/>
-                </a:ln>
-              </p:spPr>
-              <p:style>
-                <a:lnRef idx="2">
-                  <a:schemeClr val="accent1">
-                    <a:shade val="15000"/>
-                  </a:schemeClr>
-                </a:lnRef>
-                <a:fillRef idx="1">
-                  <a:schemeClr val="accent1"/>
-                </a:fillRef>
-                <a:effectRef idx="0">
-                  <a:schemeClr val="accent1"/>
-                </a:effectRef>
-                <a:fontRef idx="minor">
-                  <a:schemeClr val="lt1"/>
-                </a:fontRef>
-              </p:style>
-              <p:txBody>
-                <a:bodyPr rtlCol="0" anchor="ctr"/>
-                <a:lstStyle/>
-                <a:p>
-                  <a:pPr algn="ctr"/>
-                  <a:endParaRPr lang="zh-CN" altLang="en-US"/>
-                </a:p>
-              </p:txBody>
-            </p:sp>
-            <p:cxnSp>
-              <p:nvCxnSpPr>
-                <p:cNvPr id="63" name="直接箭头连接符 62">
-                  <a:extLst>
-                    <a:ext uri="{FF2B5EF4-FFF2-40B4-BE49-F238E27FC236}">
-                      <a16:creationId xmlns:a16="http://schemas.microsoft.com/office/drawing/2014/main" id="{66AB70D0-A034-E227-4A70-20E13D6EAA49}"/>
-                    </a:ext>
-                  </a:extLst>
-                </p:cNvPr>
-                <p:cNvCxnSpPr>
-                  <a:cxnSpLocks/>
-                  <a:stCxn id="7" idx="3"/>
-                  <a:endCxn id="5" idx="1"/>
-                </p:cNvCxnSpPr>
-                <p:nvPr/>
-              </p:nvCxnSpPr>
-              <p:spPr>
-                <a:xfrm flipV="1">
-                  <a:off x="3313600" y="3384626"/>
-                  <a:ext cx="448223" cy="2"/>
-                </a:xfrm>
-                <a:prstGeom prst="straightConnector1">
-                  <a:avLst/>
-                </a:prstGeom>
-                <a:ln w="57150">
-                  <a:solidFill>
-                    <a:srgbClr val="C00000"/>
-                  </a:solidFill>
-                  <a:tailEnd type="triangle"/>
-                </a:ln>
-              </p:spPr>
-              <p:style>
-                <a:lnRef idx="1">
-                  <a:schemeClr val="dk1"/>
-                </a:lnRef>
-                <a:fillRef idx="0">
-                  <a:schemeClr val="dk1"/>
-                </a:fillRef>
-                <a:effectRef idx="0">
-                  <a:schemeClr val="dk1"/>
-                </a:effectRef>
-                <a:fontRef idx="minor">
-                  <a:schemeClr val="tx1"/>
-                </a:fontRef>
-              </p:style>
-            </p:cxnSp>
-            <p:sp>
-              <p:nvSpPr>
-                <p:cNvPr id="451" name="文本框 450">
-                  <a:extLst>
-                    <a:ext uri="{FF2B5EF4-FFF2-40B4-BE49-F238E27FC236}">
-                      <a16:creationId xmlns:a16="http://schemas.microsoft.com/office/drawing/2014/main" id="{BDFA2FFC-4A3D-9FC7-7F68-1BDE3B7D65D1}"/>
-                    </a:ext>
-                  </a:extLst>
-                </p:cNvPr>
-                <p:cNvSpPr txBox="1"/>
-                <p:nvPr/>
-              </p:nvSpPr>
-              <p:spPr>
-                <a:xfrm>
-                  <a:off x="2458270" y="2360974"/>
-                  <a:ext cx="738664" cy="1900800"/>
-                </a:xfrm>
-                <a:prstGeom prst="rect">
-                  <a:avLst/>
-                </a:prstGeom>
-                <a:noFill/>
-              </p:spPr>
-              <p:txBody>
-                <a:bodyPr vert="vert270" wrap="square" rtlCol="0">
-                  <a:spAutoFit/>
-                </a:bodyPr>
-                <a:lstStyle/>
-                <a:p>
-                  <a:pPr algn="ctr"/>
-                  <a:r>
-                    <a:rPr lang="en-US" altLang="zh-CN" sz="3600" b="1" dirty="0" err="1">
-                      <a:latin typeface="微软雅黑" panose="020B0503020204020204" pitchFamily="34" charset="-122"/>
-                      <a:ea typeface="微软雅黑" panose="020B0503020204020204" pitchFamily="34" charset="-122"/>
-                    </a:rPr>
-                    <a:t>Convs</a:t>
-                  </a:r>
-                  <a:endParaRPr lang="zh-CN" altLang="en-US" sz="3600" b="1" dirty="0">
-                    <a:latin typeface="微软雅黑" panose="020B0503020204020204" pitchFamily="34" charset="-122"/>
-                    <a:ea typeface="微软雅黑" panose="020B0503020204020204" pitchFamily="34" charset="-122"/>
-                  </a:endParaRPr>
-                </a:p>
-              </p:txBody>
-            </p:sp>
-            <p:sp>
-              <p:nvSpPr>
-                <p:cNvPr id="452" name="文本框 451">
-                  <a:extLst>
-                    <a:ext uri="{FF2B5EF4-FFF2-40B4-BE49-F238E27FC236}">
-                      <a16:creationId xmlns:a16="http://schemas.microsoft.com/office/drawing/2014/main" id="{06B3F703-9F5F-C229-68A2-3451E15A984B}"/>
-                    </a:ext>
-                  </a:extLst>
-                </p:cNvPr>
-                <p:cNvSpPr txBox="1"/>
-                <p:nvPr/>
-              </p:nvSpPr>
-              <p:spPr>
-                <a:xfrm>
-                  <a:off x="3866951" y="3057138"/>
-                  <a:ext cx="1611344" cy="646331"/>
-                </a:xfrm>
-                <a:prstGeom prst="rect">
-                  <a:avLst/>
-                </a:prstGeom>
-                <a:noFill/>
-              </p:spPr>
-              <p:txBody>
-                <a:bodyPr wrap="square" rtlCol="0">
-                  <a:spAutoFit/>
-                </a:bodyPr>
-                <a:lstStyle/>
-                <a:p>
-                  <a:pPr algn="ctr"/>
-                  <a:r>
-                    <a:rPr lang="en-US" altLang="zh-CN" sz="3600" b="1" dirty="0" err="1">
-                      <a:latin typeface="微软雅黑" panose="020B0503020204020204" pitchFamily="34" charset="-122"/>
-                      <a:ea typeface="微软雅黑" panose="020B0503020204020204" pitchFamily="34" charset="-122"/>
-                    </a:rPr>
-                    <a:t>SRB</a:t>
-                  </a:r>
-                  <a:endParaRPr lang="zh-CN" altLang="en-US" sz="3600" b="1" dirty="0">
-                    <a:latin typeface="微软雅黑" panose="020B0503020204020204" pitchFamily="34" charset="-122"/>
-                    <a:ea typeface="微软雅黑" panose="020B0503020204020204" pitchFamily="34" charset="-122"/>
-                  </a:endParaRPr>
-                </a:p>
-              </p:txBody>
-            </p:sp>
-            <p:sp>
-              <p:nvSpPr>
-                <p:cNvPr id="453" name="文本框 452">
-                  <a:extLst>
-                    <a:ext uri="{FF2B5EF4-FFF2-40B4-BE49-F238E27FC236}">
-                      <a16:creationId xmlns:a16="http://schemas.microsoft.com/office/drawing/2014/main" id="{EBD0F06F-02EB-3E8E-1EE6-8B4492422640}"/>
-                    </a:ext>
-                  </a:extLst>
-                </p:cNvPr>
-                <p:cNvSpPr txBox="1"/>
-                <p:nvPr/>
-              </p:nvSpPr>
-              <p:spPr>
-                <a:xfrm>
-                  <a:off x="4569296" y="4474998"/>
-                  <a:ext cx="1449565" cy="646331"/>
-                </a:xfrm>
-                <a:prstGeom prst="rect">
-                  <a:avLst/>
-                </a:prstGeom>
-                <a:noFill/>
-              </p:spPr>
-              <p:txBody>
-                <a:bodyPr wrap="square" rtlCol="0">
-                  <a:spAutoFit/>
-                </a:bodyPr>
-                <a:lstStyle/>
-                <a:p>
-                  <a:pPr algn="ctr"/>
-                  <a:r>
-                    <a:rPr lang="en-US" altLang="zh-CN" sz="3600" b="1" dirty="0"/>
-                    <a:t>×N</a:t>
-                  </a:r>
-                  <a:endParaRPr lang="zh-CN" altLang="en-US" sz="3600" b="1" dirty="0"/>
-                </a:p>
-              </p:txBody>
-            </p:sp>
-          </p:grpSp>
-          <p:cxnSp>
-            <p:nvCxnSpPr>
-              <p:cNvPr id="457" name="直接箭头连接符 456">
-                <a:extLst>
-                  <a:ext uri="{FF2B5EF4-FFF2-40B4-BE49-F238E27FC236}">
-                    <a16:creationId xmlns:a16="http://schemas.microsoft.com/office/drawing/2014/main" id="{90CA5046-5C5D-B4C0-FA36-D135988F66C2}"/>
-                  </a:ext>
-                </a:extLst>
-              </p:cNvPr>
-              <p:cNvCxnSpPr>
-                <a:cxnSpLocks/>
-                <a:stCxn id="2" idx="3"/>
-                <a:endCxn id="11" idx="2"/>
-              </p:cNvCxnSpPr>
-              <p:nvPr/>
-            </p:nvCxnSpPr>
-            <p:spPr>
-              <a:xfrm flipV="1">
-                <a:off x="1142584" y="3380299"/>
-                <a:ext cx="471735" cy="4331"/>
-              </a:xfrm>
-              <a:prstGeom prst="straightConnector1">
-                <a:avLst/>
-              </a:prstGeom>
-              <a:ln w="76200">
-                <a:tailEnd type="triangle"/>
-              </a:ln>
-            </p:spPr>
-            <p:style>
-              <a:lnRef idx="1">
-                <a:schemeClr val="dk1"/>
-              </a:lnRef>
-              <a:fillRef idx="0">
-                <a:schemeClr val="dk1"/>
-              </a:fillRef>
-              <a:effectRef idx="0">
-                <a:schemeClr val="dk1"/>
-              </a:effectRef>
-              <a:fontRef idx="minor">
-                <a:schemeClr val="tx1"/>
-              </a:fontRef>
-            </p:style>
-          </p:cxnSp>
-          <p:cxnSp>
-            <p:nvCxnSpPr>
-              <p:cNvPr id="468" name="连接符: 肘形 467">
-                <a:extLst>
-                  <a:ext uri="{FF2B5EF4-FFF2-40B4-BE49-F238E27FC236}">
-                    <a16:creationId xmlns:a16="http://schemas.microsoft.com/office/drawing/2014/main" id="{FB60AA61-00CD-230D-BAA5-096DEC23E78F}"/>
-                  </a:ext>
-                </a:extLst>
-              </p:cNvPr>
-              <p:cNvCxnSpPr>
-                <a:cxnSpLocks/>
-                <a:stCxn id="17" idx="2"/>
-                <a:endCxn id="32" idx="1"/>
-              </p:cNvCxnSpPr>
-              <p:nvPr/>
-            </p:nvCxnSpPr>
-            <p:spPr>
-              <a:xfrm flipV="1">
-                <a:off x="10577683" y="2363888"/>
-                <a:ext cx="1444313" cy="1016410"/>
-              </a:xfrm>
-              <a:prstGeom prst="bentConnector3">
-                <a:avLst/>
-              </a:prstGeom>
-              <a:ln w="76200">
-                <a:solidFill>
-                  <a:schemeClr val="tx1">
-                    <a:lumMod val="95000"/>
-                    <a:lumOff val="5000"/>
-                  </a:schemeClr>
-                </a:solidFill>
-                <a:tailEnd type="triangle"/>
-              </a:ln>
-            </p:spPr>
-            <p:style>
-              <a:lnRef idx="1">
-                <a:schemeClr val="accent1"/>
-              </a:lnRef>
-              <a:fillRef idx="0">
-                <a:schemeClr val="accent1"/>
-              </a:fillRef>
-              <a:effectRef idx="0">
-                <a:schemeClr val="accent1"/>
-              </a:effectRef>
-              <a:fontRef idx="minor">
-                <a:schemeClr val="tx1"/>
-              </a:fontRef>
-            </p:style>
-          </p:cxnSp>
-          <p:cxnSp>
-            <p:nvCxnSpPr>
-              <p:cNvPr id="469" name="连接符: 肘形 468">
-                <a:extLst>
-                  <a:ext uri="{FF2B5EF4-FFF2-40B4-BE49-F238E27FC236}">
-                    <a16:creationId xmlns:a16="http://schemas.microsoft.com/office/drawing/2014/main" id="{A1119959-B6B0-6382-273C-BE940839A52F}"/>
-                  </a:ext>
-                </a:extLst>
-              </p:cNvPr>
-              <p:cNvCxnSpPr>
-                <a:cxnSpLocks/>
-                <a:stCxn id="17" idx="2"/>
-                <a:endCxn id="16" idx="1"/>
-              </p:cNvCxnSpPr>
-              <p:nvPr/>
-            </p:nvCxnSpPr>
-            <p:spPr>
-              <a:xfrm>
-                <a:off x="10577683" y="3380298"/>
-                <a:ext cx="1444313" cy="1049371"/>
-              </a:xfrm>
-              <a:prstGeom prst="bentConnector3">
-                <a:avLst/>
-              </a:prstGeom>
-              <a:ln w="76200">
-                <a:solidFill>
-                  <a:schemeClr val="tx1">
-                    <a:lumMod val="95000"/>
-                    <a:lumOff val="5000"/>
-                  </a:schemeClr>
-                </a:solidFill>
-                <a:tailEnd type="triangle"/>
-              </a:ln>
-            </p:spPr>
-            <p:style>
-              <a:lnRef idx="1">
-                <a:schemeClr val="accent1"/>
-              </a:lnRef>
-              <a:fillRef idx="0">
-                <a:schemeClr val="accent1"/>
-              </a:fillRef>
-              <a:effectRef idx="0">
-                <a:schemeClr val="accent1"/>
-              </a:effectRef>
-              <a:fontRef idx="minor">
-                <a:schemeClr val="tx1"/>
-              </a:fontRef>
-            </p:style>
-          </p:cxnSp>
-          <p:sp>
-            <p:nvSpPr>
-              <p:cNvPr id="11" name="梯形 10">
-                <a:extLst>
-                  <a:ext uri="{FF2B5EF4-FFF2-40B4-BE49-F238E27FC236}">
-                    <a16:creationId xmlns:a16="http://schemas.microsoft.com/office/drawing/2014/main" id="{2596A205-C75C-514B-40AE-FCF2459B5EF1}"/>
+                    <a16:creationId xmlns:a16="http://schemas.microsoft.com/office/drawing/2014/main" id="{F1DA44C9-556A-73E2-C270-0DC1E2576329}"/>
                   </a:ext>
                 </a:extLst>
               </p:cNvPr>
@@ -36556,129 +37667,19 @@
               <p:nvPr/>
             </p:nvSpPr>
             <p:spPr>
-              <a:xfrm rot="5400000">
-                <a:off x="571040" y="2646166"/>
-                <a:ext cx="3554821" cy="1468264"/>
+              <a:xfrm>
+                <a:off x="1492566" y="977017"/>
+                <a:ext cx="4909583" cy="4815222"/>
               </a:xfrm>
-              <a:prstGeom prst="trapezoid">
-                <a:avLst>
-                  <a:gd name="adj" fmla="val 56393"/>
-                </a:avLst>
-              </a:prstGeom>
-              <a:solidFill>
-                <a:schemeClr val="accent3">
-                  <a:lumMod val="20000"/>
-                  <a:lumOff val="80000"/>
-                </a:schemeClr>
-              </a:solidFill>
-              <a:ln w="57150">
-                <a:solidFill>
-                  <a:schemeClr val="accent3">
-                    <a:lumMod val="75000"/>
-                  </a:schemeClr>
-                </a:solidFill>
-              </a:ln>
-            </p:spPr>
-            <p:style>
-              <a:lnRef idx="2">
-                <a:schemeClr val="accent1">
-                  <a:shade val="15000"/>
-                </a:schemeClr>
-              </a:lnRef>
-              <a:fillRef idx="1">
-                <a:schemeClr val="accent1"/>
-              </a:fillRef>
-              <a:effectRef idx="0">
-                <a:schemeClr val="accent1"/>
-              </a:effectRef>
-              <a:fontRef idx="minor">
-                <a:schemeClr val="lt1"/>
-              </a:fontRef>
-            </p:style>
-            <p:txBody>
-              <a:bodyPr rtlCol="0" anchor="ctr"/>
-              <a:lstStyle/>
-              <a:p>
-                <a:pPr algn="ctr"/>
-                <a:endParaRPr lang="zh-CN" altLang="en-US"/>
-              </a:p>
-            </p:txBody>
-          </p:sp>
-          <p:sp>
-            <p:nvSpPr>
-              <p:cNvPr id="15" name="文本框 14">
-                <a:extLst>
-                  <a:ext uri="{FF2B5EF4-FFF2-40B4-BE49-F238E27FC236}">
-                    <a16:creationId xmlns:a16="http://schemas.microsoft.com/office/drawing/2014/main" id="{8FA731F9-0FE6-8A2C-40B0-2B9684B1B2D0}"/>
-                  </a:ext>
-                </a:extLst>
-              </p:cNvPr>
-              <p:cNvSpPr txBox="1"/>
-              <p:nvPr/>
-            </p:nvSpPr>
-            <p:spPr>
-              <a:xfrm>
-                <a:off x="1966829" y="1856298"/>
-                <a:ext cx="738664" cy="3048000"/>
-              </a:xfrm>
-              <a:prstGeom prst="rect">
+              <a:prstGeom prst="roundRect">
                 <a:avLst/>
               </a:prstGeom>
               <a:noFill/>
-            </p:spPr>
-            <p:txBody>
-              <a:bodyPr vert="vert270" wrap="square" rtlCol="0">
-                <a:spAutoFit/>
-              </a:bodyPr>
-              <a:lstStyle/>
-              <a:p>
-                <a:pPr algn="ctr"/>
-                <a:r>
-                  <a:rPr lang="en-US" altLang="zh-CN" sz="3600" b="1" dirty="0">
-                    <a:latin typeface="+mn-ea"/>
-                  </a:rPr>
-                  <a:t>Encoder</a:t>
-                </a:r>
-                <a:endParaRPr lang="zh-CN" altLang="en-US" sz="3600" b="1" dirty="0">
-                  <a:latin typeface="+mn-ea"/>
-                </a:endParaRPr>
-              </a:p>
-            </p:txBody>
-          </p:sp>
-          <p:sp>
-            <p:nvSpPr>
-              <p:cNvPr id="17" name="梯形 16">
-                <a:extLst>
-                  <a:ext uri="{FF2B5EF4-FFF2-40B4-BE49-F238E27FC236}">
-                    <a16:creationId xmlns:a16="http://schemas.microsoft.com/office/drawing/2014/main" id="{D032551F-22CE-4CDD-78A2-84F2095342CC}"/>
-                  </a:ext>
-                </a:extLst>
-              </p:cNvPr>
-              <p:cNvSpPr/>
-              <p:nvPr/>
-            </p:nvSpPr>
-            <p:spPr>
-              <a:xfrm rot="16200000">
-                <a:off x="8066140" y="2646166"/>
-                <a:ext cx="3554821" cy="1468264"/>
-              </a:xfrm>
-              <a:prstGeom prst="trapezoid">
-                <a:avLst>
-                  <a:gd name="adj" fmla="val 56393"/>
-                </a:avLst>
-              </a:prstGeom>
-              <a:solidFill>
-                <a:schemeClr val="accent3">
-                  <a:lumMod val="20000"/>
-                  <a:lumOff val="80000"/>
-                </a:schemeClr>
-              </a:solidFill>
               <a:ln w="57150">
                 <a:solidFill>
-                  <a:schemeClr val="accent3">
-                    <a:lumMod val="75000"/>
-                  </a:schemeClr>
+                  <a:schemeClr val="accent6"/>
                 </a:solidFill>
+                <a:prstDash val="dash"/>
               </a:ln>
             </p:spPr>
             <p:style>
@@ -36708,75 +37709,29 @@
           </p:sp>
           <p:cxnSp>
             <p:nvCxnSpPr>
-              <p:cNvPr id="20" name="直接箭头连接符 19">
+              <p:cNvPr id="63" name="直接箭头连接符 62">
                 <a:extLst>
                   <a:ext uri="{FF2B5EF4-FFF2-40B4-BE49-F238E27FC236}">
-                    <a16:creationId xmlns:a16="http://schemas.microsoft.com/office/drawing/2014/main" id="{89E87440-F379-7607-99CB-6736B5CB95A6}"/>
+                    <a16:creationId xmlns:a16="http://schemas.microsoft.com/office/drawing/2014/main" id="{66AB70D0-A034-E227-4A70-20E13D6EAA49}"/>
                   </a:ext>
                 </a:extLst>
               </p:cNvPr>
               <p:cNvCxnSpPr>
                 <a:cxnSpLocks/>
-                <a:stCxn id="11" idx="0"/>
-                <a:endCxn id="3" idx="1"/>
-              </p:cNvCxnSpPr>
-              <p:nvPr/>
-            </p:nvCxnSpPr>
-            <p:spPr>
-              <a:xfrm>
-                <a:off x="3082583" y="3380299"/>
-                <a:ext cx="817514" cy="4323"/>
-              </a:xfrm>
-              <a:prstGeom prst="straightConnector1">
-                <a:avLst/>
-              </a:prstGeom>
-              <a:ln w="76200">
-                <a:solidFill>
-                  <a:srgbClr val="C00000"/>
-                </a:solidFill>
-                <a:tailEnd type="triangle"/>
-              </a:ln>
-            </p:spPr>
-            <p:style>
-              <a:lnRef idx="1">
-                <a:schemeClr val="dk1"/>
-              </a:lnRef>
-              <a:fillRef idx="0">
-                <a:schemeClr val="dk1"/>
-              </a:fillRef>
-              <a:effectRef idx="0">
-                <a:schemeClr val="dk1"/>
-              </a:effectRef>
-              <a:fontRef idx="minor">
-                <a:schemeClr val="tx1"/>
-              </a:fontRef>
-            </p:style>
-          </p:cxnSp>
-          <p:cxnSp>
-            <p:nvCxnSpPr>
-              <p:cNvPr id="23" name="直接箭头连接符 22">
-                <a:extLst>
-                  <a:ext uri="{FF2B5EF4-FFF2-40B4-BE49-F238E27FC236}">
-                    <a16:creationId xmlns:a16="http://schemas.microsoft.com/office/drawing/2014/main" id="{012E0735-2A0D-72F2-ACC1-64723DDCF519}"/>
-                  </a:ext>
-                </a:extLst>
-              </p:cNvPr>
-              <p:cNvCxnSpPr>
-                <a:cxnSpLocks/>
-                <a:stCxn id="3" idx="3"/>
-                <a:endCxn id="17" idx="0"/>
+                <a:stCxn id="7" idx="3"/>
+                <a:endCxn id="5" idx="1"/>
               </p:cNvCxnSpPr>
               <p:nvPr/>
             </p:nvCxnSpPr>
             <p:spPr>
               <a:xfrm flipV="1">
-                <a:off x="8179943" y="3380298"/>
-                <a:ext cx="929476" cy="4324"/>
+                <a:off x="3313600" y="3384626"/>
+                <a:ext cx="448223" cy="2"/>
               </a:xfrm>
               <a:prstGeom prst="straightConnector1">
                 <a:avLst/>
               </a:prstGeom>
-              <a:ln w="76200">
+              <a:ln w="57150">
                 <a:solidFill>
                   <a:srgbClr val="C00000"/>
                 </a:solidFill>
@@ -36800,121 +37755,336 @@
           </p:cxnSp>
           <p:sp>
             <p:nvSpPr>
-              <p:cNvPr id="30" name="矩形: 圆角 29">
+              <p:cNvPr id="451" name="文本框 450">
                 <a:extLst>
                   <a:ext uri="{FF2B5EF4-FFF2-40B4-BE49-F238E27FC236}">
-                    <a16:creationId xmlns:a16="http://schemas.microsoft.com/office/drawing/2014/main" id="{5C366352-9716-E3FF-7F54-9F131F104826}"/>
+                    <a16:creationId xmlns:a16="http://schemas.microsoft.com/office/drawing/2014/main" id="{BDFA2FFC-4A3D-9FC7-7F68-1BDE3B7D65D1}"/>
                   </a:ext>
                 </a:extLst>
               </p:cNvPr>
-              <p:cNvSpPr/>
+              <p:cNvSpPr txBox="1"/>
               <p:nvPr/>
             </p:nvSpPr>
             <p:spPr>
               <a:xfrm>
-                <a:off x="-1572893" y="972687"/>
-                <a:ext cx="4909583" cy="4815222"/>
+                <a:off x="2458270" y="2360974"/>
+                <a:ext cx="738664" cy="1900800"/>
               </a:xfrm>
-              <a:prstGeom prst="roundRect">
+              <a:prstGeom prst="rect">
                 <a:avLst/>
               </a:prstGeom>
               <a:noFill/>
-              <a:ln w="57150">
-                <a:solidFill>
-                  <a:schemeClr val="bg1">
-                    <a:lumMod val="50000"/>
-                  </a:schemeClr>
-                </a:solidFill>
-                <a:prstDash val="dash"/>
-              </a:ln>
             </p:spPr>
-            <p:style>
-              <a:lnRef idx="2">
-                <a:schemeClr val="accent1">
-                  <a:shade val="15000"/>
-                </a:schemeClr>
-              </a:lnRef>
-              <a:fillRef idx="1">
-                <a:schemeClr val="accent1"/>
-              </a:fillRef>
-              <a:effectRef idx="0">
-                <a:schemeClr val="accent1"/>
-              </a:effectRef>
-              <a:fontRef idx="minor">
-                <a:schemeClr val="lt1"/>
-              </a:fontRef>
-            </p:style>
             <p:txBody>
-              <a:bodyPr rtlCol="0" anchor="ctr"/>
+              <a:bodyPr vert="vert270" wrap="square" rtlCol="0">
+                <a:spAutoFit/>
+              </a:bodyPr>
               <a:lstStyle/>
               <a:p>
                 <a:pPr algn="ctr"/>
-                <a:endParaRPr lang="zh-CN" altLang="en-US"/>
+                <a:r>
+                  <a:rPr lang="en-US" altLang="zh-CN" sz="3600" b="1" dirty="0" err="1">
+                    <a:latin typeface="微软雅黑" panose="020B0503020204020204" pitchFamily="34" charset="-122"/>
+                    <a:ea typeface="微软雅黑" panose="020B0503020204020204" pitchFamily="34" charset="-122"/>
+                  </a:rPr>
+                  <a:t>Convs</a:t>
+                </a:r>
+                <a:endParaRPr lang="zh-CN" altLang="en-US" sz="3600" b="1" dirty="0">
+                  <a:latin typeface="微软雅黑" panose="020B0503020204020204" pitchFamily="34" charset="-122"/>
+                  <a:ea typeface="微软雅黑" panose="020B0503020204020204" pitchFamily="34" charset="-122"/>
+                </a:endParaRPr>
               </a:p>
             </p:txBody>
           </p:sp>
           <p:sp>
             <p:nvSpPr>
-              <p:cNvPr id="31" name="矩形: 圆角 30">
+              <p:cNvPr id="452" name="文本框 451">
                 <a:extLst>
                   <a:ext uri="{FF2B5EF4-FFF2-40B4-BE49-F238E27FC236}">
-                    <a16:creationId xmlns:a16="http://schemas.microsoft.com/office/drawing/2014/main" id="{A4BA5D25-BAB3-7906-DF4C-3192EF4AFCC2}"/>
+                    <a16:creationId xmlns:a16="http://schemas.microsoft.com/office/drawing/2014/main" id="{06B3F703-9F5F-C229-68A2-3451E15A984B}"/>
                   </a:ext>
                 </a:extLst>
               </p:cNvPr>
-              <p:cNvSpPr/>
+              <p:cNvSpPr txBox="1"/>
               <p:nvPr/>
             </p:nvSpPr>
             <p:spPr>
               <a:xfrm>
-                <a:off x="8783469" y="972687"/>
-                <a:ext cx="7245173" cy="4815222"/>
+                <a:off x="3866951" y="3057138"/>
+                <a:ext cx="1611344" cy="646331"/>
               </a:xfrm>
-              <a:prstGeom prst="roundRect">
+              <a:prstGeom prst="rect">
                 <a:avLst/>
               </a:prstGeom>
               <a:noFill/>
-              <a:ln w="57150">
-                <a:solidFill>
-                  <a:schemeClr val="bg1">
-                    <a:lumMod val="50000"/>
-                  </a:schemeClr>
-                </a:solidFill>
-                <a:prstDash val="dash"/>
-              </a:ln>
             </p:spPr>
-            <p:style>
-              <a:lnRef idx="2">
-                <a:schemeClr val="accent1">
-                  <a:shade val="15000"/>
-                </a:schemeClr>
-              </a:lnRef>
-              <a:fillRef idx="1">
-                <a:schemeClr val="accent1"/>
-              </a:fillRef>
-              <a:effectRef idx="0">
-                <a:schemeClr val="accent1"/>
-              </a:effectRef>
-              <a:fontRef idx="minor">
-                <a:schemeClr val="lt1"/>
-              </a:fontRef>
-            </p:style>
             <p:txBody>
-              <a:bodyPr rtlCol="0" anchor="ctr"/>
+              <a:bodyPr wrap="square" rtlCol="0">
+                <a:spAutoFit/>
+              </a:bodyPr>
               <a:lstStyle/>
               <a:p>
                 <a:pPr algn="ctr"/>
-                <a:endParaRPr lang="zh-CN" altLang="en-US"/>
+                <a:r>
+                  <a:rPr lang="en-US" altLang="zh-CN" sz="3600" b="1" dirty="0" err="1">
+                    <a:latin typeface="微软雅黑" panose="020B0503020204020204" pitchFamily="34" charset="-122"/>
+                    <a:ea typeface="微软雅黑" panose="020B0503020204020204" pitchFamily="34" charset="-122"/>
+                  </a:rPr>
+                  <a:t>SRB</a:t>
+                </a:r>
+                <a:endParaRPr lang="zh-CN" altLang="en-US" sz="3600" b="1" dirty="0">
+                  <a:latin typeface="微软雅黑" panose="020B0503020204020204" pitchFamily="34" charset="-122"/>
+                  <a:ea typeface="微软雅黑" panose="020B0503020204020204" pitchFamily="34" charset="-122"/>
+                </a:endParaRPr>
+              </a:p>
+            </p:txBody>
+          </p:sp>
+          <p:sp>
+            <p:nvSpPr>
+              <p:cNvPr id="453" name="文本框 452">
+                <a:extLst>
+                  <a:ext uri="{FF2B5EF4-FFF2-40B4-BE49-F238E27FC236}">
+                    <a16:creationId xmlns:a16="http://schemas.microsoft.com/office/drawing/2014/main" id="{EBD0F06F-02EB-3E8E-1EE6-8B4492422640}"/>
+                  </a:ext>
+                </a:extLst>
+              </p:cNvPr>
+              <p:cNvSpPr txBox="1"/>
+              <p:nvPr/>
+            </p:nvSpPr>
+            <p:spPr>
+              <a:xfrm>
+                <a:off x="4569296" y="4474998"/>
+                <a:ext cx="1449565" cy="646331"/>
+              </a:xfrm>
+              <a:prstGeom prst="rect">
+                <a:avLst/>
+              </a:prstGeom>
+              <a:noFill/>
+            </p:spPr>
+            <p:txBody>
+              <a:bodyPr wrap="square" rtlCol="0">
+                <a:spAutoFit/>
+              </a:bodyPr>
+              <a:lstStyle/>
+              <a:p>
+                <a:pPr algn="ctr"/>
+                <a:r>
+                  <a:rPr lang="en-US" altLang="zh-CN" sz="3600" b="1" dirty="0"/>
+                  <a:t>×N</a:t>
+                </a:r>
+                <a:endParaRPr lang="zh-CN" altLang="en-US" sz="3600" b="1" dirty="0"/>
               </a:p>
             </p:txBody>
           </p:sp>
         </p:grpSp>
+        <p:cxnSp>
+          <p:nvCxnSpPr>
+            <p:cNvPr id="457" name="直接箭头连接符 456">
+              <a:extLst>
+                <a:ext uri="{FF2B5EF4-FFF2-40B4-BE49-F238E27FC236}">
+                  <a16:creationId xmlns:a16="http://schemas.microsoft.com/office/drawing/2014/main" id="{90CA5046-5C5D-B4C0-FA36-D135988F66C2}"/>
+                </a:ext>
+              </a:extLst>
+            </p:cNvPr>
+            <p:cNvCxnSpPr>
+              <a:cxnSpLocks/>
+              <a:stCxn id="2" idx="3"/>
+              <a:endCxn id="11" idx="2"/>
+            </p:cNvCxnSpPr>
+            <p:nvPr/>
+          </p:nvCxnSpPr>
+          <p:spPr>
+            <a:xfrm flipV="1">
+              <a:off x="735800" y="3426838"/>
+              <a:ext cx="471735" cy="4331"/>
+            </a:xfrm>
+            <a:prstGeom prst="straightConnector1">
+              <a:avLst/>
+            </a:prstGeom>
+            <a:ln w="76200">
+              <a:tailEnd type="triangle"/>
+            </a:ln>
+          </p:spPr>
+          <p:style>
+            <a:lnRef idx="1">
+              <a:schemeClr val="dk1"/>
+            </a:lnRef>
+            <a:fillRef idx="0">
+              <a:schemeClr val="dk1"/>
+            </a:fillRef>
+            <a:effectRef idx="0">
+              <a:schemeClr val="dk1"/>
+            </a:effectRef>
+            <a:fontRef idx="minor">
+              <a:schemeClr val="tx1"/>
+            </a:fontRef>
+          </p:style>
+        </p:cxnSp>
+        <p:cxnSp>
+          <p:nvCxnSpPr>
+            <p:cNvPr id="468" name="连接符: 肘形 467">
+              <a:extLst>
+                <a:ext uri="{FF2B5EF4-FFF2-40B4-BE49-F238E27FC236}">
+                  <a16:creationId xmlns:a16="http://schemas.microsoft.com/office/drawing/2014/main" id="{FB60AA61-00CD-230D-BAA5-096DEC23E78F}"/>
+                </a:ext>
+              </a:extLst>
+            </p:cNvPr>
+            <p:cNvCxnSpPr>
+              <a:cxnSpLocks/>
+              <a:stCxn id="9" idx="3"/>
+              <a:endCxn id="32" idx="1"/>
+            </p:cNvCxnSpPr>
+            <p:nvPr/>
+          </p:nvCxnSpPr>
+          <p:spPr>
+            <a:xfrm flipV="1">
+              <a:off x="10165214" y="2410427"/>
+              <a:ext cx="1449998" cy="1020742"/>
+            </a:xfrm>
+            <a:prstGeom prst="bentConnector3">
+              <a:avLst/>
+            </a:prstGeom>
+            <a:ln w="76200">
+              <a:solidFill>
+                <a:schemeClr val="tx1">
+                  <a:lumMod val="95000"/>
+                  <a:lumOff val="5000"/>
+                </a:schemeClr>
+              </a:solidFill>
+              <a:tailEnd type="triangle"/>
+            </a:ln>
+          </p:spPr>
+          <p:style>
+            <a:lnRef idx="1">
+              <a:schemeClr val="accent1"/>
+            </a:lnRef>
+            <a:fillRef idx="0">
+              <a:schemeClr val="accent1"/>
+            </a:fillRef>
+            <a:effectRef idx="0">
+              <a:schemeClr val="accent1"/>
+            </a:effectRef>
+            <a:fontRef idx="minor">
+              <a:schemeClr val="tx1"/>
+            </a:fontRef>
+          </p:style>
+        </p:cxnSp>
+        <p:cxnSp>
+          <p:nvCxnSpPr>
+            <p:cNvPr id="469" name="连接符: 肘形 468">
+              <a:extLst>
+                <a:ext uri="{FF2B5EF4-FFF2-40B4-BE49-F238E27FC236}">
+                  <a16:creationId xmlns:a16="http://schemas.microsoft.com/office/drawing/2014/main" id="{A1119959-B6B0-6382-273C-BE940839A52F}"/>
+                </a:ext>
+              </a:extLst>
+            </p:cNvPr>
+            <p:cNvCxnSpPr>
+              <a:cxnSpLocks/>
+              <a:stCxn id="9" idx="3"/>
+              <a:endCxn id="16" idx="1"/>
+            </p:cNvCxnSpPr>
+            <p:nvPr/>
+          </p:nvCxnSpPr>
+          <p:spPr>
+            <a:xfrm>
+              <a:off x="10165214" y="3431169"/>
+              <a:ext cx="1449998" cy="1045039"/>
+            </a:xfrm>
+            <a:prstGeom prst="bentConnector3">
+              <a:avLst/>
+            </a:prstGeom>
+            <a:ln w="76200">
+              <a:solidFill>
+                <a:schemeClr val="tx1">
+                  <a:lumMod val="95000"/>
+                  <a:lumOff val="5000"/>
+                </a:schemeClr>
+              </a:solidFill>
+              <a:tailEnd type="triangle"/>
+            </a:ln>
+          </p:spPr>
+          <p:style>
+            <a:lnRef idx="1">
+              <a:schemeClr val="accent1"/>
+            </a:lnRef>
+            <a:fillRef idx="0">
+              <a:schemeClr val="accent1"/>
+            </a:fillRef>
+            <a:effectRef idx="0">
+              <a:schemeClr val="accent1"/>
+            </a:effectRef>
+            <a:fontRef idx="minor">
+              <a:schemeClr val="tx1"/>
+            </a:fontRef>
+          </p:style>
+        </p:cxnSp>
         <p:sp>
           <p:nvSpPr>
-            <p:cNvPr id="36" name="文本框 35">
+            <p:cNvPr id="11" name="梯形 10">
               <a:extLst>
                 <a:ext uri="{FF2B5EF4-FFF2-40B4-BE49-F238E27FC236}">
-                  <a16:creationId xmlns:a16="http://schemas.microsoft.com/office/drawing/2014/main" id="{38B03AEC-B82B-DE22-87A9-3C0A6E2CF052}"/>
+                  <a16:creationId xmlns:a16="http://schemas.microsoft.com/office/drawing/2014/main" id="{2596A205-C75C-514B-40AE-FCF2459B5EF1}"/>
+                </a:ext>
+              </a:extLst>
+            </p:cNvPr>
+            <p:cNvSpPr/>
+            <p:nvPr/>
+          </p:nvSpPr>
+          <p:spPr>
+            <a:xfrm rot="5400000">
+              <a:off x="164256" y="2692705"/>
+              <a:ext cx="3554821" cy="1468264"/>
+            </a:xfrm>
+            <a:prstGeom prst="trapezoid">
+              <a:avLst>
+                <a:gd name="adj" fmla="val 56393"/>
+              </a:avLst>
+            </a:prstGeom>
+            <a:solidFill>
+              <a:schemeClr val="accent3">
+                <a:lumMod val="20000"/>
+                <a:lumOff val="80000"/>
+              </a:schemeClr>
+            </a:solidFill>
+            <a:ln w="57150">
+              <a:solidFill>
+                <a:schemeClr val="accent3">
+                  <a:lumMod val="75000"/>
+                </a:schemeClr>
+              </a:solidFill>
+            </a:ln>
+          </p:spPr>
+          <p:style>
+            <a:lnRef idx="2">
+              <a:schemeClr val="accent1">
+                <a:shade val="15000"/>
+              </a:schemeClr>
+            </a:lnRef>
+            <a:fillRef idx="1">
+              <a:schemeClr val="accent1"/>
+            </a:fillRef>
+            <a:effectRef idx="0">
+              <a:schemeClr val="accent1"/>
+            </a:effectRef>
+            <a:fontRef idx="minor">
+              <a:schemeClr val="lt1"/>
+            </a:fontRef>
+          </p:style>
+          <p:txBody>
+            <a:bodyPr rtlCol="0" anchor="ctr"/>
+            <a:lstStyle/>
+            <a:p>
+              <a:pPr algn="ctr"/>
+              <a:endParaRPr lang="zh-CN" altLang="en-US"/>
+            </a:p>
+          </p:txBody>
+        </p:sp>
+        <p:sp>
+          <p:nvSpPr>
+            <p:cNvPr id="15" name="文本框 14">
+              <a:extLst>
+                <a:ext uri="{FF2B5EF4-FFF2-40B4-BE49-F238E27FC236}">
+                  <a16:creationId xmlns:a16="http://schemas.microsoft.com/office/drawing/2014/main" id="{8FA731F9-0FE6-8A2C-40B0-2B9684B1B2D0}"/>
                 </a:ext>
               </a:extLst>
             </p:cNvPr>
@@ -36923,7 +38093,7 @@
           </p:nvSpPr>
           <p:spPr>
             <a:xfrm>
-              <a:off x="9055459" y="1902837"/>
+              <a:off x="1560045" y="1902837"/>
               <a:ext cx="738664" cy="3048000"/>
             </a:xfrm>
             <a:prstGeom prst="rect">
@@ -36942,11 +38112,213 @@
                 <a:rPr lang="en-US" altLang="zh-CN" sz="3600" b="1" dirty="0">
                   <a:latin typeface="+mn-ea"/>
                 </a:rPr>
-                <a:t>Resize</a:t>
+                <a:t>Encoder</a:t>
               </a:r>
               <a:endParaRPr lang="zh-CN" altLang="en-US" sz="3600" b="1" dirty="0">
                 <a:latin typeface="+mn-ea"/>
               </a:endParaRPr>
+            </a:p>
+          </p:txBody>
+        </p:sp>
+        <p:cxnSp>
+          <p:nvCxnSpPr>
+            <p:cNvPr id="20" name="直接箭头连接符 19">
+              <a:extLst>
+                <a:ext uri="{FF2B5EF4-FFF2-40B4-BE49-F238E27FC236}">
+                  <a16:creationId xmlns:a16="http://schemas.microsoft.com/office/drawing/2014/main" id="{89E87440-F379-7607-99CB-6736B5CB95A6}"/>
+                </a:ext>
+              </a:extLst>
+            </p:cNvPr>
+            <p:cNvCxnSpPr>
+              <a:cxnSpLocks/>
+              <a:stCxn id="11" idx="0"/>
+              <a:endCxn id="3" idx="1"/>
+            </p:cNvCxnSpPr>
+            <p:nvPr/>
+          </p:nvCxnSpPr>
+          <p:spPr>
+            <a:xfrm>
+              <a:off x="2675799" y="3426838"/>
+              <a:ext cx="817514" cy="4323"/>
+            </a:xfrm>
+            <a:prstGeom prst="straightConnector1">
+              <a:avLst/>
+            </a:prstGeom>
+            <a:ln w="76200">
+              <a:solidFill>
+                <a:srgbClr val="C00000"/>
+              </a:solidFill>
+              <a:tailEnd type="triangle"/>
+            </a:ln>
+          </p:spPr>
+          <p:style>
+            <a:lnRef idx="1">
+              <a:schemeClr val="dk1"/>
+            </a:lnRef>
+            <a:fillRef idx="0">
+              <a:schemeClr val="dk1"/>
+            </a:fillRef>
+            <a:effectRef idx="0">
+              <a:schemeClr val="dk1"/>
+            </a:effectRef>
+            <a:fontRef idx="minor">
+              <a:schemeClr val="tx1"/>
+            </a:fontRef>
+          </p:style>
+        </p:cxnSp>
+        <p:cxnSp>
+          <p:nvCxnSpPr>
+            <p:cNvPr id="23" name="直接箭头连接符 22">
+              <a:extLst>
+                <a:ext uri="{FF2B5EF4-FFF2-40B4-BE49-F238E27FC236}">
+                  <a16:creationId xmlns:a16="http://schemas.microsoft.com/office/drawing/2014/main" id="{012E0735-2A0D-72F2-ACC1-64723DDCF519}"/>
+                </a:ext>
+              </a:extLst>
+            </p:cNvPr>
+            <p:cNvCxnSpPr>
+              <a:cxnSpLocks/>
+              <a:stCxn id="3" idx="3"/>
+              <a:endCxn id="9" idx="1"/>
+            </p:cNvCxnSpPr>
+            <p:nvPr/>
+          </p:nvCxnSpPr>
+          <p:spPr>
+            <a:xfrm>
+              <a:off x="7773159" y="3431161"/>
+              <a:ext cx="953531" cy="8"/>
+            </a:xfrm>
+            <a:prstGeom prst="straightConnector1">
+              <a:avLst/>
+            </a:prstGeom>
+            <a:ln w="76200">
+              <a:solidFill>
+                <a:srgbClr val="C00000"/>
+              </a:solidFill>
+              <a:tailEnd type="triangle"/>
+            </a:ln>
+          </p:spPr>
+          <p:style>
+            <a:lnRef idx="1">
+              <a:schemeClr val="dk1"/>
+            </a:lnRef>
+            <a:fillRef idx="0">
+              <a:schemeClr val="dk1"/>
+            </a:fillRef>
+            <a:effectRef idx="0">
+              <a:schemeClr val="dk1"/>
+            </a:effectRef>
+            <a:fontRef idx="minor">
+              <a:schemeClr val="tx1"/>
+            </a:fontRef>
+          </p:style>
+        </p:cxnSp>
+        <p:sp>
+          <p:nvSpPr>
+            <p:cNvPr id="30" name="矩形: 圆角 29">
+              <a:extLst>
+                <a:ext uri="{FF2B5EF4-FFF2-40B4-BE49-F238E27FC236}">
+                  <a16:creationId xmlns:a16="http://schemas.microsoft.com/office/drawing/2014/main" id="{5C366352-9716-E3FF-7F54-9F131F104826}"/>
+                </a:ext>
+              </a:extLst>
+            </p:cNvPr>
+            <p:cNvSpPr/>
+            <p:nvPr/>
+          </p:nvSpPr>
+          <p:spPr>
+            <a:xfrm>
+              <a:off x="-1979677" y="1019226"/>
+              <a:ext cx="4909583" cy="4815222"/>
+            </a:xfrm>
+            <a:prstGeom prst="roundRect">
+              <a:avLst/>
+            </a:prstGeom>
+            <a:noFill/>
+            <a:ln w="57150">
+              <a:solidFill>
+                <a:schemeClr val="bg1">
+                  <a:lumMod val="50000"/>
+                </a:schemeClr>
+              </a:solidFill>
+              <a:prstDash val="dash"/>
+            </a:ln>
+          </p:spPr>
+          <p:style>
+            <a:lnRef idx="2">
+              <a:schemeClr val="accent1">
+                <a:shade val="15000"/>
+              </a:schemeClr>
+            </a:lnRef>
+            <a:fillRef idx="1">
+              <a:schemeClr val="accent1"/>
+            </a:fillRef>
+            <a:effectRef idx="0">
+              <a:schemeClr val="accent1"/>
+            </a:effectRef>
+            <a:fontRef idx="minor">
+              <a:schemeClr val="lt1"/>
+            </a:fontRef>
+          </p:style>
+          <p:txBody>
+            <a:bodyPr rtlCol="0" anchor="ctr"/>
+            <a:lstStyle/>
+            <a:p>
+              <a:pPr algn="ctr"/>
+              <a:endParaRPr lang="zh-CN" altLang="en-US"/>
+            </a:p>
+          </p:txBody>
+        </p:sp>
+        <p:sp>
+          <p:nvSpPr>
+            <p:cNvPr id="31" name="矩形: 圆角 30">
+              <a:extLst>
+                <a:ext uri="{FF2B5EF4-FFF2-40B4-BE49-F238E27FC236}">
+                  <a16:creationId xmlns:a16="http://schemas.microsoft.com/office/drawing/2014/main" id="{A4BA5D25-BAB3-7906-DF4C-3192EF4AFCC2}"/>
+                </a:ext>
+              </a:extLst>
+            </p:cNvPr>
+            <p:cNvSpPr/>
+            <p:nvPr/>
+          </p:nvSpPr>
+          <p:spPr>
+            <a:xfrm>
+              <a:off x="8376685" y="1019226"/>
+              <a:ext cx="7245173" cy="4815222"/>
+            </a:xfrm>
+            <a:prstGeom prst="roundRect">
+              <a:avLst/>
+            </a:prstGeom>
+            <a:noFill/>
+            <a:ln w="57150">
+              <a:solidFill>
+                <a:schemeClr val="bg1">
+                  <a:lumMod val="50000"/>
+                </a:schemeClr>
+              </a:solidFill>
+              <a:prstDash val="dash"/>
+            </a:ln>
+          </p:spPr>
+          <p:style>
+            <a:lnRef idx="2">
+              <a:schemeClr val="accent1">
+                <a:shade val="15000"/>
+              </a:schemeClr>
+            </a:lnRef>
+            <a:fillRef idx="1">
+              <a:schemeClr val="accent1"/>
+            </a:fillRef>
+            <a:effectRef idx="0">
+              <a:schemeClr val="accent1"/>
+            </a:effectRef>
+            <a:fontRef idx="minor">
+              <a:schemeClr val="lt1"/>
+            </a:fontRef>
+          </p:style>
+          <p:txBody>
+            <a:bodyPr rtlCol="0" anchor="ctr"/>
+            <a:lstStyle/>
+            <a:p>
+              <a:pPr algn="ctr"/>
+              <a:endParaRPr lang="zh-CN" altLang="en-US"/>
             </a:p>
           </p:txBody>
         </p:sp>
@@ -37129,21 +38501,26 @@
             </p:cNvPr>
             <p:cNvCxnSpPr>
               <a:cxnSpLocks/>
+              <a:endCxn id="9" idx="2"/>
             </p:cNvCxnSpPr>
             <p:nvPr/>
           </p:nvCxnSpPr>
           <p:spPr>
-            <a:xfrm rot="16200000" flipH="1">
-              <a:off x="5677084" y="1065970"/>
-              <a:ext cx="12700" cy="7495414"/>
+            <a:xfrm>
+              <a:off x="1935727" y="4807327"/>
+              <a:ext cx="7510225" cy="369458"/>
             </a:xfrm>
-            <a:prstGeom prst="bentConnector3">
+            <a:prstGeom prst="bentConnector4">
               <a:avLst>
-                <a:gd name="adj1" fmla="val 14880000"/>
+                <a:gd name="adj1" fmla="val -244"/>
+                <a:gd name="adj2" fmla="val 425871"/>
               </a:avLst>
             </a:prstGeom>
             <a:ln w="76200">
-              <a:prstDash val="dash"/>
+              <a:solidFill>
+                <a:schemeClr val="tx1"/>
+              </a:solidFill>
+              <a:prstDash val="solid"/>
               <a:tailEnd type="triangle"/>
             </a:ln>
           </p:spPr>
@@ -37355,48 +38732,6 @@
             </a:fontRef>
           </p:style>
         </p:cxnSp>
-        <p:cxnSp>
-          <p:nvCxnSpPr>
-            <p:cNvPr id="53" name="直接箭头连接符 52">
-              <a:extLst>
-                <a:ext uri="{FF2B5EF4-FFF2-40B4-BE49-F238E27FC236}">
-                  <a16:creationId xmlns:a16="http://schemas.microsoft.com/office/drawing/2014/main" id="{53D8C747-BD9F-0122-E824-4CE8245C2D1B}"/>
-                </a:ext>
-              </a:extLst>
-            </p:cNvPr>
-            <p:cNvCxnSpPr>
-              <a:cxnSpLocks/>
-            </p:cNvCxnSpPr>
-            <p:nvPr/>
-          </p:nvCxnSpPr>
-          <p:spPr>
-            <a:xfrm>
-              <a:off x="8702634" y="7452361"/>
-              <a:ext cx="694019" cy="0"/>
-            </a:xfrm>
-            <a:prstGeom prst="straightConnector1">
-              <a:avLst/>
-            </a:prstGeom>
-            <a:ln w="76200">
-              <a:prstDash val="sysDot"/>
-              <a:tailEnd type="triangle"/>
-            </a:ln>
-          </p:spPr>
-          <p:style>
-            <a:lnRef idx="1">
-              <a:schemeClr val="dk1"/>
-            </a:lnRef>
-            <a:fillRef idx="0">
-              <a:schemeClr val="dk1"/>
-            </a:fillRef>
-            <a:effectRef idx="0">
-              <a:schemeClr val="dk1"/>
-            </a:effectRef>
-            <a:fontRef idx="minor">
-              <a:schemeClr val="tx1"/>
-            </a:fontRef>
-          </p:style>
-        </p:cxnSp>
         <p:sp>
           <p:nvSpPr>
             <p:cNvPr id="54" name="文本框 53">
@@ -37411,7 +38746,7 @@
           </p:nvSpPr>
           <p:spPr>
             <a:xfrm>
-              <a:off x="8596434" y="8277272"/>
+              <a:off x="8523290" y="7013547"/>
               <a:ext cx="800219" cy="923330"/>
             </a:xfrm>
             <a:prstGeom prst="rect">
@@ -37511,7 +38846,7 @@
                   <a:latin typeface="SimSun" panose="02010600030101010101" pitchFamily="2" charset="-122"/>
                   <a:ea typeface="SimSun" panose="02010600030101010101" pitchFamily="2" charset="-122"/>
                 </a:rPr>
-                <a:t>模型特征增强部分，只在特征增强训练阶段和推理时激活</a:t>
+                <a:t>模型特征增强部分，只在特征增强阶段和推理时激活</a:t>
               </a:r>
             </a:p>
           </p:txBody>
@@ -37587,45 +38922,7 @@
                   <a:latin typeface="SimSun" panose="02010600030101010101" pitchFamily="2" charset="-122"/>
                   <a:ea typeface="SimSun" panose="02010600030101010101" pitchFamily="2" charset="-122"/>
                 </a:rPr>
-                <a:t>特征增强训练阶段和推理阶段的特征传递路径</a:t>
-              </a:r>
-            </a:p>
-          </p:txBody>
-        </p:sp>
-        <p:sp>
-          <p:nvSpPr>
-            <p:cNvPr id="59" name="文本框 58">
-              <a:extLst>
-                <a:ext uri="{FF2B5EF4-FFF2-40B4-BE49-F238E27FC236}">
-                  <a16:creationId xmlns:a16="http://schemas.microsoft.com/office/drawing/2014/main" id="{72D838B6-83D6-858F-FD56-956B83FA2933}"/>
-                </a:ext>
-              </a:extLst>
-            </p:cNvPr>
-            <p:cNvSpPr txBox="1"/>
-            <p:nvPr/>
-          </p:nvSpPr>
-          <p:spPr>
-            <a:xfrm>
-              <a:off x="9549736" y="7221528"/>
-              <a:ext cx="4222687" cy="461665"/>
-            </a:xfrm>
-            <a:prstGeom prst="rect">
-              <a:avLst/>
-            </a:prstGeom>
-            <a:noFill/>
-          </p:spPr>
-          <p:txBody>
-            <a:bodyPr wrap="square" rtlCol="0">
-              <a:spAutoFit/>
-            </a:bodyPr>
-            <a:lstStyle/>
-            <a:p>
-              <a:r>
-                <a:rPr lang="zh-CN" altLang="en-US" sz="2400" b="1" dirty="0">
-                  <a:latin typeface="SimSun" panose="02010600030101010101" pitchFamily="2" charset="-122"/>
-                  <a:ea typeface="SimSun" panose="02010600030101010101" pitchFamily="2" charset="-122"/>
-                </a:rPr>
-                <a:t>预训练阶段的特征传递路径</a:t>
+                <a:t>特征增强阶段和推理阶段的特征传递路径</a:t>
               </a:r>
             </a:p>
           </p:txBody>
@@ -37644,7 +38941,7 @@
           </p:nvSpPr>
           <p:spPr>
             <a:xfrm>
-              <a:off x="9549736" y="8508103"/>
+              <a:off x="9476592" y="7244378"/>
               <a:ext cx="6619904" cy="461665"/>
             </a:xfrm>
             <a:prstGeom prst="rect">
@@ -37663,8 +38960,149 @@
                   <a:latin typeface="SimSun" panose="02010600030101010101" pitchFamily="2" charset="-122"/>
                   <a:ea typeface="SimSun" panose="02010600030101010101" pitchFamily="2" charset="-122"/>
                 </a:rPr>
-                <a:t>特征增强训练阶段该模块处于冻结或微调状态</a:t>
+                <a:t>特征增强阶段该模块处于冻结或微调状态</a:t>
               </a:r>
+            </a:p>
+          </p:txBody>
+        </p:sp>
+        <p:sp>
+          <p:nvSpPr>
+            <p:cNvPr id="9" name="矩形: 圆角 8">
+              <a:extLst>
+                <a:ext uri="{FF2B5EF4-FFF2-40B4-BE49-F238E27FC236}">
+                  <a16:creationId xmlns:a16="http://schemas.microsoft.com/office/drawing/2014/main" id="{DB3751F6-7020-AF82-83BF-21A0CD86BEF7}"/>
+                </a:ext>
+              </a:extLst>
+            </p:cNvPr>
+            <p:cNvSpPr/>
+            <p:nvPr/>
+          </p:nvSpPr>
+          <p:spPr>
+            <a:xfrm>
+              <a:off x="8726690" y="1685553"/>
+              <a:ext cx="1438524" cy="3491232"/>
+            </a:xfrm>
+            <a:prstGeom prst="roundRect">
+              <a:avLst/>
+            </a:prstGeom>
+            <a:solidFill>
+              <a:schemeClr val="accent1">
+                <a:lumMod val="20000"/>
+                <a:lumOff val="80000"/>
+              </a:schemeClr>
+            </a:solidFill>
+            <a:ln w="57150">
+              <a:solidFill>
+                <a:schemeClr val="accent1">
+                  <a:lumMod val="75000"/>
+                </a:schemeClr>
+              </a:solidFill>
+            </a:ln>
+          </p:spPr>
+          <p:style>
+            <a:lnRef idx="2">
+              <a:schemeClr val="accent1">
+                <a:shade val="15000"/>
+              </a:schemeClr>
+            </a:lnRef>
+            <a:fillRef idx="1">
+              <a:schemeClr val="accent1"/>
+            </a:fillRef>
+            <a:effectRef idx="0">
+              <a:schemeClr val="accent1"/>
+            </a:effectRef>
+            <a:fontRef idx="minor">
+              <a:schemeClr val="lt1"/>
+            </a:fontRef>
+          </p:style>
+          <p:txBody>
+            <a:bodyPr rtlCol="0" anchor="ctr"/>
+            <a:lstStyle/>
+            <a:p>
+              <a:pPr algn="ctr"/>
+              <a:endParaRPr lang="zh-CN" altLang="en-US" dirty="0"/>
+            </a:p>
+          </p:txBody>
+        </p:sp>
+        <p:sp>
+          <p:nvSpPr>
+            <p:cNvPr id="25" name="文本框 24">
+              <a:extLst>
+                <a:ext uri="{FF2B5EF4-FFF2-40B4-BE49-F238E27FC236}">
+                  <a16:creationId xmlns:a16="http://schemas.microsoft.com/office/drawing/2014/main" id="{E62E1335-515F-551A-581A-B937F2935915}"/>
+                </a:ext>
+              </a:extLst>
+            </p:cNvPr>
+            <p:cNvSpPr txBox="1"/>
+            <p:nvPr/>
+          </p:nvSpPr>
+          <p:spPr>
+            <a:xfrm>
+              <a:off x="8800472" y="1786072"/>
+              <a:ext cx="1169551" cy="3281529"/>
+            </a:xfrm>
+            <a:prstGeom prst="rect">
+              <a:avLst/>
+            </a:prstGeom>
+            <a:noFill/>
+          </p:spPr>
+          <p:txBody>
+            <a:bodyPr vert="vert270" wrap="square" rtlCol="0">
+              <a:spAutoFit/>
+            </a:bodyPr>
+            <a:lstStyle/>
+            <a:p>
+              <a:pPr algn="ctr"/>
+              <a:r>
+                <a:rPr lang="en-US" altLang="zh-CN" sz="3200" b="1" dirty="0">
+                  <a:latin typeface="+mn-ea"/>
+                </a:rPr>
+                <a:t>Post-Processing</a:t>
+              </a:r>
+              <a:endParaRPr lang="zh-CN" altLang="en-US" sz="3200" b="1" dirty="0">
+                <a:latin typeface="+mn-ea"/>
+              </a:endParaRPr>
+            </a:p>
+          </p:txBody>
+        </p:sp>
+        <p:sp>
+          <p:nvSpPr>
+            <p:cNvPr id="26" name="文本框 25">
+              <a:extLst>
+                <a:ext uri="{FF2B5EF4-FFF2-40B4-BE49-F238E27FC236}">
+                  <a16:creationId xmlns:a16="http://schemas.microsoft.com/office/drawing/2014/main" id="{E7505CED-85AD-3867-29AE-A6016AE3667C}"/>
+                </a:ext>
+              </a:extLst>
+            </p:cNvPr>
+            <p:cNvSpPr txBox="1"/>
+            <p:nvPr/>
+          </p:nvSpPr>
+          <p:spPr>
+            <a:xfrm>
+              <a:off x="3337060" y="5883155"/>
+              <a:ext cx="4909583" cy="461665"/>
+            </a:xfrm>
+            <a:prstGeom prst="rect">
+              <a:avLst/>
+            </a:prstGeom>
+            <a:noFill/>
+          </p:spPr>
+          <p:txBody>
+            <a:bodyPr wrap="square" rtlCol="0">
+              <a:spAutoFit/>
+            </a:bodyPr>
+            <a:lstStyle/>
+            <a:p>
+              <a:pPr algn="ctr"/>
+              <a:r>
+                <a:rPr lang="en-US" altLang="zh-CN" sz="2400" b="1" dirty="0">
+                  <a:latin typeface="+mn-ea"/>
+                </a:rPr>
+                <a:t>Long residual connection</a:t>
+              </a:r>
+              <a:endParaRPr lang="zh-CN" altLang="en-US" sz="2400" b="1" dirty="0">
+                <a:latin typeface="+mn-ea"/>
+              </a:endParaRPr>
             </a:p>
           </p:txBody>
         </p:sp>
@@ -39580,10 +41018,10 @@
       </p:grpSpPr>
       <p:grpSp>
         <p:nvGrpSpPr>
-          <p:cNvPr id="133" name="组合 132">
+          <p:cNvPr id="90" name="组合 89">
             <a:extLst>
               <a:ext uri="{FF2B5EF4-FFF2-40B4-BE49-F238E27FC236}">
-                <a16:creationId xmlns:a16="http://schemas.microsoft.com/office/drawing/2014/main" id="{B058DF7B-9E72-5935-CBD9-AC9A7E0DC9D7}"/>
+                <a16:creationId xmlns:a16="http://schemas.microsoft.com/office/drawing/2014/main" id="{6B8AF516-F04B-A11D-5FE3-698B27136D03}"/>
               </a:ext>
             </a:extLst>
           </p:cNvPr>
@@ -39592,18 +41030,18 @@
         </p:nvGrpSpPr>
         <p:grpSpPr>
           <a:xfrm>
-            <a:off x="1584960" y="1898249"/>
-            <a:ext cx="11422635" cy="3940696"/>
-            <a:chOff x="1584960" y="1898249"/>
-            <a:chExt cx="11422635" cy="3940696"/>
+            <a:off x="297180" y="1211580"/>
+            <a:ext cx="11635913" cy="3437506"/>
+            <a:chOff x="297180" y="1211580"/>
+            <a:chExt cx="11635913" cy="3437506"/>
           </a:xfrm>
         </p:grpSpPr>
         <p:sp>
           <p:nvSpPr>
-            <p:cNvPr id="3" name="矩形: 圆角 2">
+            <p:cNvPr id="2" name="矩形: 圆角 1">
               <a:extLst>
                 <a:ext uri="{FF2B5EF4-FFF2-40B4-BE49-F238E27FC236}">
-                  <a16:creationId xmlns:a16="http://schemas.microsoft.com/office/drawing/2014/main" id="{9AC92C02-2AA1-F3A7-B861-AFD0484F44CA}"/>
+                  <a16:creationId xmlns:a16="http://schemas.microsoft.com/office/drawing/2014/main" id="{6DC85F68-06D5-0485-BDDE-D590D9D1F8E2}"/>
                 </a:ext>
               </a:extLst>
             </p:cNvPr>
@@ -39612,8 +41050,8 @@
           </p:nvSpPr>
           <p:spPr>
             <a:xfrm>
-              <a:off x="3330605" y="3497804"/>
-              <a:ext cx="1890944" cy="1127464"/>
+              <a:off x="297180" y="1645920"/>
+              <a:ext cx="1615440" cy="2506980"/>
             </a:xfrm>
             <a:prstGeom prst="roundRect">
               <a:avLst/>
@@ -39624,7 +41062,7 @@
                 <a:lumOff val="80000"/>
               </a:schemeClr>
             </a:solidFill>
-            <a:ln w="57150">
+            <a:ln w="38100">
               <a:solidFill>
                 <a:schemeClr val="accent1">
                   <a:lumMod val="75000"/>
@@ -39659,10 +41097,10 @@
         </p:sp>
         <p:sp>
           <p:nvSpPr>
-            <p:cNvPr id="6" name="矩形: 圆角 5">
+            <p:cNvPr id="4" name="矩形: 圆角 3">
               <a:extLst>
                 <a:ext uri="{FF2B5EF4-FFF2-40B4-BE49-F238E27FC236}">
-                  <a16:creationId xmlns:a16="http://schemas.microsoft.com/office/drawing/2014/main" id="{01681334-E7BF-F0AC-B641-FE2E76CFE728}"/>
+                  <a16:creationId xmlns:a16="http://schemas.microsoft.com/office/drawing/2014/main" id="{F352816C-0D89-623D-9BCA-34C45A3C94AD}"/>
                 </a:ext>
               </a:extLst>
             </p:cNvPr>
@@ -39671,8 +41109,322 @@
           </p:nvSpPr>
           <p:spPr>
             <a:xfrm>
-              <a:off x="5684666" y="3497804"/>
-              <a:ext cx="1890944" cy="1127464"/>
+              <a:off x="586740" y="1935480"/>
+              <a:ext cx="1043940" cy="762000"/>
+            </a:xfrm>
+            <a:prstGeom prst="roundRect">
+              <a:avLst/>
+            </a:prstGeom>
+            <a:solidFill>
+              <a:schemeClr val="accent1">
+                <a:lumMod val="60000"/>
+                <a:lumOff val="40000"/>
+              </a:schemeClr>
+            </a:solidFill>
+            <a:ln w="38100">
+              <a:solidFill>
+                <a:schemeClr val="accent1">
+                  <a:lumMod val="75000"/>
+                </a:schemeClr>
+              </a:solidFill>
+            </a:ln>
+          </p:spPr>
+          <p:style>
+            <a:lnRef idx="2">
+              <a:schemeClr val="accent1">
+                <a:shade val="15000"/>
+              </a:schemeClr>
+            </a:lnRef>
+            <a:fillRef idx="1">
+              <a:schemeClr val="accent1"/>
+            </a:fillRef>
+            <a:effectRef idx="0">
+              <a:schemeClr val="accent1"/>
+            </a:effectRef>
+            <a:fontRef idx="minor">
+              <a:schemeClr val="lt1"/>
+            </a:fontRef>
+          </p:style>
+          <p:txBody>
+            <a:bodyPr rtlCol="0" anchor="ctr"/>
+            <a:lstStyle/>
+            <a:p>
+              <a:pPr algn="ctr"/>
+              <a:endParaRPr lang="zh-CN" altLang="en-US"/>
+            </a:p>
+          </p:txBody>
+        </p:sp>
+        <p:sp>
+          <p:nvSpPr>
+            <p:cNvPr id="5" name="矩形: 圆角 4">
+              <a:extLst>
+                <a:ext uri="{FF2B5EF4-FFF2-40B4-BE49-F238E27FC236}">
+                  <a16:creationId xmlns:a16="http://schemas.microsoft.com/office/drawing/2014/main" id="{31886D0F-435D-10ED-46F3-2EB78C6F414F}"/>
+                </a:ext>
+              </a:extLst>
+            </p:cNvPr>
+            <p:cNvSpPr/>
+            <p:nvPr/>
+          </p:nvSpPr>
+          <p:spPr>
+            <a:xfrm>
+              <a:off x="586740" y="3089910"/>
+              <a:ext cx="1043940" cy="762000"/>
+            </a:xfrm>
+            <a:prstGeom prst="roundRect">
+              <a:avLst/>
+            </a:prstGeom>
+            <a:solidFill>
+              <a:schemeClr val="accent1">
+                <a:lumMod val="60000"/>
+                <a:lumOff val="40000"/>
+              </a:schemeClr>
+            </a:solidFill>
+            <a:ln w="38100">
+              <a:solidFill>
+                <a:schemeClr val="accent1">
+                  <a:lumMod val="75000"/>
+                </a:schemeClr>
+              </a:solidFill>
+            </a:ln>
+          </p:spPr>
+          <p:style>
+            <a:lnRef idx="2">
+              <a:schemeClr val="accent1">
+                <a:shade val="15000"/>
+              </a:schemeClr>
+            </a:lnRef>
+            <a:fillRef idx="1">
+              <a:schemeClr val="accent1"/>
+            </a:fillRef>
+            <a:effectRef idx="0">
+              <a:schemeClr val="accent1"/>
+            </a:effectRef>
+            <a:fontRef idx="minor">
+              <a:schemeClr val="lt1"/>
+            </a:fontRef>
+          </p:style>
+          <p:txBody>
+            <a:bodyPr rtlCol="0" anchor="ctr"/>
+            <a:lstStyle/>
+            <a:p>
+              <a:pPr algn="ctr"/>
+              <a:endParaRPr lang="zh-CN" altLang="en-US"/>
+            </a:p>
+          </p:txBody>
+        </p:sp>
+        <p:sp>
+          <p:nvSpPr>
+            <p:cNvPr id="7" name="文本框 6">
+              <a:extLst>
+                <a:ext uri="{FF2B5EF4-FFF2-40B4-BE49-F238E27FC236}">
+                  <a16:creationId xmlns:a16="http://schemas.microsoft.com/office/drawing/2014/main" id="{58EFB47D-3CFF-3715-63B4-FCD0472B4FA8}"/>
+                </a:ext>
+              </a:extLst>
+            </p:cNvPr>
+            <p:cNvSpPr txBox="1"/>
+            <p:nvPr/>
+          </p:nvSpPr>
+          <p:spPr>
+            <a:xfrm>
+              <a:off x="586740" y="2085647"/>
+              <a:ext cx="1043940" cy="461665"/>
+            </a:xfrm>
+            <a:prstGeom prst="rect">
+              <a:avLst/>
+            </a:prstGeom>
+            <a:noFill/>
+          </p:spPr>
+          <p:txBody>
+            <a:bodyPr wrap="square" rtlCol="0">
+              <a:spAutoFit/>
+            </a:bodyPr>
+            <a:lstStyle/>
+            <a:p>
+              <a:pPr algn="ctr"/>
+              <a:r>
+                <a:rPr lang="en-US" altLang="zh-CN" sz="2400" b="1" dirty="0" err="1">
+                  <a:latin typeface="+mn-ea"/>
+                </a:rPr>
+                <a:t>STN</a:t>
+              </a:r>
+              <a:endParaRPr lang="zh-CN" altLang="en-US" sz="2400" b="1" dirty="0">
+                <a:latin typeface="+mn-ea"/>
+              </a:endParaRPr>
+            </a:p>
+          </p:txBody>
+        </p:sp>
+        <p:sp>
+          <p:nvSpPr>
+            <p:cNvPr id="8" name="文本框 7">
+              <a:extLst>
+                <a:ext uri="{FF2B5EF4-FFF2-40B4-BE49-F238E27FC236}">
+                  <a16:creationId xmlns:a16="http://schemas.microsoft.com/office/drawing/2014/main" id="{A149C3CA-4F64-0CD2-CA14-685082D19930}"/>
+                </a:ext>
+              </a:extLst>
+            </p:cNvPr>
+            <p:cNvSpPr txBox="1"/>
+            <p:nvPr/>
+          </p:nvSpPr>
+          <p:spPr>
+            <a:xfrm>
+              <a:off x="586740" y="3240077"/>
+              <a:ext cx="1043940" cy="461665"/>
+            </a:xfrm>
+            <a:prstGeom prst="rect">
+              <a:avLst/>
+            </a:prstGeom>
+            <a:noFill/>
+          </p:spPr>
+          <p:txBody>
+            <a:bodyPr wrap="square" rtlCol="0">
+              <a:spAutoFit/>
+            </a:bodyPr>
+            <a:lstStyle/>
+            <a:p>
+              <a:pPr algn="ctr"/>
+              <a:r>
+                <a:rPr lang="en-US" altLang="zh-CN" sz="2400" b="1" dirty="0">
+                  <a:latin typeface="+mn-ea"/>
+                </a:rPr>
+                <a:t>TPS</a:t>
+              </a:r>
+              <a:endParaRPr lang="zh-CN" altLang="en-US" sz="2400" b="1" dirty="0">
+                <a:latin typeface="+mn-ea"/>
+              </a:endParaRPr>
+            </a:p>
+          </p:txBody>
+        </p:sp>
+        <p:sp>
+          <p:nvSpPr>
+            <p:cNvPr id="10" name="矩形: 圆角 9">
+              <a:extLst>
+                <a:ext uri="{FF2B5EF4-FFF2-40B4-BE49-F238E27FC236}">
+                  <a16:creationId xmlns:a16="http://schemas.microsoft.com/office/drawing/2014/main" id="{DC39E2EB-3F95-9FEC-2D3C-C4E8F1CEE23A}"/>
+                </a:ext>
+              </a:extLst>
+            </p:cNvPr>
+            <p:cNvSpPr/>
+            <p:nvPr/>
+          </p:nvSpPr>
+          <p:spPr>
+            <a:xfrm>
+              <a:off x="3649979" y="1211580"/>
+              <a:ext cx="5562601" cy="3124199"/>
+            </a:xfrm>
+            <a:prstGeom prst="roundRect">
+              <a:avLst/>
+            </a:prstGeom>
+            <a:noFill/>
+            <a:ln w="38100">
+              <a:solidFill>
+                <a:schemeClr val="bg1">
+                  <a:lumMod val="50000"/>
+                </a:schemeClr>
+              </a:solidFill>
+              <a:prstDash val="dash"/>
+            </a:ln>
+          </p:spPr>
+          <p:style>
+            <a:lnRef idx="2">
+              <a:schemeClr val="accent1">
+                <a:shade val="15000"/>
+              </a:schemeClr>
+            </a:lnRef>
+            <a:fillRef idx="1">
+              <a:schemeClr val="accent1"/>
+            </a:fillRef>
+            <a:effectRef idx="0">
+              <a:schemeClr val="accent1"/>
+            </a:effectRef>
+            <a:fontRef idx="minor">
+              <a:schemeClr val="lt1"/>
+            </a:fontRef>
+          </p:style>
+          <p:txBody>
+            <a:bodyPr rtlCol="0" anchor="ctr"/>
+            <a:lstStyle/>
+            <a:p>
+              <a:pPr algn="ctr"/>
+              <a:endParaRPr lang="zh-CN" altLang="en-US" dirty="0"/>
+            </a:p>
+          </p:txBody>
+        </p:sp>
+        <p:sp>
+          <p:nvSpPr>
+            <p:cNvPr id="11" name="矩形: 圆角 10">
+              <a:extLst>
+                <a:ext uri="{FF2B5EF4-FFF2-40B4-BE49-F238E27FC236}">
+                  <a16:creationId xmlns:a16="http://schemas.microsoft.com/office/drawing/2014/main" id="{C11F43CD-05D0-4881-E7ED-5E6990F382D4}"/>
+                </a:ext>
+              </a:extLst>
+            </p:cNvPr>
+            <p:cNvSpPr/>
+            <p:nvPr/>
+          </p:nvSpPr>
+          <p:spPr>
+            <a:xfrm>
+              <a:off x="2318385" y="1645920"/>
+              <a:ext cx="994410" cy="2506980"/>
+            </a:xfrm>
+            <a:prstGeom prst="roundRect">
+              <a:avLst/>
+            </a:prstGeom>
+            <a:solidFill>
+              <a:schemeClr val="accent3">
+                <a:lumMod val="20000"/>
+                <a:lumOff val="80000"/>
+              </a:schemeClr>
+            </a:solidFill>
+            <a:ln w="38100">
+              <a:solidFill>
+                <a:schemeClr val="accent3">
+                  <a:lumMod val="75000"/>
+                </a:schemeClr>
+              </a:solidFill>
+            </a:ln>
+          </p:spPr>
+          <p:style>
+            <a:lnRef idx="2">
+              <a:schemeClr val="accent1">
+                <a:shade val="15000"/>
+              </a:schemeClr>
+            </a:lnRef>
+            <a:fillRef idx="1">
+              <a:schemeClr val="accent1"/>
+            </a:fillRef>
+            <a:effectRef idx="0">
+              <a:schemeClr val="accent1"/>
+            </a:effectRef>
+            <a:fontRef idx="minor">
+              <a:schemeClr val="lt1"/>
+            </a:fontRef>
+          </p:style>
+          <p:txBody>
+            <a:bodyPr rtlCol="0" anchor="ctr"/>
+            <a:lstStyle/>
+            <a:p>
+              <a:pPr algn="ctr"/>
+              <a:endParaRPr lang="zh-CN" altLang="en-US"/>
+            </a:p>
+          </p:txBody>
+        </p:sp>
+        <p:sp>
+          <p:nvSpPr>
+            <p:cNvPr id="13" name="矩形: 圆角 12">
+              <a:extLst>
+                <a:ext uri="{FF2B5EF4-FFF2-40B4-BE49-F238E27FC236}">
+                  <a16:creationId xmlns:a16="http://schemas.microsoft.com/office/drawing/2014/main" id="{6C479016-5C1F-638D-00D3-ABFB54B5BE2B}"/>
+                </a:ext>
+              </a:extLst>
+            </p:cNvPr>
+            <p:cNvSpPr/>
+            <p:nvPr/>
+          </p:nvSpPr>
+          <p:spPr>
+            <a:xfrm>
+              <a:off x="4248150" y="1939113"/>
+              <a:ext cx="622935" cy="1920593"/>
             </a:xfrm>
             <a:prstGeom prst="roundRect">
               <a:avLst/>
@@ -39683,7 +41435,7 @@
                 <a:lumOff val="80000"/>
               </a:schemeClr>
             </a:solidFill>
-            <a:ln w="57150">
+            <a:ln w="38100">
               <a:solidFill>
                 <a:schemeClr val="accent4">
                   <a:lumMod val="75000"/>
@@ -39718,10 +41470,10 @@
         </p:sp>
         <p:sp>
           <p:nvSpPr>
-            <p:cNvPr id="9" name="矩形: 圆角 8">
+            <p:cNvPr id="14" name="矩形: 圆角 13">
               <a:extLst>
                 <a:ext uri="{FF2B5EF4-FFF2-40B4-BE49-F238E27FC236}">
-                  <a16:creationId xmlns:a16="http://schemas.microsoft.com/office/drawing/2014/main" id="{845A4FA6-D079-7DBE-63EE-83C9CB6477FE}"/>
+                  <a16:creationId xmlns:a16="http://schemas.microsoft.com/office/drawing/2014/main" id="{5B990880-2051-05C8-D069-C5BEBEDBC5A7}"/>
                 </a:ext>
               </a:extLst>
             </p:cNvPr>
@@ -39730,8 +41482,8 @@
           </p:nvSpPr>
           <p:spPr>
             <a:xfrm>
-              <a:off x="8038727" y="3497804"/>
-              <a:ext cx="1890944" cy="1127464"/>
+              <a:off x="5242559" y="1941063"/>
+              <a:ext cx="622935" cy="1920593"/>
             </a:xfrm>
             <a:prstGeom prst="roundRect">
               <a:avLst/>
@@ -39742,7 +41494,7 @@
                 <a:lumOff val="80000"/>
               </a:schemeClr>
             </a:solidFill>
-            <a:ln w="57150">
+            <a:ln w="38100">
               <a:solidFill>
                 <a:schemeClr val="accent4">
                   <a:lumMod val="75000"/>
@@ -39775,370 +41527,12 @@
             </a:p>
           </p:txBody>
         </p:sp>
-        <p:cxnSp>
-          <p:nvCxnSpPr>
-            <p:cNvPr id="19" name="直接箭头连接符 18">
+        <p:sp>
+          <p:nvSpPr>
+            <p:cNvPr id="15" name="矩形: 圆角 14">
               <a:extLst>
                 <a:ext uri="{FF2B5EF4-FFF2-40B4-BE49-F238E27FC236}">
-                  <a16:creationId xmlns:a16="http://schemas.microsoft.com/office/drawing/2014/main" id="{FDFF7F6B-1E1F-156E-4131-D4D07A8D9DC8}"/>
-                </a:ext>
-              </a:extLst>
-            </p:cNvPr>
-            <p:cNvCxnSpPr>
-              <a:cxnSpLocks/>
-              <a:stCxn id="3" idx="3"/>
-              <a:endCxn id="6" idx="1"/>
-            </p:cNvCxnSpPr>
-            <p:nvPr/>
-          </p:nvCxnSpPr>
-          <p:spPr>
-            <a:xfrm>
-              <a:off x="5221549" y="4061536"/>
-              <a:ext cx="463117" cy="0"/>
-            </a:xfrm>
-            <a:prstGeom prst="straightConnector1">
-              <a:avLst/>
-            </a:prstGeom>
-            <a:ln w="57150">
-              <a:solidFill>
-                <a:schemeClr val="tx1"/>
-              </a:solidFill>
-              <a:tailEnd type="triangle"/>
-            </a:ln>
-          </p:spPr>
-          <p:style>
-            <a:lnRef idx="1">
-              <a:schemeClr val="dk1"/>
-            </a:lnRef>
-            <a:fillRef idx="0">
-              <a:schemeClr val="dk1"/>
-            </a:fillRef>
-            <a:effectRef idx="0">
-              <a:schemeClr val="dk1"/>
-            </a:effectRef>
-            <a:fontRef idx="minor">
-              <a:schemeClr val="tx1"/>
-            </a:fontRef>
-          </p:style>
-        </p:cxnSp>
-        <p:cxnSp>
-          <p:nvCxnSpPr>
-            <p:cNvPr id="23" name="直接箭头连接符 22">
-              <a:extLst>
-                <a:ext uri="{FF2B5EF4-FFF2-40B4-BE49-F238E27FC236}">
-                  <a16:creationId xmlns:a16="http://schemas.microsoft.com/office/drawing/2014/main" id="{9D5B5A0D-7738-5124-585B-0D2CB2FFDFAA}"/>
-                </a:ext>
-              </a:extLst>
-            </p:cNvPr>
-            <p:cNvCxnSpPr>
-              <a:cxnSpLocks/>
-              <a:stCxn id="6" idx="3"/>
-              <a:endCxn id="9" idx="1"/>
-            </p:cNvCxnSpPr>
-            <p:nvPr/>
-          </p:nvCxnSpPr>
-          <p:spPr>
-            <a:xfrm>
-              <a:off x="7575610" y="4061536"/>
-              <a:ext cx="463117" cy="0"/>
-            </a:xfrm>
-            <a:prstGeom prst="straightConnector1">
-              <a:avLst/>
-            </a:prstGeom>
-            <a:ln w="57150">
-              <a:solidFill>
-                <a:schemeClr val="tx1"/>
-              </a:solidFill>
-              <a:tailEnd type="triangle"/>
-            </a:ln>
-          </p:spPr>
-          <p:style>
-            <a:lnRef idx="1">
-              <a:schemeClr val="dk1"/>
-            </a:lnRef>
-            <a:fillRef idx="0">
-              <a:schemeClr val="dk1"/>
-            </a:fillRef>
-            <a:effectRef idx="0">
-              <a:schemeClr val="dk1"/>
-            </a:effectRef>
-            <a:fontRef idx="minor">
-              <a:schemeClr val="tx1"/>
-            </a:fontRef>
-          </p:style>
-        </p:cxnSp>
-        <p:grpSp>
-          <p:nvGrpSpPr>
-            <p:cNvPr id="61" name="组合 60">
-              <a:extLst>
-                <a:ext uri="{FF2B5EF4-FFF2-40B4-BE49-F238E27FC236}">
-                  <a16:creationId xmlns:a16="http://schemas.microsoft.com/office/drawing/2014/main" id="{11010166-C905-C41D-3E70-31576E5C1C6C}"/>
-                </a:ext>
-              </a:extLst>
-            </p:cNvPr>
-            <p:cNvGrpSpPr/>
-            <p:nvPr/>
-          </p:nvGrpSpPr>
-          <p:grpSpPr>
-            <a:xfrm>
-              <a:off x="5437569" y="2423604"/>
-              <a:ext cx="2369599" cy="1664564"/>
-              <a:chOff x="5437569" y="2423604"/>
-              <a:chExt cx="2369599" cy="1664564"/>
-            </a:xfrm>
-          </p:grpSpPr>
-          <p:cxnSp>
-            <p:nvCxnSpPr>
-              <p:cNvPr id="31" name="直接连接符 30">
-                <a:extLst>
-                  <a:ext uri="{FF2B5EF4-FFF2-40B4-BE49-F238E27FC236}">
-                    <a16:creationId xmlns:a16="http://schemas.microsoft.com/office/drawing/2014/main" id="{117BB0F2-BDBE-F904-EC30-9E002B740D0A}"/>
-                  </a:ext>
-                </a:extLst>
-              </p:cNvPr>
-              <p:cNvCxnSpPr>
-                <a:cxnSpLocks/>
-              </p:cNvCxnSpPr>
-              <p:nvPr/>
-            </p:nvCxnSpPr>
-            <p:spPr>
-              <a:xfrm flipV="1">
-                <a:off x="5437569" y="2423604"/>
-                <a:ext cx="0" cy="1664564"/>
-              </a:xfrm>
-              <a:prstGeom prst="line">
-                <a:avLst/>
-              </a:prstGeom>
-              <a:ln w="57150" cap="rnd"/>
-            </p:spPr>
-            <p:style>
-              <a:lnRef idx="1">
-                <a:schemeClr val="dk1"/>
-              </a:lnRef>
-              <a:fillRef idx="0">
-                <a:schemeClr val="dk1"/>
-              </a:fillRef>
-              <a:effectRef idx="0">
-                <a:schemeClr val="dk1"/>
-              </a:effectRef>
-              <a:fontRef idx="minor">
-                <a:schemeClr val="tx1"/>
-              </a:fontRef>
-            </p:style>
-          </p:cxnSp>
-          <p:cxnSp>
-            <p:nvCxnSpPr>
-              <p:cNvPr id="34" name="直接连接符 33">
-                <a:extLst>
-                  <a:ext uri="{FF2B5EF4-FFF2-40B4-BE49-F238E27FC236}">
-                    <a16:creationId xmlns:a16="http://schemas.microsoft.com/office/drawing/2014/main" id="{64B083D3-FD2F-BCC6-6C8A-BF7AD1B53265}"/>
-                  </a:ext>
-                </a:extLst>
-              </p:cNvPr>
-              <p:cNvCxnSpPr>
-                <a:cxnSpLocks/>
-              </p:cNvCxnSpPr>
-              <p:nvPr/>
-            </p:nvCxnSpPr>
-            <p:spPr>
-              <a:xfrm flipH="1">
-                <a:off x="5453107" y="2423604"/>
-                <a:ext cx="2354061" cy="0"/>
-              </a:xfrm>
-              <a:prstGeom prst="line">
-                <a:avLst/>
-              </a:prstGeom>
-              <a:ln w="57150" cap="rnd"/>
-            </p:spPr>
-            <p:style>
-              <a:lnRef idx="1">
-                <a:schemeClr val="dk1"/>
-              </a:lnRef>
-              <a:fillRef idx="0">
-                <a:schemeClr val="dk1"/>
-              </a:fillRef>
-              <a:effectRef idx="0">
-                <a:schemeClr val="dk1"/>
-              </a:effectRef>
-              <a:fontRef idx="minor">
-                <a:schemeClr val="tx1"/>
-              </a:fontRef>
-            </p:style>
-          </p:cxnSp>
-          <p:cxnSp>
-            <p:nvCxnSpPr>
-              <p:cNvPr id="38" name="直接箭头连接符 37">
-                <a:extLst>
-                  <a:ext uri="{FF2B5EF4-FFF2-40B4-BE49-F238E27FC236}">
-                    <a16:creationId xmlns:a16="http://schemas.microsoft.com/office/drawing/2014/main" id="{A5F405B4-1D0D-BF0F-5686-24BDEE50AA3D}"/>
-                  </a:ext>
-                </a:extLst>
-              </p:cNvPr>
-              <p:cNvCxnSpPr>
-                <a:cxnSpLocks/>
-              </p:cNvCxnSpPr>
-              <p:nvPr/>
-            </p:nvCxnSpPr>
-            <p:spPr>
-              <a:xfrm>
-                <a:off x="7807168" y="2423604"/>
-                <a:ext cx="0" cy="1664564"/>
-              </a:xfrm>
-              <a:prstGeom prst="straightConnector1">
-                <a:avLst/>
-              </a:prstGeom>
-              <a:ln w="57150" cap="rnd">
-                <a:solidFill>
-                  <a:schemeClr val="tx1"/>
-                </a:solidFill>
-                <a:tailEnd type="triangle"/>
-              </a:ln>
-            </p:spPr>
-            <p:style>
-              <a:lnRef idx="1">
-                <a:schemeClr val="dk1"/>
-              </a:lnRef>
-              <a:fillRef idx="0">
-                <a:schemeClr val="dk1"/>
-              </a:fillRef>
-              <a:effectRef idx="0">
-                <a:schemeClr val="dk1"/>
-              </a:effectRef>
-              <a:fontRef idx="minor">
-                <a:schemeClr val="tx1"/>
-              </a:fontRef>
-            </p:style>
-          </p:cxnSp>
-        </p:grpSp>
-        <p:sp>
-          <p:nvSpPr>
-            <p:cNvPr id="45" name="文本框 44">
-              <a:extLst>
-                <a:ext uri="{FF2B5EF4-FFF2-40B4-BE49-F238E27FC236}">
-                  <a16:creationId xmlns:a16="http://schemas.microsoft.com/office/drawing/2014/main" id="{9289BA3E-4BE9-FE3C-FE11-C6360E35E041}"/>
-                </a:ext>
-              </a:extLst>
-            </p:cNvPr>
-            <p:cNvSpPr txBox="1"/>
-            <p:nvPr/>
-          </p:nvSpPr>
-          <p:spPr>
-            <a:xfrm>
-              <a:off x="8283490" y="3799926"/>
-              <a:ext cx="1401417" cy="523220"/>
-            </a:xfrm>
-            <a:prstGeom prst="rect">
-              <a:avLst/>
-            </a:prstGeom>
-            <a:noFill/>
-          </p:spPr>
-          <p:txBody>
-            <a:bodyPr wrap="square" rtlCol="0">
-              <a:spAutoFit/>
-            </a:bodyPr>
-            <a:lstStyle/>
-            <a:p>
-              <a:pPr algn="ctr"/>
-              <a:r>
-                <a:rPr lang="en-US" altLang="zh-CN" sz="2800" b="1" dirty="0" err="1">
-                  <a:latin typeface="+mn-ea"/>
-                </a:rPr>
-                <a:t>BiGRU</a:t>
-              </a:r>
-              <a:endParaRPr lang="zh-CN" altLang="en-US" sz="2800" b="1" dirty="0">
-                <a:latin typeface="+mn-ea"/>
-              </a:endParaRPr>
-            </a:p>
-          </p:txBody>
-        </p:sp>
-        <p:sp>
-          <p:nvSpPr>
-            <p:cNvPr id="46" name="文本框 45">
-              <a:extLst>
-                <a:ext uri="{FF2B5EF4-FFF2-40B4-BE49-F238E27FC236}">
-                  <a16:creationId xmlns:a16="http://schemas.microsoft.com/office/drawing/2014/main" id="{FF0FAFCE-1276-BD4D-F797-835FB3BAEA66}"/>
-                </a:ext>
-              </a:extLst>
-            </p:cNvPr>
-            <p:cNvSpPr txBox="1"/>
-            <p:nvPr/>
-          </p:nvSpPr>
-          <p:spPr>
-            <a:xfrm>
-              <a:off x="5929429" y="3826558"/>
-              <a:ext cx="1401417" cy="523220"/>
-            </a:xfrm>
-            <a:prstGeom prst="rect">
-              <a:avLst/>
-            </a:prstGeom>
-            <a:noFill/>
-          </p:spPr>
-          <p:txBody>
-            <a:bodyPr wrap="square" rtlCol="0">
-              <a:spAutoFit/>
-            </a:bodyPr>
-            <a:lstStyle/>
-            <a:p>
-              <a:pPr algn="ctr"/>
-              <a:r>
-                <a:rPr lang="en-US" altLang="zh-CN" sz="2800" b="1" dirty="0" err="1">
-                  <a:latin typeface="+mn-ea"/>
-                </a:rPr>
-                <a:t>BiGRU</a:t>
-              </a:r>
-              <a:endParaRPr lang="zh-CN" altLang="en-US" sz="2800" b="1" dirty="0">
-                <a:latin typeface="+mn-ea"/>
-              </a:endParaRPr>
-            </a:p>
-          </p:txBody>
-        </p:sp>
-        <p:sp>
-          <p:nvSpPr>
-            <p:cNvPr id="47" name="文本框 46">
-              <a:extLst>
-                <a:ext uri="{FF2B5EF4-FFF2-40B4-BE49-F238E27FC236}">
-                  <a16:creationId xmlns:a16="http://schemas.microsoft.com/office/drawing/2014/main" id="{E35C89A9-DD5D-8488-7F8E-0DCBBFDF96EF}"/>
-                </a:ext>
-              </a:extLst>
-            </p:cNvPr>
-            <p:cNvSpPr txBox="1"/>
-            <p:nvPr/>
-          </p:nvSpPr>
-          <p:spPr>
-            <a:xfrm>
-              <a:off x="3575368" y="3799926"/>
-              <a:ext cx="1401417" cy="523220"/>
-            </a:xfrm>
-            <a:prstGeom prst="rect">
-              <a:avLst/>
-            </a:prstGeom>
-            <a:noFill/>
-          </p:spPr>
-          <p:txBody>
-            <a:bodyPr wrap="square" rtlCol="0">
-              <a:spAutoFit/>
-            </a:bodyPr>
-            <a:lstStyle/>
-            <a:p>
-              <a:pPr algn="ctr"/>
-              <a:r>
-                <a:rPr lang="en-US" altLang="zh-CN" sz="2800" b="1" dirty="0">
-                  <a:latin typeface="+mn-ea"/>
-                </a:rPr>
-                <a:t>Conv</a:t>
-              </a:r>
-              <a:endParaRPr lang="zh-CN" altLang="en-US" sz="2800" b="1" dirty="0">
-                <a:latin typeface="+mn-ea"/>
-              </a:endParaRPr>
-            </a:p>
-          </p:txBody>
-        </p:sp>
-        <p:sp>
-          <p:nvSpPr>
-            <p:cNvPr id="51" name="矩形: 圆角 50">
-              <a:extLst>
-                <a:ext uri="{FF2B5EF4-FFF2-40B4-BE49-F238E27FC236}">
-                  <a16:creationId xmlns:a16="http://schemas.microsoft.com/office/drawing/2014/main" id="{E0623825-C547-FA21-4945-45A32D8DC9A4}"/>
+                  <a16:creationId xmlns:a16="http://schemas.microsoft.com/office/drawing/2014/main" id="{E88A8026-3486-B82E-0EC6-E02FCE9BB9AD}"/>
                 </a:ext>
               </a:extLst>
             </p:cNvPr>
@@ -40147,352 +41541,21 @@
           </p:nvSpPr>
           <p:spPr>
             <a:xfrm>
-              <a:off x="2842644" y="1898249"/>
-              <a:ext cx="7831982" cy="3617968"/>
+              <a:off x="6715124" y="1935480"/>
+              <a:ext cx="622935" cy="1916430"/>
             </a:xfrm>
             <a:prstGeom prst="roundRect">
               <a:avLst/>
             </a:prstGeom>
-            <a:noFill/>
-            <a:ln w="57150">
-              <a:solidFill>
-                <a:schemeClr val="bg1">
-                  <a:lumMod val="50000"/>
-                </a:schemeClr>
-              </a:solidFill>
-              <a:prstDash val="dash"/>
-            </a:ln>
-          </p:spPr>
-          <p:style>
-            <a:lnRef idx="2">
-              <a:schemeClr val="accent1">
-                <a:shade val="15000"/>
-              </a:schemeClr>
-            </a:lnRef>
-            <a:fillRef idx="1">
-              <a:schemeClr val="accent1"/>
-            </a:fillRef>
-            <a:effectRef idx="0">
-              <a:schemeClr val="accent1"/>
-            </a:effectRef>
-            <a:fontRef idx="minor">
-              <a:schemeClr val="lt1"/>
-            </a:fontRef>
-          </p:style>
-          <p:txBody>
-            <a:bodyPr rtlCol="0" anchor="ctr"/>
-            <a:lstStyle/>
-            <a:p>
-              <a:pPr algn="ctr"/>
-              <a:endParaRPr lang="zh-CN" altLang="en-US"/>
-            </a:p>
-          </p:txBody>
-        </p:sp>
-        <p:cxnSp>
-          <p:nvCxnSpPr>
-            <p:cNvPr id="53" name="直接箭头连接符 52">
-              <a:extLst>
-                <a:ext uri="{FF2B5EF4-FFF2-40B4-BE49-F238E27FC236}">
-                  <a16:creationId xmlns:a16="http://schemas.microsoft.com/office/drawing/2014/main" id="{B0D39CD1-ED81-E130-8F45-E3F2DB300790}"/>
-                </a:ext>
-              </a:extLst>
-            </p:cNvPr>
-            <p:cNvCxnSpPr>
-              <a:cxnSpLocks/>
-              <a:stCxn id="9" idx="3"/>
-            </p:cNvCxnSpPr>
-            <p:nvPr/>
-          </p:nvCxnSpPr>
-          <p:spPr>
-            <a:xfrm flipV="1">
-              <a:off x="9929671" y="4061535"/>
-              <a:ext cx="1609659" cy="1"/>
-            </a:xfrm>
-            <a:prstGeom prst="straightConnector1">
-              <a:avLst/>
-            </a:prstGeom>
-            <a:ln w="57150" cap="rnd">
-              <a:solidFill>
-                <a:schemeClr val="tx1"/>
-              </a:solidFill>
-              <a:tailEnd type="triangle"/>
-            </a:ln>
-          </p:spPr>
-          <p:style>
-            <a:lnRef idx="1">
-              <a:schemeClr val="dk1"/>
-            </a:lnRef>
-            <a:fillRef idx="0">
-              <a:schemeClr val="dk1"/>
-            </a:fillRef>
-            <a:effectRef idx="0">
-              <a:schemeClr val="dk1"/>
-            </a:effectRef>
-            <a:fontRef idx="minor">
-              <a:schemeClr val="tx1"/>
-            </a:fontRef>
-          </p:style>
-        </p:cxnSp>
-        <p:cxnSp>
-          <p:nvCxnSpPr>
-            <p:cNvPr id="57" name="直接箭头连接符 56">
-              <a:extLst>
-                <a:ext uri="{FF2B5EF4-FFF2-40B4-BE49-F238E27FC236}">
-                  <a16:creationId xmlns:a16="http://schemas.microsoft.com/office/drawing/2014/main" id="{F5DFF42A-8075-0877-3974-15232A54FBCD}"/>
-                </a:ext>
-              </a:extLst>
-            </p:cNvPr>
-            <p:cNvCxnSpPr>
-              <a:cxnSpLocks/>
-              <a:endCxn id="3" idx="1"/>
-            </p:cNvCxnSpPr>
-            <p:nvPr/>
-          </p:nvCxnSpPr>
-          <p:spPr>
-            <a:xfrm>
-              <a:off x="1584960" y="4061535"/>
-              <a:ext cx="1745645" cy="1"/>
-            </a:xfrm>
-            <a:prstGeom prst="straightConnector1">
-              <a:avLst/>
-            </a:prstGeom>
-            <a:ln w="57150" cap="rnd">
-              <a:solidFill>
-                <a:schemeClr val="tx1"/>
-              </a:solidFill>
-              <a:tailEnd type="triangle"/>
-            </a:ln>
-          </p:spPr>
-          <p:style>
-            <a:lnRef idx="1">
-              <a:schemeClr val="dk1"/>
-            </a:lnRef>
-            <a:fillRef idx="0">
-              <a:schemeClr val="dk1"/>
-            </a:fillRef>
-            <a:effectRef idx="0">
-              <a:schemeClr val="dk1"/>
-            </a:effectRef>
-            <a:fontRef idx="minor">
-              <a:schemeClr val="tx1"/>
-            </a:fontRef>
-          </p:style>
-        </p:cxnSp>
-        <p:grpSp>
-          <p:nvGrpSpPr>
-            <p:cNvPr id="62" name="组合 61">
-              <a:extLst>
-                <a:ext uri="{FF2B5EF4-FFF2-40B4-BE49-F238E27FC236}">
-                  <a16:creationId xmlns:a16="http://schemas.microsoft.com/office/drawing/2014/main" id="{0CFBC902-8FE6-7CE2-0D18-801512B7E612}"/>
-                </a:ext>
-              </a:extLst>
-            </p:cNvPr>
-            <p:cNvGrpSpPr/>
-            <p:nvPr/>
-          </p:nvGrpSpPr>
-          <p:grpSpPr>
-            <a:xfrm flipV="1">
-              <a:off x="2359292" y="4095108"/>
-              <a:ext cx="8613731" cy="1664564"/>
-              <a:chOff x="5437569" y="2423604"/>
-              <a:chExt cx="2369599" cy="1664564"/>
-            </a:xfrm>
-          </p:grpSpPr>
-          <p:cxnSp>
-            <p:nvCxnSpPr>
-              <p:cNvPr id="63" name="直接连接符 62">
-                <a:extLst>
-                  <a:ext uri="{FF2B5EF4-FFF2-40B4-BE49-F238E27FC236}">
-                    <a16:creationId xmlns:a16="http://schemas.microsoft.com/office/drawing/2014/main" id="{E26D2F61-7CC9-2BC8-13FE-CFD53110CA7C}"/>
-                  </a:ext>
-                </a:extLst>
-              </p:cNvPr>
-              <p:cNvCxnSpPr>
-                <a:cxnSpLocks/>
-              </p:cNvCxnSpPr>
-              <p:nvPr/>
-            </p:nvCxnSpPr>
-            <p:spPr>
-              <a:xfrm flipV="1">
-                <a:off x="5437569" y="2423604"/>
-                <a:ext cx="0" cy="1664564"/>
-              </a:xfrm>
-              <a:prstGeom prst="line">
-                <a:avLst/>
-              </a:prstGeom>
-              <a:ln w="57150" cap="rnd"/>
-            </p:spPr>
-            <p:style>
-              <a:lnRef idx="1">
-                <a:schemeClr val="dk1"/>
-              </a:lnRef>
-              <a:fillRef idx="0">
-                <a:schemeClr val="dk1"/>
-              </a:fillRef>
-              <a:effectRef idx="0">
-                <a:schemeClr val="dk1"/>
-              </a:effectRef>
-              <a:fontRef idx="minor">
-                <a:schemeClr val="tx1"/>
-              </a:fontRef>
-            </p:style>
-          </p:cxnSp>
-          <p:cxnSp>
-            <p:nvCxnSpPr>
-              <p:cNvPr id="64" name="直接连接符 63">
-                <a:extLst>
-                  <a:ext uri="{FF2B5EF4-FFF2-40B4-BE49-F238E27FC236}">
-                    <a16:creationId xmlns:a16="http://schemas.microsoft.com/office/drawing/2014/main" id="{4DA33998-6B36-0929-77D0-4AD518339972}"/>
-                  </a:ext>
-                </a:extLst>
-              </p:cNvPr>
-              <p:cNvCxnSpPr>
-                <a:cxnSpLocks/>
-              </p:cNvCxnSpPr>
-              <p:nvPr/>
-            </p:nvCxnSpPr>
-            <p:spPr>
-              <a:xfrm flipH="1">
-                <a:off x="5453107" y="2423604"/>
-                <a:ext cx="2354061" cy="0"/>
-              </a:xfrm>
-              <a:prstGeom prst="line">
-                <a:avLst/>
-              </a:prstGeom>
-              <a:ln w="57150" cap="rnd"/>
-            </p:spPr>
-            <p:style>
-              <a:lnRef idx="1">
-                <a:schemeClr val="dk1"/>
-              </a:lnRef>
-              <a:fillRef idx="0">
-                <a:schemeClr val="dk1"/>
-              </a:fillRef>
-              <a:effectRef idx="0">
-                <a:schemeClr val="dk1"/>
-              </a:effectRef>
-              <a:fontRef idx="minor">
-                <a:schemeClr val="tx1"/>
-              </a:fontRef>
-            </p:style>
-          </p:cxnSp>
-          <p:cxnSp>
-            <p:nvCxnSpPr>
-              <p:cNvPr id="65" name="直接箭头连接符 64">
-                <a:extLst>
-                  <a:ext uri="{FF2B5EF4-FFF2-40B4-BE49-F238E27FC236}">
-                    <a16:creationId xmlns:a16="http://schemas.microsoft.com/office/drawing/2014/main" id="{54B20D52-CF86-0078-DEC0-9C4EF67E0A5E}"/>
-                  </a:ext>
-                </a:extLst>
-              </p:cNvPr>
-              <p:cNvCxnSpPr>
-                <a:cxnSpLocks/>
-              </p:cNvCxnSpPr>
-              <p:nvPr/>
-            </p:nvCxnSpPr>
-            <p:spPr>
-              <a:xfrm>
-                <a:off x="7807168" y="2423604"/>
-                <a:ext cx="0" cy="1664564"/>
-              </a:xfrm>
-              <a:prstGeom prst="straightConnector1">
-                <a:avLst/>
-              </a:prstGeom>
-              <a:ln w="57150" cap="rnd">
-                <a:solidFill>
-                  <a:schemeClr val="tx1"/>
-                </a:solidFill>
-                <a:tailEnd type="triangle"/>
-              </a:ln>
-            </p:spPr>
-            <p:style>
-              <a:lnRef idx="1">
-                <a:schemeClr val="dk1"/>
-              </a:lnRef>
-              <a:fillRef idx="0">
-                <a:schemeClr val="dk1"/>
-              </a:fillRef>
-              <a:effectRef idx="0">
-                <a:schemeClr val="dk1"/>
-              </a:effectRef>
-              <a:fontRef idx="minor">
-                <a:schemeClr val="tx1"/>
-              </a:fontRef>
-            </p:style>
-          </p:cxnSp>
-        </p:grpSp>
-        <p:sp>
-          <p:nvSpPr>
-            <p:cNvPr id="66" name="文本框 65">
-              <a:extLst>
-                <a:ext uri="{FF2B5EF4-FFF2-40B4-BE49-F238E27FC236}">
-                  <a16:creationId xmlns:a16="http://schemas.microsoft.com/office/drawing/2014/main" id="{CE349E8A-39F7-8AF4-A8EF-C6ADEB5315E1}"/>
-                </a:ext>
-              </a:extLst>
-            </p:cNvPr>
-            <p:cNvSpPr txBox="1"/>
-            <p:nvPr/>
-          </p:nvSpPr>
-          <p:spPr>
-            <a:xfrm>
-              <a:off x="8500389" y="4720799"/>
-              <a:ext cx="1779398" cy="646331"/>
-            </a:xfrm>
-            <a:prstGeom prst="rect">
-              <a:avLst/>
-            </a:prstGeom>
-            <a:noFill/>
-          </p:spPr>
-          <p:txBody>
-            <a:bodyPr wrap="square" rtlCol="0">
-              <a:spAutoFit/>
-            </a:bodyPr>
-            <a:lstStyle/>
-            <a:p>
-              <a:pPr algn="ctr"/>
-              <a:r>
-                <a:rPr lang="en-US" altLang="zh-CN" sz="3600" b="1" dirty="0">
-                  <a:latin typeface="+mn-ea"/>
-                </a:rPr>
-                <a:t>×N</a:t>
-              </a:r>
-              <a:endParaRPr lang="zh-CN" altLang="en-US" sz="3600" b="1" dirty="0">
-                <a:latin typeface="+mn-ea"/>
-              </a:endParaRPr>
-            </a:p>
-          </p:txBody>
-        </p:sp>
-        <p:sp>
-          <p:nvSpPr>
-            <p:cNvPr id="68" name="梯形 67">
-              <a:extLst>
-                <a:ext uri="{FF2B5EF4-FFF2-40B4-BE49-F238E27FC236}">
-                  <a16:creationId xmlns:a16="http://schemas.microsoft.com/office/drawing/2014/main" id="{A7189AE0-E2A8-5780-64DD-9D621FD030A3}"/>
-                </a:ext>
-              </a:extLst>
-            </p:cNvPr>
-            <p:cNvSpPr/>
-            <p:nvPr/>
-          </p:nvSpPr>
-          <p:spPr>
-            <a:xfrm rot="16200000">
-              <a:off x="10496052" y="3327403"/>
-              <a:ext cx="3554821" cy="1468264"/>
-            </a:xfrm>
-            <a:prstGeom prst="trapezoid">
-              <a:avLst>
-                <a:gd name="adj" fmla="val 56393"/>
-              </a:avLst>
-            </a:prstGeom>
             <a:solidFill>
-              <a:schemeClr val="accent3">
-                <a:lumMod val="20000"/>
-                <a:lumOff val="80000"/>
+              <a:schemeClr val="accent4">
+                <a:lumMod val="60000"/>
+                <a:lumOff val="40000"/>
               </a:schemeClr>
             </a:solidFill>
-            <a:ln w="57150">
+            <a:ln w="38100">
               <a:solidFill>
-                <a:schemeClr val="accent3">
+                <a:schemeClr val="accent4">
                   <a:lumMod val="75000"/>
                 </a:schemeClr>
               </a:solidFill>
@@ -40525,10 +41588,69 @@
         </p:sp>
         <p:sp>
           <p:nvSpPr>
-            <p:cNvPr id="69" name="文本框 68">
+            <p:cNvPr id="16" name="矩形: 圆角 15">
               <a:extLst>
                 <a:ext uri="{FF2B5EF4-FFF2-40B4-BE49-F238E27FC236}">
-                  <a16:creationId xmlns:a16="http://schemas.microsoft.com/office/drawing/2014/main" id="{88A46E74-88A6-C239-D566-999C36D586D3}"/>
+                  <a16:creationId xmlns:a16="http://schemas.microsoft.com/office/drawing/2014/main" id="{C5F488F1-013B-A9AB-21B6-4179E2CFDAD9}"/>
+                </a:ext>
+              </a:extLst>
+            </p:cNvPr>
+            <p:cNvSpPr/>
+            <p:nvPr/>
+          </p:nvSpPr>
+          <p:spPr>
+            <a:xfrm>
+              <a:off x="8061961" y="1935480"/>
+              <a:ext cx="622935" cy="1924226"/>
+            </a:xfrm>
+            <a:prstGeom prst="roundRect">
+              <a:avLst/>
+            </a:prstGeom>
+            <a:solidFill>
+              <a:schemeClr val="accent4">
+                <a:lumMod val="60000"/>
+                <a:lumOff val="40000"/>
+              </a:schemeClr>
+            </a:solidFill>
+            <a:ln w="38100">
+              <a:solidFill>
+                <a:schemeClr val="accent4">
+                  <a:lumMod val="75000"/>
+                </a:schemeClr>
+              </a:solidFill>
+            </a:ln>
+          </p:spPr>
+          <p:style>
+            <a:lnRef idx="2">
+              <a:schemeClr val="accent1">
+                <a:shade val="15000"/>
+              </a:schemeClr>
+            </a:lnRef>
+            <a:fillRef idx="1">
+              <a:schemeClr val="accent1"/>
+            </a:fillRef>
+            <a:effectRef idx="0">
+              <a:schemeClr val="accent1"/>
+            </a:effectRef>
+            <a:fontRef idx="minor">
+              <a:schemeClr val="lt1"/>
+            </a:fontRef>
+          </p:style>
+          <p:txBody>
+            <a:bodyPr rtlCol="0" anchor="ctr"/>
+            <a:lstStyle/>
+            <a:p>
+              <a:pPr algn="ctr"/>
+              <a:endParaRPr lang="zh-CN" altLang="en-US"/>
+            </a:p>
+          </p:txBody>
+        </p:sp>
+        <p:sp>
+          <p:nvSpPr>
+            <p:cNvPr id="17" name="文本框 16">
+              <a:extLst>
+                <a:ext uri="{FF2B5EF4-FFF2-40B4-BE49-F238E27FC236}">
+                  <a16:creationId xmlns:a16="http://schemas.microsoft.com/office/drawing/2014/main" id="{6A3CBCA7-D302-572E-CCE5-2B9C3A19AB12}"/>
                 </a:ext>
               </a:extLst>
             </p:cNvPr>
@@ -40537,8 +41659,8 @@
           </p:nvSpPr>
           <p:spPr>
             <a:xfrm>
-              <a:off x="11559568" y="2638750"/>
-              <a:ext cx="1292662" cy="2912716"/>
+              <a:off x="2506740" y="2114178"/>
+              <a:ext cx="615553" cy="1587564"/>
             </a:xfrm>
             <a:prstGeom prst="rect">
               <a:avLst/>
@@ -40553,32 +41675,108 @@
             <a:p>
               <a:pPr algn="ctr"/>
               <a:r>
-                <a:rPr lang="en-US" altLang="zh-CN" sz="3600" b="1" dirty="0">
+                <a:rPr lang="en-US" altLang="zh-CN" sz="2800" b="1" dirty="0">
                   <a:latin typeface="+mn-ea"/>
                 </a:rPr>
-                <a:t>Pixel</a:t>
+                <a:t>Conv</a:t>
               </a:r>
-            </a:p>
-            <a:p>
-              <a:pPr algn="ctr"/>
-              <a:r>
-                <a:rPr lang="en-US" altLang="zh-CN" sz="3600" b="1" dirty="0">
-                  <a:latin typeface="+mn-ea"/>
-                </a:rPr>
-                <a:t>Shuffle</a:t>
-              </a:r>
-              <a:endParaRPr lang="zh-CN" altLang="en-US" sz="3600" b="1" dirty="0">
+              <a:endParaRPr lang="zh-CN" altLang="en-US" sz="2800" b="1" dirty="0">
                 <a:latin typeface="+mn-ea"/>
               </a:endParaRPr>
             </a:p>
           </p:txBody>
         </p:sp>
+        <p:cxnSp>
+          <p:nvCxnSpPr>
+            <p:cNvPr id="20" name="直接箭头连接符 19">
+              <a:extLst>
+                <a:ext uri="{FF2B5EF4-FFF2-40B4-BE49-F238E27FC236}">
+                  <a16:creationId xmlns:a16="http://schemas.microsoft.com/office/drawing/2014/main" id="{043E0C8A-FF88-5DB2-7779-4BEF3F932FF2}"/>
+                </a:ext>
+              </a:extLst>
+            </p:cNvPr>
+            <p:cNvCxnSpPr>
+              <a:stCxn id="2" idx="3"/>
+              <a:endCxn id="11" idx="1"/>
+            </p:cNvCxnSpPr>
+            <p:nvPr/>
+          </p:nvCxnSpPr>
+          <p:spPr>
+            <a:xfrm>
+              <a:off x="1912620" y="2899410"/>
+              <a:ext cx="405765" cy="0"/>
+            </a:xfrm>
+            <a:prstGeom prst="straightConnector1">
+              <a:avLst/>
+            </a:prstGeom>
+            <a:ln w="38100">
+              <a:tailEnd type="triangle"/>
+            </a:ln>
+          </p:spPr>
+          <p:style>
+            <a:lnRef idx="1">
+              <a:schemeClr val="dk1"/>
+            </a:lnRef>
+            <a:fillRef idx="0">
+              <a:schemeClr val="dk1"/>
+            </a:fillRef>
+            <a:effectRef idx="0">
+              <a:schemeClr val="dk1"/>
+            </a:effectRef>
+            <a:fontRef idx="minor">
+              <a:schemeClr val="tx1"/>
+            </a:fontRef>
+          </p:style>
+        </p:cxnSp>
+        <p:cxnSp>
+          <p:nvCxnSpPr>
+            <p:cNvPr id="21" name="直接箭头连接符 20">
+              <a:extLst>
+                <a:ext uri="{FF2B5EF4-FFF2-40B4-BE49-F238E27FC236}">
+                  <a16:creationId xmlns:a16="http://schemas.microsoft.com/office/drawing/2014/main" id="{55ACC53C-4B72-4F2F-21EA-7352B35306EB}"/>
+                </a:ext>
+              </a:extLst>
+            </p:cNvPr>
+            <p:cNvCxnSpPr>
+              <a:cxnSpLocks/>
+              <a:stCxn id="11" idx="3"/>
+              <a:endCxn id="13" idx="1"/>
+            </p:cNvCxnSpPr>
+            <p:nvPr/>
+          </p:nvCxnSpPr>
+          <p:spPr>
+            <a:xfrm>
+              <a:off x="3312795" y="2899410"/>
+              <a:ext cx="935355" cy="0"/>
+            </a:xfrm>
+            <a:prstGeom prst="straightConnector1">
+              <a:avLst/>
+            </a:prstGeom>
+            <a:ln w="38100">
+              <a:tailEnd type="triangle"/>
+            </a:ln>
+          </p:spPr>
+          <p:style>
+            <a:lnRef idx="1">
+              <a:schemeClr val="dk1"/>
+            </a:lnRef>
+            <a:fillRef idx="0">
+              <a:schemeClr val="dk1"/>
+            </a:fillRef>
+            <a:effectRef idx="0">
+              <a:schemeClr val="dk1"/>
+            </a:effectRef>
+            <a:fontRef idx="minor">
+              <a:schemeClr val="tx1"/>
+            </a:fontRef>
+          </p:style>
+        </p:cxnSp>
         <p:sp>
           <p:nvSpPr>
-            <p:cNvPr id="130" name="文本框 129">
+            <p:cNvPr id="25" name="文本框 24">
               <a:extLst>
                 <a:ext uri="{FF2B5EF4-FFF2-40B4-BE49-F238E27FC236}">
-                  <a16:creationId xmlns:a16="http://schemas.microsoft.com/office/drawing/2014/main" id="{26003E77-80FC-D374-4A50-C3F1596C6A6F}"/>
+                  <a16:creationId xmlns:a16="http://schemas.microsoft.com/office/drawing/2014/main" id="{C687307D-489E-FE8D-F841-9807C6814C7D}"/>
                 </a:ext>
               </a:extLst>
             </p:cNvPr>
@@ -40587,8 +41785,629 @@
           </p:nvSpPr>
           <p:spPr>
             <a:xfrm>
-              <a:off x="3022251" y="2378092"/>
-              <a:ext cx="1172864" cy="646331"/>
+              <a:off x="4286605" y="2244141"/>
+              <a:ext cx="553998" cy="1310538"/>
+            </a:xfrm>
+            <a:prstGeom prst="rect">
+              <a:avLst/>
+            </a:prstGeom>
+            <a:noFill/>
+          </p:spPr>
+          <p:txBody>
+            <a:bodyPr vert="vert270" wrap="square" rtlCol="0">
+              <a:spAutoFit/>
+            </a:bodyPr>
+            <a:lstStyle/>
+            <a:p>
+              <a:pPr algn="ctr"/>
+              <a:r>
+                <a:rPr lang="en-US" altLang="zh-CN" sz="2400" b="1" dirty="0">
+                  <a:latin typeface="+mn-ea"/>
+                </a:rPr>
+                <a:t>Conv</a:t>
+              </a:r>
+              <a:endParaRPr lang="zh-CN" altLang="en-US" sz="2400" b="1" dirty="0">
+                <a:latin typeface="+mn-ea"/>
+              </a:endParaRPr>
+            </a:p>
+          </p:txBody>
+        </p:sp>
+        <p:sp>
+          <p:nvSpPr>
+            <p:cNvPr id="26" name="文本框 25">
+              <a:extLst>
+                <a:ext uri="{FF2B5EF4-FFF2-40B4-BE49-F238E27FC236}">
+                  <a16:creationId xmlns:a16="http://schemas.microsoft.com/office/drawing/2014/main" id="{BCD76582-9FA6-B5E7-9CD9-B6123D778433}"/>
+                </a:ext>
+              </a:extLst>
+            </p:cNvPr>
+            <p:cNvSpPr txBox="1"/>
+            <p:nvPr/>
+          </p:nvSpPr>
+          <p:spPr>
+            <a:xfrm>
+              <a:off x="5277027" y="1898907"/>
+              <a:ext cx="553998" cy="1987242"/>
+            </a:xfrm>
+            <a:prstGeom prst="rect">
+              <a:avLst/>
+            </a:prstGeom>
+            <a:noFill/>
+          </p:spPr>
+          <p:txBody>
+            <a:bodyPr vert="vert270" wrap="square" rtlCol="0">
+              <a:spAutoFit/>
+            </a:bodyPr>
+            <a:lstStyle/>
+            <a:p>
+              <a:pPr algn="ctr"/>
+              <a:r>
+                <a:rPr lang="en-US" altLang="zh-CN" sz="2400" b="1" dirty="0" err="1">
+                  <a:latin typeface="+mn-ea"/>
+                </a:rPr>
+                <a:t>Batchnorm</a:t>
+              </a:r>
+              <a:endParaRPr lang="zh-CN" altLang="en-US" sz="2400" b="1" dirty="0">
+                <a:latin typeface="+mn-ea"/>
+              </a:endParaRPr>
+            </a:p>
+          </p:txBody>
+        </p:sp>
+        <p:cxnSp>
+          <p:nvCxnSpPr>
+            <p:cNvPr id="29" name="直接箭头连接符 28">
+              <a:extLst>
+                <a:ext uri="{FF2B5EF4-FFF2-40B4-BE49-F238E27FC236}">
+                  <a16:creationId xmlns:a16="http://schemas.microsoft.com/office/drawing/2014/main" id="{EC4BF592-B59C-D5BE-12F7-C99254851194}"/>
+                </a:ext>
+              </a:extLst>
+            </p:cNvPr>
+            <p:cNvCxnSpPr>
+              <a:cxnSpLocks/>
+              <a:stCxn id="25" idx="3"/>
+              <a:endCxn id="14" idx="1"/>
+            </p:cNvCxnSpPr>
+            <p:nvPr/>
+          </p:nvCxnSpPr>
+          <p:spPr>
+            <a:xfrm>
+              <a:off x="4840603" y="2899410"/>
+              <a:ext cx="401956" cy="1950"/>
+            </a:xfrm>
+            <a:prstGeom prst="straightConnector1">
+              <a:avLst/>
+            </a:prstGeom>
+            <a:ln w="38100">
+              <a:tailEnd type="triangle"/>
+            </a:ln>
+          </p:spPr>
+          <p:style>
+            <a:lnRef idx="1">
+              <a:schemeClr val="dk1"/>
+            </a:lnRef>
+            <a:fillRef idx="0">
+              <a:schemeClr val="dk1"/>
+            </a:fillRef>
+            <a:effectRef idx="0">
+              <a:schemeClr val="dk1"/>
+            </a:effectRef>
+            <a:fontRef idx="minor">
+              <a:schemeClr val="tx1"/>
+            </a:fontRef>
+          </p:style>
+        </p:cxnSp>
+        <p:cxnSp>
+          <p:nvCxnSpPr>
+            <p:cNvPr id="36" name="直接箭头连接符 35">
+              <a:extLst>
+                <a:ext uri="{FF2B5EF4-FFF2-40B4-BE49-F238E27FC236}">
+                  <a16:creationId xmlns:a16="http://schemas.microsoft.com/office/drawing/2014/main" id="{8C1EBA9B-58D7-B3BA-B07E-F88446C2D3F8}"/>
+                </a:ext>
+              </a:extLst>
+            </p:cNvPr>
+            <p:cNvCxnSpPr>
+              <a:cxnSpLocks/>
+              <a:stCxn id="14" idx="3"/>
+              <a:endCxn id="15" idx="1"/>
+            </p:cNvCxnSpPr>
+            <p:nvPr/>
+          </p:nvCxnSpPr>
+          <p:spPr>
+            <a:xfrm flipV="1">
+              <a:off x="5865494" y="2893695"/>
+              <a:ext cx="849630" cy="7665"/>
+            </a:xfrm>
+            <a:prstGeom prst="straightConnector1">
+              <a:avLst/>
+            </a:prstGeom>
+            <a:ln w="38100">
+              <a:tailEnd type="triangle"/>
+            </a:ln>
+          </p:spPr>
+          <p:style>
+            <a:lnRef idx="1">
+              <a:schemeClr val="dk1"/>
+            </a:lnRef>
+            <a:fillRef idx="0">
+              <a:schemeClr val="dk1"/>
+            </a:fillRef>
+            <a:effectRef idx="0">
+              <a:schemeClr val="dk1"/>
+            </a:effectRef>
+            <a:fontRef idx="minor">
+              <a:schemeClr val="tx1"/>
+            </a:fontRef>
+          </p:style>
+        </p:cxnSp>
+        <p:cxnSp>
+          <p:nvCxnSpPr>
+            <p:cNvPr id="41" name="直接箭头连接符 40">
+              <a:extLst>
+                <a:ext uri="{FF2B5EF4-FFF2-40B4-BE49-F238E27FC236}">
+                  <a16:creationId xmlns:a16="http://schemas.microsoft.com/office/drawing/2014/main" id="{7FE66996-5F34-C636-06A6-8D2A63120BA4}"/>
+                </a:ext>
+              </a:extLst>
+            </p:cNvPr>
+            <p:cNvCxnSpPr>
+              <a:cxnSpLocks/>
+              <a:stCxn id="15" idx="3"/>
+              <a:endCxn id="16" idx="1"/>
+            </p:cNvCxnSpPr>
+            <p:nvPr/>
+          </p:nvCxnSpPr>
+          <p:spPr>
+            <a:xfrm>
+              <a:off x="7338059" y="2893695"/>
+              <a:ext cx="723902" cy="3898"/>
+            </a:xfrm>
+            <a:prstGeom prst="straightConnector1">
+              <a:avLst/>
+            </a:prstGeom>
+            <a:ln w="38100">
+              <a:tailEnd type="triangle"/>
+            </a:ln>
+          </p:spPr>
+          <p:style>
+            <a:lnRef idx="1">
+              <a:schemeClr val="dk1"/>
+            </a:lnRef>
+            <a:fillRef idx="0">
+              <a:schemeClr val="dk1"/>
+            </a:fillRef>
+            <a:effectRef idx="0">
+              <a:schemeClr val="dk1"/>
+            </a:effectRef>
+            <a:fontRef idx="minor">
+              <a:schemeClr val="tx1"/>
+            </a:fontRef>
+          </p:style>
+        </p:cxnSp>
+        <p:grpSp>
+          <p:nvGrpSpPr>
+            <p:cNvPr id="81" name="组合 80">
+              <a:extLst>
+                <a:ext uri="{FF2B5EF4-FFF2-40B4-BE49-F238E27FC236}">
+                  <a16:creationId xmlns:a16="http://schemas.microsoft.com/office/drawing/2014/main" id="{F5D7F1B7-A3BC-A768-A1BB-AA214B4FAADE}"/>
+                </a:ext>
+              </a:extLst>
+            </p:cNvPr>
+            <p:cNvGrpSpPr/>
+            <p:nvPr/>
+          </p:nvGrpSpPr>
+          <p:grpSpPr>
+            <a:xfrm>
+              <a:off x="6240780" y="2893695"/>
+              <a:ext cx="1516380" cy="1259205"/>
+              <a:chOff x="6240780" y="2893695"/>
+              <a:chExt cx="1516380" cy="1259205"/>
+            </a:xfrm>
+          </p:grpSpPr>
+          <p:cxnSp>
+            <p:nvCxnSpPr>
+              <p:cNvPr id="56" name="直接连接符 55">
+                <a:extLst>
+                  <a:ext uri="{FF2B5EF4-FFF2-40B4-BE49-F238E27FC236}">
+                    <a16:creationId xmlns:a16="http://schemas.microsoft.com/office/drawing/2014/main" id="{13DE29B2-C2F2-9354-B003-7EB2B401AE9B}"/>
+                  </a:ext>
+                </a:extLst>
+              </p:cNvPr>
+              <p:cNvCxnSpPr/>
+              <p:nvPr/>
+            </p:nvCxnSpPr>
+            <p:spPr>
+              <a:xfrm>
+                <a:off x="6240780" y="2893695"/>
+                <a:ext cx="0" cy="1259205"/>
+              </a:xfrm>
+              <a:prstGeom prst="line">
+                <a:avLst/>
+              </a:prstGeom>
+              <a:ln w="38100" cap="rnd">
+                <a:round/>
+              </a:ln>
+            </p:spPr>
+            <p:style>
+              <a:lnRef idx="1">
+                <a:schemeClr val="dk1"/>
+              </a:lnRef>
+              <a:fillRef idx="0">
+                <a:schemeClr val="dk1"/>
+              </a:fillRef>
+              <a:effectRef idx="0">
+                <a:schemeClr val="dk1"/>
+              </a:effectRef>
+              <a:fontRef idx="minor">
+                <a:schemeClr val="tx1"/>
+              </a:fontRef>
+            </p:style>
+          </p:cxnSp>
+          <p:cxnSp>
+            <p:nvCxnSpPr>
+              <p:cNvPr id="58" name="直接连接符 57">
+                <a:extLst>
+                  <a:ext uri="{FF2B5EF4-FFF2-40B4-BE49-F238E27FC236}">
+                    <a16:creationId xmlns:a16="http://schemas.microsoft.com/office/drawing/2014/main" id="{64EA7DBA-EB82-630D-58C8-165EA7FFDE68}"/>
+                  </a:ext>
+                </a:extLst>
+              </p:cNvPr>
+              <p:cNvCxnSpPr>
+                <a:cxnSpLocks/>
+              </p:cNvCxnSpPr>
+              <p:nvPr/>
+            </p:nvCxnSpPr>
+            <p:spPr>
+              <a:xfrm flipH="1">
+                <a:off x="6240780" y="4145235"/>
+                <a:ext cx="1516380" cy="7665"/>
+              </a:xfrm>
+              <a:prstGeom prst="line">
+                <a:avLst/>
+              </a:prstGeom>
+              <a:ln w="38100" cap="rnd">
+                <a:round/>
+              </a:ln>
+            </p:spPr>
+            <p:style>
+              <a:lnRef idx="1">
+                <a:schemeClr val="dk1"/>
+              </a:lnRef>
+              <a:fillRef idx="0">
+                <a:schemeClr val="dk1"/>
+              </a:fillRef>
+              <a:effectRef idx="0">
+                <a:schemeClr val="dk1"/>
+              </a:effectRef>
+              <a:fontRef idx="minor">
+                <a:schemeClr val="tx1"/>
+              </a:fontRef>
+            </p:style>
+          </p:cxnSp>
+          <p:cxnSp>
+            <p:nvCxnSpPr>
+              <p:cNvPr id="70" name="直接箭头连接符 69">
+                <a:extLst>
+                  <a:ext uri="{FF2B5EF4-FFF2-40B4-BE49-F238E27FC236}">
+                    <a16:creationId xmlns:a16="http://schemas.microsoft.com/office/drawing/2014/main" id="{32A3EE3D-3D61-BC2D-9623-2133E85A957C}"/>
+                  </a:ext>
+                </a:extLst>
+              </p:cNvPr>
+              <p:cNvCxnSpPr>
+                <a:cxnSpLocks/>
+              </p:cNvCxnSpPr>
+              <p:nvPr/>
+            </p:nvCxnSpPr>
+            <p:spPr>
+              <a:xfrm flipH="1" flipV="1">
+                <a:off x="7757159" y="2897593"/>
+                <a:ext cx="1" cy="1243875"/>
+              </a:xfrm>
+              <a:prstGeom prst="straightConnector1">
+                <a:avLst/>
+              </a:prstGeom>
+              <a:ln w="38100" cap="rnd">
+                <a:round/>
+                <a:tailEnd type="triangle"/>
+              </a:ln>
+            </p:spPr>
+            <p:style>
+              <a:lnRef idx="1">
+                <a:schemeClr val="dk1"/>
+              </a:lnRef>
+              <a:fillRef idx="0">
+                <a:schemeClr val="dk1"/>
+              </a:fillRef>
+              <a:effectRef idx="0">
+                <a:schemeClr val="dk1"/>
+              </a:effectRef>
+              <a:fontRef idx="minor">
+                <a:schemeClr val="tx1"/>
+              </a:fontRef>
+            </p:style>
+          </p:cxnSp>
+        </p:grpSp>
+        <p:sp>
+          <p:nvSpPr>
+            <p:cNvPr id="75" name="文本框 74">
+              <a:extLst>
+                <a:ext uri="{FF2B5EF4-FFF2-40B4-BE49-F238E27FC236}">
+                  <a16:creationId xmlns:a16="http://schemas.microsoft.com/office/drawing/2014/main" id="{8EC002EF-5580-7966-3461-5C2C551392E2}"/>
+                </a:ext>
+              </a:extLst>
+            </p:cNvPr>
+            <p:cNvSpPr txBox="1"/>
+            <p:nvPr/>
+          </p:nvSpPr>
+          <p:spPr>
+            <a:xfrm>
+              <a:off x="6749592" y="2244140"/>
+              <a:ext cx="553998" cy="1310538"/>
+            </a:xfrm>
+            <a:prstGeom prst="rect">
+              <a:avLst/>
+            </a:prstGeom>
+            <a:noFill/>
+          </p:spPr>
+          <p:txBody>
+            <a:bodyPr vert="vert270" wrap="square" rtlCol="0">
+              <a:spAutoFit/>
+            </a:bodyPr>
+            <a:lstStyle/>
+            <a:p>
+              <a:pPr algn="ctr"/>
+              <a:r>
+                <a:rPr lang="en-US" altLang="zh-CN" sz="2400" b="1" dirty="0" err="1">
+                  <a:latin typeface="+mn-ea"/>
+                </a:rPr>
+                <a:t>BiGRU</a:t>
+              </a:r>
+              <a:endParaRPr lang="zh-CN" altLang="en-US" sz="2400" b="1" dirty="0">
+                <a:latin typeface="+mn-ea"/>
+              </a:endParaRPr>
+            </a:p>
+          </p:txBody>
+        </p:sp>
+        <p:sp>
+          <p:nvSpPr>
+            <p:cNvPr id="76" name="文本框 75">
+              <a:extLst>
+                <a:ext uri="{FF2B5EF4-FFF2-40B4-BE49-F238E27FC236}">
+                  <a16:creationId xmlns:a16="http://schemas.microsoft.com/office/drawing/2014/main" id="{3AF6BB0A-EDE9-6C6B-2566-3AD9D29D7B65}"/>
+                </a:ext>
+              </a:extLst>
+            </p:cNvPr>
+            <p:cNvSpPr txBox="1"/>
+            <p:nvPr/>
+          </p:nvSpPr>
+          <p:spPr>
+            <a:xfrm>
+              <a:off x="8096429" y="2252691"/>
+              <a:ext cx="553998" cy="1310538"/>
+            </a:xfrm>
+            <a:prstGeom prst="rect">
+              <a:avLst/>
+            </a:prstGeom>
+            <a:noFill/>
+          </p:spPr>
+          <p:txBody>
+            <a:bodyPr vert="vert270" wrap="square" rtlCol="0">
+              <a:spAutoFit/>
+            </a:bodyPr>
+            <a:lstStyle/>
+            <a:p>
+              <a:pPr algn="ctr"/>
+              <a:r>
+                <a:rPr lang="en-US" altLang="zh-CN" sz="2400" b="1" dirty="0" err="1">
+                  <a:latin typeface="+mn-ea"/>
+                </a:rPr>
+                <a:t>BiGRU</a:t>
+              </a:r>
+              <a:endParaRPr lang="zh-CN" altLang="en-US" sz="2400" b="1" dirty="0">
+                <a:latin typeface="+mn-ea"/>
+              </a:endParaRPr>
+            </a:p>
+          </p:txBody>
+        </p:sp>
+        <p:cxnSp>
+          <p:nvCxnSpPr>
+            <p:cNvPr id="77" name="直接箭头连接符 76">
+              <a:extLst>
+                <a:ext uri="{FF2B5EF4-FFF2-40B4-BE49-F238E27FC236}">
+                  <a16:creationId xmlns:a16="http://schemas.microsoft.com/office/drawing/2014/main" id="{FE0D9528-5670-F559-3FCD-74B6CC8F0DE3}"/>
+                </a:ext>
+              </a:extLst>
+            </p:cNvPr>
+            <p:cNvCxnSpPr>
+              <a:cxnSpLocks/>
+              <a:stCxn id="16" idx="3"/>
+            </p:cNvCxnSpPr>
+            <p:nvPr/>
+          </p:nvCxnSpPr>
+          <p:spPr>
+            <a:xfrm>
+              <a:off x="8684896" y="2897593"/>
+              <a:ext cx="1125855" cy="0"/>
+            </a:xfrm>
+            <a:prstGeom prst="straightConnector1">
+              <a:avLst/>
+            </a:prstGeom>
+            <a:ln w="38100">
+              <a:tailEnd type="triangle"/>
+            </a:ln>
+          </p:spPr>
+          <p:style>
+            <a:lnRef idx="1">
+              <a:schemeClr val="dk1"/>
+            </a:lnRef>
+            <a:fillRef idx="0">
+              <a:schemeClr val="dk1"/>
+            </a:fillRef>
+            <a:effectRef idx="0">
+              <a:schemeClr val="dk1"/>
+            </a:effectRef>
+            <a:fontRef idx="minor">
+              <a:schemeClr val="tx1"/>
+            </a:fontRef>
+          </p:style>
+        </p:cxnSp>
+        <p:grpSp>
+          <p:nvGrpSpPr>
+            <p:cNvPr id="82" name="组合 81">
+              <a:extLst>
+                <a:ext uri="{FF2B5EF4-FFF2-40B4-BE49-F238E27FC236}">
+                  <a16:creationId xmlns:a16="http://schemas.microsoft.com/office/drawing/2014/main" id="{E59250EB-4FF4-5B8D-0797-47A0699B71E6}"/>
+                </a:ext>
+              </a:extLst>
+            </p:cNvPr>
+            <p:cNvGrpSpPr/>
+            <p:nvPr/>
+          </p:nvGrpSpPr>
+          <p:grpSpPr>
+            <a:xfrm>
+              <a:off x="3501150" y="2901359"/>
+              <a:ext cx="6111240" cy="1747727"/>
+              <a:chOff x="6240780" y="2881670"/>
+              <a:chExt cx="1516380" cy="1271230"/>
+            </a:xfrm>
+          </p:grpSpPr>
+          <p:cxnSp>
+            <p:nvCxnSpPr>
+              <p:cNvPr id="83" name="直接连接符 82">
+                <a:extLst>
+                  <a:ext uri="{FF2B5EF4-FFF2-40B4-BE49-F238E27FC236}">
+                    <a16:creationId xmlns:a16="http://schemas.microsoft.com/office/drawing/2014/main" id="{EF7461BC-14BC-14B4-2496-074D31368111}"/>
+                  </a:ext>
+                </a:extLst>
+              </p:cNvPr>
+              <p:cNvCxnSpPr/>
+              <p:nvPr/>
+            </p:nvCxnSpPr>
+            <p:spPr>
+              <a:xfrm>
+                <a:off x="6240780" y="2893695"/>
+                <a:ext cx="0" cy="1259205"/>
+              </a:xfrm>
+              <a:prstGeom prst="line">
+                <a:avLst/>
+              </a:prstGeom>
+              <a:ln w="38100" cap="rnd">
+                <a:round/>
+              </a:ln>
+            </p:spPr>
+            <p:style>
+              <a:lnRef idx="1">
+                <a:schemeClr val="dk1"/>
+              </a:lnRef>
+              <a:fillRef idx="0">
+                <a:schemeClr val="dk1"/>
+              </a:fillRef>
+              <a:effectRef idx="0">
+                <a:schemeClr val="dk1"/>
+              </a:effectRef>
+              <a:fontRef idx="minor">
+                <a:schemeClr val="tx1"/>
+              </a:fontRef>
+            </p:style>
+          </p:cxnSp>
+          <p:cxnSp>
+            <p:nvCxnSpPr>
+              <p:cNvPr id="84" name="直接连接符 83">
+                <a:extLst>
+                  <a:ext uri="{FF2B5EF4-FFF2-40B4-BE49-F238E27FC236}">
+                    <a16:creationId xmlns:a16="http://schemas.microsoft.com/office/drawing/2014/main" id="{A82B55C2-AF40-9DA4-C588-9B0ECBEEA3FB}"/>
+                  </a:ext>
+                </a:extLst>
+              </p:cNvPr>
+              <p:cNvCxnSpPr>
+                <a:cxnSpLocks/>
+              </p:cNvCxnSpPr>
+              <p:nvPr/>
+            </p:nvCxnSpPr>
+            <p:spPr>
+              <a:xfrm flipH="1">
+                <a:off x="6240780" y="4145235"/>
+                <a:ext cx="1516380" cy="7665"/>
+              </a:xfrm>
+              <a:prstGeom prst="line">
+                <a:avLst/>
+              </a:prstGeom>
+              <a:ln w="38100" cap="rnd">
+                <a:round/>
+              </a:ln>
+            </p:spPr>
+            <p:style>
+              <a:lnRef idx="1">
+                <a:schemeClr val="dk1"/>
+              </a:lnRef>
+              <a:fillRef idx="0">
+                <a:schemeClr val="dk1"/>
+              </a:fillRef>
+              <a:effectRef idx="0">
+                <a:schemeClr val="dk1"/>
+              </a:effectRef>
+              <a:fontRef idx="minor">
+                <a:schemeClr val="tx1"/>
+              </a:fontRef>
+            </p:style>
+          </p:cxnSp>
+          <p:cxnSp>
+            <p:nvCxnSpPr>
+              <p:cNvPr id="85" name="直接箭头连接符 84">
+                <a:extLst>
+                  <a:ext uri="{FF2B5EF4-FFF2-40B4-BE49-F238E27FC236}">
+                    <a16:creationId xmlns:a16="http://schemas.microsoft.com/office/drawing/2014/main" id="{5E5C29E6-BF8E-28B9-8AFE-B1526DDC4894}"/>
+                  </a:ext>
+                </a:extLst>
+              </p:cNvPr>
+              <p:cNvCxnSpPr>
+                <a:cxnSpLocks/>
+              </p:cNvCxnSpPr>
+              <p:nvPr/>
+            </p:nvCxnSpPr>
+            <p:spPr>
+              <a:xfrm flipH="1" flipV="1">
+                <a:off x="7757159" y="2881670"/>
+                <a:ext cx="1" cy="1259798"/>
+              </a:xfrm>
+              <a:prstGeom prst="straightConnector1">
+                <a:avLst/>
+              </a:prstGeom>
+              <a:ln w="38100" cap="rnd">
+                <a:round/>
+                <a:tailEnd type="triangle"/>
+              </a:ln>
+            </p:spPr>
+            <p:style>
+              <a:lnRef idx="1">
+                <a:schemeClr val="dk1"/>
+              </a:lnRef>
+              <a:fillRef idx="0">
+                <a:schemeClr val="dk1"/>
+              </a:fillRef>
+              <a:effectRef idx="0">
+                <a:schemeClr val="dk1"/>
+              </a:effectRef>
+              <a:fontRef idx="minor">
+                <a:schemeClr val="tx1"/>
+              </a:fontRef>
+            </p:style>
+          </p:cxnSp>
+        </p:grpSp>
+        <p:sp>
+          <p:nvSpPr>
+            <p:cNvPr id="87" name="文本框 86">
+              <a:extLst>
+                <a:ext uri="{FF2B5EF4-FFF2-40B4-BE49-F238E27FC236}">
+                  <a16:creationId xmlns:a16="http://schemas.microsoft.com/office/drawing/2014/main" id="{9E730C7C-107D-2869-FC49-9A15B7255C97}"/>
+                </a:ext>
+              </a:extLst>
+            </p:cNvPr>
+            <p:cNvSpPr txBox="1"/>
+            <p:nvPr/>
+          </p:nvSpPr>
+          <p:spPr>
+            <a:xfrm>
+              <a:off x="4170878" y="1278636"/>
+              <a:ext cx="4771784" cy="461665"/>
             </a:xfrm>
             <a:prstGeom prst="rect">
               <a:avLst/>
@@ -40603,14 +42422,93 @@
             <a:p>
               <a:pPr algn="ctr"/>
               <a:r>
-                <a:rPr lang="en-US" altLang="zh-CN" sz="3600" b="1" dirty="0" err="1">
+                <a:rPr lang="en-US" altLang="zh-CN" sz="2400" b="1" dirty="0">
                   <a:latin typeface="+mn-ea"/>
                 </a:rPr>
-                <a:t>SRB</a:t>
+                <a:t>Sequential Residual Block</a:t>
               </a:r>
-              <a:endParaRPr lang="zh-CN" altLang="en-US" sz="3600" b="1" dirty="0">
+              <a:endParaRPr lang="zh-CN" altLang="en-US" sz="2400" b="1" dirty="0">
                 <a:latin typeface="+mn-ea"/>
               </a:endParaRPr>
+            </a:p>
+          </p:txBody>
+        </p:sp>
+        <p:sp>
+          <p:nvSpPr>
+            <p:cNvPr id="88" name="文本框 87">
+              <a:extLst>
+                <a:ext uri="{FF2B5EF4-FFF2-40B4-BE49-F238E27FC236}">
+                  <a16:creationId xmlns:a16="http://schemas.microsoft.com/office/drawing/2014/main" id="{04CDA017-E136-FCA5-AC7A-33686B8F3435}"/>
+                </a:ext>
+              </a:extLst>
+            </p:cNvPr>
+            <p:cNvSpPr txBox="1"/>
+            <p:nvPr/>
+          </p:nvSpPr>
+          <p:spPr>
+            <a:xfrm>
+              <a:off x="8158528" y="3851128"/>
+              <a:ext cx="1002618" cy="523220"/>
+            </a:xfrm>
+            <a:prstGeom prst="rect">
+              <a:avLst/>
+            </a:prstGeom>
+            <a:noFill/>
+          </p:spPr>
+          <p:txBody>
+            <a:bodyPr wrap="square" rtlCol="0">
+              <a:spAutoFit/>
+            </a:bodyPr>
+            <a:lstStyle/>
+            <a:p>
+              <a:pPr algn="ctr"/>
+              <a:r>
+                <a:rPr lang="en-US" altLang="zh-CN" sz="2800" b="1" dirty="0">
+                  <a:latin typeface="+mn-ea"/>
+                </a:rPr>
+                <a:t>×2</a:t>
+              </a:r>
+              <a:endParaRPr lang="zh-CN" altLang="en-US" sz="2800" b="1" dirty="0">
+                <a:latin typeface="+mn-ea"/>
+              </a:endParaRPr>
+            </a:p>
+          </p:txBody>
+        </p:sp>
+        <p:sp>
+          <p:nvSpPr>
+            <p:cNvPr id="89" name="文本框 88">
+              <a:extLst>
+                <a:ext uri="{FF2B5EF4-FFF2-40B4-BE49-F238E27FC236}">
+                  <a16:creationId xmlns:a16="http://schemas.microsoft.com/office/drawing/2014/main" id="{19B71D74-7AF7-9217-3AD1-4D5BD989B0A3}"/>
+                </a:ext>
+              </a:extLst>
+            </p:cNvPr>
+            <p:cNvSpPr txBox="1"/>
+            <p:nvPr/>
+          </p:nvSpPr>
+          <p:spPr>
+            <a:xfrm>
+              <a:off x="9845220" y="2554017"/>
+              <a:ext cx="2087873" cy="707886"/>
+            </a:xfrm>
+            <a:prstGeom prst="rect">
+              <a:avLst/>
+            </a:prstGeom>
+            <a:noFill/>
+          </p:spPr>
+          <p:txBody>
+            <a:bodyPr wrap="square" rtlCol="0">
+              <a:spAutoFit/>
+            </a:bodyPr>
+            <a:lstStyle/>
+            <a:p>
+              <a:r>
+                <a:rPr lang="zh-CN" altLang="en-US" sz="2000" b="1" dirty="0">
+                  <a:latin typeface="宋体" panose="02010600030101010101" pitchFamily="2" charset="-122"/>
+                  <a:ea typeface="宋体" panose="02010600030101010101" pitchFamily="2" charset="-122"/>
+                </a:rPr>
+                <a:t>输出浅层图像特征和序列特征</a:t>
+              </a:r>
             </a:p>
           </p:txBody>
         </p:sp>
